--- a/11-valid/validity-10.pptx
+++ b/11-valid/validity-10.pptx
@@ -293,7 +293,7 @@
           <a:p>
             <a:fld id="{E1C14020-C86F-44CF-B312-F5A319AF4C0F}" type="datetimeFigureOut">
               <a:rPr lang="de-DE" smtClean="0"/>
-              <a:t>21.01.22</a:t>
+              <a:t>24.01.22</a:t>
             </a:fld>
             <a:endParaRPr lang="de-DE"/>
           </a:p>
@@ -458,7 +458,7 @@
           <a:p>
             <a:fld id="{F65825FF-D0BE-439C-953B-50BAD0D90B96}" type="datetimeFigureOut">
               <a:rPr lang="de-DE" smtClean="0"/>
-              <a:t>21.01.22</a:t>
+              <a:t>24.01.22</a:t>
             </a:fld>
             <a:endParaRPr lang="de-DE"/>
           </a:p>
@@ -1131,129 +1131,358 @@
           <a:bodyPr/>
           <a:lstStyle/>
           <a:p>
-            <a:pPr marL="171450" indent="-171450">
+            <a:pPr marL="0" indent="0">
               <a:buFont typeface="Arial" panose="020B0604020202020204" pitchFamily="34" charset="0"/>
-              <a:buChar char="•"/>
+              <a:buNone/>
             </a:pPr>
+            <a:endParaRPr lang="de-DE" dirty="0"/>
+          </a:p>
+          <a:p>
+            <a:pPr marL="0" indent="0">
+              <a:buFont typeface="Arial" panose="020B0604020202020204" pitchFamily="34" charset="0"/>
+              <a:buNone/>
+            </a:pPr>
             <a:r>
               <a:rPr lang="de-DE" dirty="0"/>
-              <a:t>Bei </a:t>
+              <a:t>Einstiegsfrage: Was sind </a:t>
+            </a:r>
+            <a:r>
+              <a:rPr lang="de-DE" i="1" dirty="0"/>
+              <a:t>operational-definierte Merkmale</a:t>
+            </a:r>
+            <a:endParaRPr lang="de-DE" dirty="0"/>
+          </a:p>
+          <a:p>
+            <a:pPr marL="0" indent="0">
+              <a:buFont typeface="Arial" panose="020B0604020202020204" pitchFamily="34" charset="0"/>
+              <a:buNone/>
+            </a:pPr>
+            <a:r>
+              <a:rPr lang="de-DE" dirty="0"/>
+              <a:t>-&gt; Merkmal wird durch Testinhalt (d.h. Items) bestimmt</a:t>
+            </a:r>
+          </a:p>
+          <a:p>
+            <a:pPr marL="0" indent="0">
+              <a:buFont typeface="Arial" panose="020B0604020202020204" pitchFamily="34" charset="0"/>
+              <a:buNone/>
+            </a:pPr>
+            <a:endParaRPr lang="de-DE" dirty="0"/>
+          </a:p>
+          <a:p>
+            <a:pPr marL="0" indent="0">
+              <a:buFont typeface="Arial" panose="020B0604020202020204" pitchFamily="34" charset="0"/>
+              <a:buNone/>
+            </a:pPr>
+            <a:r>
+              <a:rPr lang="de-DE" dirty="0"/>
+              <a:t>Zu 1) Bei operational-definierten Merkmalen bezieht sich die Inhaltsvalidität auf die </a:t>
+            </a:r>
+            <a:r>
+              <a:rPr lang="de-DE" i="1" dirty="0"/>
+              <a:t>verallgemeinernde</a:t>
+            </a:r>
+            <a:r>
+              <a:rPr lang="de-DE" dirty="0"/>
+              <a:t> Interpretation</a:t>
+            </a:r>
+          </a:p>
+          <a:p>
+            <a:pPr marL="0" indent="0">
+              <a:buFont typeface="Arial" panose="020B0604020202020204" pitchFamily="34" charset="0"/>
+              <a:buNone/>
+            </a:pPr>
+            <a:endParaRPr lang="de-DE" dirty="0"/>
+          </a:p>
+          <a:p>
+            <a:pPr marL="0" marR="0" lvl="0" indent="0" algn="l" defTabSz="914400" rtl="0" eaLnBrk="1" fontAlgn="auto" latinLnBrk="0" hangingPunct="1">
+              <a:lnSpc>
+                <a:spcPct val="100000"/>
+              </a:lnSpc>
+              <a:spcBef>
+                <a:spcPts val="0"/>
+              </a:spcBef>
+              <a:spcAft>
+                <a:spcPts val="0"/>
+              </a:spcAft>
+              <a:buClrTx/>
+              <a:buSzTx/>
+              <a:buFont typeface="Arial" panose="020B0604020202020204" pitchFamily="34" charset="0"/>
+              <a:buNone/>
+              <a:tabLst/>
+              <a:defRPr/>
+            </a:pPr>
+            <a:r>
+              <a:rPr lang="de-DE" u="sng" dirty="0"/>
+              <a:t>Rückfrage (1.1)</a:t>
+            </a:r>
+            <a:r>
+              <a:rPr lang="de-DE" dirty="0"/>
+              <a:t>: </a:t>
+            </a:r>
+            <a:r>
+              <a:rPr lang="de-DE" dirty="0">
+                <a:solidFill>
+                  <a:schemeClr val="accent2"/>
+                </a:solidFill>
+              </a:rPr>
+              <a:t>Was könnte mit einer verallgemeinernden Interpretation gemeint sein? </a:t>
+            </a:r>
+          </a:p>
+          <a:p>
+            <a:pPr marL="0" marR="0" lvl="0" indent="0" algn="l" defTabSz="914400" rtl="0" eaLnBrk="1" fontAlgn="auto" latinLnBrk="0" hangingPunct="1">
+              <a:lnSpc>
+                <a:spcPct val="100000"/>
+              </a:lnSpc>
+              <a:spcBef>
+                <a:spcPts val="0"/>
+              </a:spcBef>
+              <a:spcAft>
+                <a:spcPts val="0"/>
+              </a:spcAft>
+              <a:buClrTx/>
+              <a:buSzTx/>
+              <a:buFont typeface="Arial" panose="020B0604020202020204" pitchFamily="34" charset="0"/>
+              <a:buNone/>
+              <a:tabLst/>
+              <a:defRPr/>
+            </a:pPr>
+            <a:r>
+              <a:rPr lang="de-DE" sz="1200" dirty="0">
+                <a:sym typeface="Symbol" pitchFamily="2" charset="2"/>
+              </a:rPr>
+              <a:t>-&gt; Nachweis, dass Items des Tests die definierten Konstrukte hinreichend gut </a:t>
+            </a:r>
+            <a:r>
+              <a:rPr lang="de-DE" sz="1200" i="1" dirty="0">
+                <a:sym typeface="Symbol" pitchFamily="2" charset="2"/>
+              </a:rPr>
+              <a:t>repräsentieren</a:t>
+            </a:r>
+          </a:p>
+          <a:p>
+            <a:pPr marL="0" marR="0" lvl="0" indent="0" algn="l" defTabSz="914400" rtl="0" eaLnBrk="1" fontAlgn="auto" latinLnBrk="0" hangingPunct="1">
+              <a:lnSpc>
+                <a:spcPct val="100000"/>
+              </a:lnSpc>
+              <a:spcBef>
+                <a:spcPts val="0"/>
+              </a:spcBef>
+              <a:spcAft>
+                <a:spcPts val="0"/>
+              </a:spcAft>
+              <a:buClrTx/>
+              <a:buSzTx/>
+              <a:buFont typeface="Arial" panose="020B0604020202020204" pitchFamily="34" charset="0"/>
+              <a:buNone/>
+              <a:tabLst/>
+              <a:defRPr/>
+            </a:pPr>
+            <a:r>
+              <a:rPr lang="de-DE" sz="1200" dirty="0">
+                <a:sym typeface="Symbol" pitchFamily="2" charset="2"/>
+              </a:rPr>
+              <a:t>-&gt; (1.2.) d.h., von den Antworten in den bearbeiteten Items soll auf potenzielle Antworten im </a:t>
+            </a:r>
+            <a:r>
+              <a:rPr lang="de-DE" sz="1200" dirty="0" err="1">
+                <a:sym typeface="Symbol" pitchFamily="2" charset="2"/>
+              </a:rPr>
+              <a:t>Itemuniversum</a:t>
+            </a:r>
+            <a:r>
+              <a:rPr lang="de-DE" sz="1200" dirty="0">
+                <a:sym typeface="Symbol" pitchFamily="2" charset="2"/>
+              </a:rPr>
+              <a:t> geschlossen werden</a:t>
+            </a:r>
+            <a:endParaRPr lang="de-DE" sz="1200" i="1" dirty="0">
+              <a:sym typeface="Symbol" pitchFamily="2" charset="2"/>
+            </a:endParaRPr>
+          </a:p>
+          <a:p>
+            <a:pPr marL="0" marR="0" lvl="0" indent="0" algn="l" defTabSz="914400" rtl="0" eaLnBrk="1" fontAlgn="auto" latinLnBrk="0" hangingPunct="1">
+              <a:lnSpc>
+                <a:spcPct val="100000"/>
+              </a:lnSpc>
+              <a:spcBef>
+                <a:spcPts val="0"/>
+              </a:spcBef>
+              <a:spcAft>
+                <a:spcPts val="0"/>
+              </a:spcAft>
+              <a:buClrTx/>
+              <a:buSzTx/>
+              <a:buFont typeface="Arial" panose="020B0604020202020204" pitchFamily="34" charset="0"/>
+              <a:buNone/>
+              <a:tabLst/>
+              <a:defRPr/>
+            </a:pPr>
+            <a:endParaRPr lang="de-DE" sz="1200" dirty="0">
+              <a:sym typeface="Symbol" pitchFamily="2" charset="2"/>
+            </a:endParaRPr>
+          </a:p>
+          <a:p>
+            <a:pPr marL="0" marR="0" lvl="0" indent="0" algn="l" defTabSz="914400" rtl="0" eaLnBrk="1" fontAlgn="auto" latinLnBrk="0" hangingPunct="1">
+              <a:lnSpc>
+                <a:spcPct val="100000"/>
+              </a:lnSpc>
+              <a:spcBef>
+                <a:spcPts val="0"/>
+              </a:spcBef>
+              <a:spcAft>
+                <a:spcPts val="0"/>
+              </a:spcAft>
+              <a:buClrTx/>
+              <a:buSzTx/>
+              <a:buFont typeface="Arial" panose="020B0604020202020204" pitchFamily="34" charset="0"/>
+              <a:buNone/>
+              <a:tabLst/>
+              <a:defRPr/>
+            </a:pPr>
+            <a:r>
+              <a:rPr lang="de-DE" sz="1200" u="sng" dirty="0">
+                <a:sym typeface="Symbol" pitchFamily="2" charset="2"/>
+              </a:rPr>
+              <a:t>Rückfrage (1.3): </a:t>
+            </a:r>
+            <a:r>
+              <a:rPr lang="de-DE" sz="1200" dirty="0" err="1">
+                <a:solidFill>
+                  <a:schemeClr val="accent2"/>
+                </a:solidFill>
+                <a:sym typeface="Symbol" pitchFamily="2" charset="2"/>
+              </a:rPr>
+              <a:t>Itemuniversum</a:t>
+            </a:r>
+            <a:r>
+              <a:rPr lang="de-DE" sz="1200" dirty="0">
+                <a:sym typeface="Symbol" pitchFamily="2" charset="2"/>
+              </a:rPr>
+              <a:t>: Was war das nochmal?</a:t>
+            </a:r>
+            <a:endParaRPr lang="de-DE" dirty="0">
+              <a:sym typeface="Symbol" pitchFamily="2" charset="2"/>
+            </a:endParaRPr>
+          </a:p>
+          <a:p>
+            <a:pPr marL="0" marR="0" lvl="0" indent="0" algn="l" defTabSz="914400" rtl="0" eaLnBrk="1" fontAlgn="auto" latinLnBrk="0" hangingPunct="1">
+              <a:lnSpc>
+                <a:spcPct val="100000"/>
+              </a:lnSpc>
+              <a:spcBef>
+                <a:spcPts val="0"/>
+              </a:spcBef>
+              <a:spcAft>
+                <a:spcPts val="0"/>
+              </a:spcAft>
+              <a:buClrTx/>
+              <a:buSzTx/>
+              <a:buFont typeface="Arial" panose="020B0604020202020204" pitchFamily="34" charset="0"/>
+              <a:buNone/>
+              <a:tabLst/>
+              <a:defRPr/>
+            </a:pPr>
+            <a:r>
+              <a:rPr lang="de-DE" sz="1200" u="none" dirty="0">
+                <a:sym typeface="Symbol" pitchFamily="2" charset="2"/>
+              </a:rPr>
+              <a:t>-&gt; </a:t>
+            </a:r>
+            <a:r>
+              <a:rPr lang="de-DE" sz="1200" dirty="0">
+                <a:sym typeface="Symbol" pitchFamily="2" charset="2"/>
+              </a:rPr>
+              <a:t> hypothetische Menge aller möglicher Items</a:t>
+            </a:r>
+          </a:p>
+          <a:p>
+            <a:pPr marL="0" indent="0">
+              <a:buFont typeface="Arial" panose="020B0604020202020204" pitchFamily="34" charset="0"/>
+              <a:buNone/>
+            </a:pPr>
+            <a:endParaRPr lang="de-DE" dirty="0"/>
+          </a:p>
+          <a:p>
+            <a:pPr marL="0" indent="0">
+              <a:buFont typeface="Arial" panose="020B0604020202020204" pitchFamily="34" charset="0"/>
+              <a:buNone/>
+            </a:pPr>
+            <a:endParaRPr lang="de-DE" dirty="0"/>
+          </a:p>
+          <a:p>
+            <a:pPr marL="0" indent="0">
+              <a:buFont typeface="Arial" panose="020B0604020202020204" pitchFamily="34" charset="0"/>
+              <a:buNone/>
+            </a:pPr>
+            <a:r>
+              <a:rPr lang="de-DE" u="sng" dirty="0"/>
+              <a:t>Rückfrage</a:t>
+            </a:r>
+            <a:r>
+              <a:rPr lang="de-DE" dirty="0"/>
+              <a:t> (2): Was könnten Belege für eine hinreichende </a:t>
             </a:r>
             <a:r>
               <a:rPr lang="de-DE" dirty="0" err="1"/>
-              <a:t>operat</a:t>
+              <a:t>Repräsentativtität</a:t>
             </a:r>
             <a:r>
               <a:rPr lang="de-DE" dirty="0"/>
-              <a:t>.-</a:t>
-            </a:r>
-            <a:r>
-              <a:rPr lang="de-DE" dirty="0" err="1"/>
-              <a:t>def</a:t>
-            </a:r>
+              <a:t> der Items sein?</a:t>
+            </a:r>
+          </a:p>
+          <a:p>
+            <a:pPr marL="0" indent="0">
+              <a:buFont typeface="Arial" panose="020B0604020202020204" pitchFamily="34" charset="0"/>
+              <a:buNone/>
+            </a:pPr>
+            <a:endParaRPr lang="de-DE" dirty="0"/>
+          </a:p>
+          <a:p>
+            <a:pPr marL="0" indent="0">
+              <a:buFont typeface="Arial" panose="020B0604020202020204" pitchFamily="34" charset="0"/>
+              <a:buNone/>
+            </a:pPr>
             <a:r>
               <a:rPr lang="de-DE" dirty="0"/>
-              <a:t>. Merkmalen bezieht sich die Inhaltsvalidität auf die verallgemeinernde Interpretation</a:t>
-            </a:r>
-          </a:p>
-          <a:p>
-            <a:pPr marL="171450" indent="-171450">
+              <a:t>zu 2.2):</a:t>
+            </a:r>
+          </a:p>
+          <a:p>
+            <a:pPr marL="0" indent="0">
               <a:buFont typeface="Arial" panose="020B0604020202020204" pitchFamily="34" charset="0"/>
-              <a:buChar char="•"/>
+              <a:buNone/>
             </a:pPr>
-            <a:r>
-              <a:rPr lang="de-DE" dirty="0"/>
-              <a:t>Operational definierte Merkmale = solche, die über die </a:t>
-            </a:r>
-            <a:r>
-              <a:rPr lang="de-DE" b="1" dirty="0"/>
-              <a:t>Testinhalte</a:t>
-            </a:r>
-            <a:r>
-              <a:rPr lang="de-DE" dirty="0"/>
-              <a:t> definiert werden; Theorien oder theoretische Annahmen dazu, was die Ursache für Unterschiede in den Testergebnissen sind, sind unwichtig</a:t>
-            </a:r>
-          </a:p>
-          <a:p>
-            <a:pPr marL="171450" indent="-171450">
-              <a:buFont typeface="Arial" panose="020B0604020202020204" pitchFamily="34" charset="0"/>
-              <a:buChar char="•"/>
-            </a:pPr>
-            <a:r>
-              <a:rPr lang="de-DE" dirty="0"/>
-              <a:t>Verallgemeinernde Interpretation = erlauben die Inhalte des Tests, das Testergebnis über die konkret verwendeten Items hinaus zu interpretieren?</a:t>
-            </a:r>
-          </a:p>
-          <a:p>
-            <a:pPr marL="628650" lvl="1" indent="-171450">
-              <a:buFont typeface="Arial" panose="020B0604020202020204" pitchFamily="34" charset="0"/>
-              <a:buChar char="•"/>
-            </a:pPr>
-            <a:r>
-              <a:rPr lang="de-DE" dirty="0"/>
-              <a:t>das Testergebnis wird über die konkret verwendeten Items hinaus auf eine hypothetische Menge möglicher ähnlicher Items verallgemeinert; z.B. Klausur zur Überprüfung, ob Sie das im Modulhandbuch spezifizierte </a:t>
-            </a:r>
-            <a:r>
-              <a:rPr lang="de-DE" dirty="0" err="1"/>
-              <a:t>Lehrziel</a:t>
-            </a:r>
-            <a:r>
-              <a:rPr lang="de-DE" dirty="0"/>
-              <a:t> für das Modul Diagnostik und Testtheorie erreicht haben; Anzahl der gelösten Aufgaben werden interpretiert, ob und inwieweit Sie das Ziel erreicht haben </a:t>
-            </a:r>
             <a:r>
               <a:rPr lang="de-DE" dirty="0">
                 <a:sym typeface="Wingdings" pitchFamily="2" charset="2"/>
               </a:rPr>
-              <a:t> es wird aus der Anzahl der geösten Aufgaben in der Klausur darauf geschlossen.</a:t>
-            </a:r>
-          </a:p>
-          <a:p>
-            <a:pPr marL="171450" indent="-171450">
-              <a:buFont typeface="Arial" panose="020B0604020202020204" pitchFamily="34" charset="0"/>
-              <a:buChar char="•"/>
-            </a:pPr>
+              <a:t>- Leitfrage (</a:t>
+            </a:r>
+            <a:r>
+              <a:rPr lang="de-DE" dirty="0" err="1">
+                <a:sym typeface="Wingdings" pitchFamily="2" charset="2"/>
+              </a:rPr>
+              <a:t>Itemebene</a:t>
+            </a:r>
             <a:r>
               <a:rPr lang="de-DE" dirty="0">
                 <a:sym typeface="Wingdings" pitchFamily="2" charset="2"/>
               </a:rPr>
-              <a:t>Inhaltsvalidität müsste für jedes einzelne Item als auch für den Gesamttest ermittelt werden</a:t>
-            </a:r>
-          </a:p>
-          <a:p>
-            <a:pPr marL="171450" indent="-171450">
+              <a:t>): Ist unser Item ein Teil der interessierenden Gesamtheit möglicher Items zur Erfassung des Konstrukts?</a:t>
+            </a:r>
+          </a:p>
+          <a:p>
+            <a:pPr marL="0" indent="0">
               <a:buFont typeface="Arial" panose="020B0604020202020204" pitchFamily="34" charset="0"/>
-              <a:buChar char="•"/>
+              <a:buNone/>
             </a:pPr>
             <a:r>
               <a:rPr lang="de-DE" dirty="0">
                 <a:sym typeface="Wingdings" pitchFamily="2" charset="2"/>
               </a:rPr>
-              <a:t>Leitfrage auf </a:t>
-            </a:r>
-            <a:r>
-              <a:rPr lang="de-DE" dirty="0" err="1">
-                <a:sym typeface="Wingdings" pitchFamily="2" charset="2"/>
-              </a:rPr>
-              <a:t>Itemebene</a:t>
-            </a:r>
-            <a:r>
-              <a:rPr lang="de-DE" dirty="0">
-                <a:sym typeface="Wingdings" pitchFamily="2" charset="2"/>
-              </a:rPr>
-              <a:t>: Ist dieses Item ein Teil der interessierenden Gesamtheit möglicher Items?</a:t>
-            </a:r>
-          </a:p>
-          <a:p>
-            <a:pPr marL="171450" indent="-171450">
-              <a:buFont typeface="Arial" panose="020B0604020202020204" pitchFamily="34" charset="0"/>
-              <a:buChar char="•"/>
-            </a:pPr>
-            <a:r>
-              <a:rPr lang="de-DE" dirty="0">
-                <a:sym typeface="Wingdings" pitchFamily="2" charset="2"/>
-              </a:rPr>
-              <a:t>Leitfrage auf Gesamttest-Ebene: Stellen die Items eine repräsentative Auswahl der interessierenden Gesamtheit möglicher Items dar?</a:t>
+              <a:t>- Leitfrage (Gesamttest-Ebene): Sind unsere Test-Items eine repräsentative Auswahl der uns interessierenden Gesamtheit möglicher Items?</a:t>
             </a:r>
             <a:endParaRPr lang="de-DE" dirty="0"/>
           </a:p>
@@ -1339,19 +1568,275 @@
           <a:bodyPr/>
           <a:lstStyle/>
           <a:p>
-            <a:pPr marL="171450" indent="-171450">
+            <a:pPr marL="0" indent="0">
               <a:buFont typeface="Arial" panose="020B0604020202020204" pitchFamily="34" charset="0"/>
-              <a:buChar char="•"/>
+              <a:buNone/>
             </a:pPr>
+            <a:endParaRPr lang="de-DE" dirty="0"/>
+          </a:p>
+          <a:p>
+            <a:pPr marL="0" indent="0">
+              <a:buFont typeface="Arial" panose="020B0604020202020204" pitchFamily="34" charset="0"/>
+              <a:buNone/>
+            </a:pPr>
+            <a:r>
+              <a:rPr lang="en-GB" dirty="0" err="1">
+                <a:effectLst/>
+              </a:rPr>
+              <a:t>Einstiegsfrage</a:t>
+            </a:r>
+            <a:r>
+              <a:rPr lang="en-GB" dirty="0">
+                <a:effectLst/>
+              </a:rPr>
+              <a:t>: Was </a:t>
+            </a:r>
+            <a:r>
+              <a:rPr lang="en-GB" dirty="0" err="1">
+                <a:effectLst/>
+              </a:rPr>
+              <a:t>ist</a:t>
+            </a:r>
+            <a:r>
+              <a:rPr lang="en-GB" dirty="0">
+                <a:effectLst/>
+              </a:rPr>
+              <a:t> </a:t>
+            </a:r>
+            <a:r>
+              <a:rPr lang="en-GB" dirty="0" err="1">
+                <a:effectLst/>
+              </a:rPr>
+              <a:t>ein</a:t>
+            </a:r>
+            <a:r>
+              <a:rPr lang="en-GB" dirty="0">
+                <a:effectLst/>
+              </a:rPr>
+              <a:t> </a:t>
+            </a:r>
+            <a:r>
+              <a:rPr lang="en-GB" i="1" dirty="0" err="1">
+                <a:effectLst/>
+              </a:rPr>
+              <a:t>theoretisch-definiertes</a:t>
+            </a:r>
+            <a:r>
+              <a:rPr lang="en-GB" dirty="0">
+                <a:effectLst/>
+              </a:rPr>
+              <a:t> </a:t>
+            </a:r>
+            <a:r>
+              <a:rPr lang="en-GB" i="0" dirty="0" err="1">
+                <a:effectLst/>
+              </a:rPr>
+              <a:t>Merkmal</a:t>
+            </a:r>
+            <a:r>
+              <a:rPr lang="en-GB" dirty="0">
+                <a:effectLst/>
+              </a:rPr>
+              <a:t>.</a:t>
+            </a:r>
+          </a:p>
+          <a:p>
+            <a:pPr marL="0" indent="0">
+              <a:buFont typeface="Arial" panose="020B0604020202020204" pitchFamily="34" charset="0"/>
+              <a:buNone/>
+            </a:pPr>
+            <a:r>
+              <a:rPr lang="en-GB" dirty="0">
+                <a:effectLst/>
+              </a:rPr>
+              <a:t>-&gt; </a:t>
+            </a:r>
+            <a:r>
+              <a:rPr lang="en-GB" dirty="0" err="1">
+                <a:effectLst/>
+              </a:rPr>
+              <a:t>Konstrukt</a:t>
+            </a:r>
+            <a:r>
+              <a:rPr lang="en-GB" dirty="0"/>
+              <a:t> </a:t>
+            </a:r>
+            <a:r>
+              <a:rPr lang="en-GB" dirty="0" err="1"/>
+              <a:t>wird</a:t>
+            </a:r>
+            <a:r>
+              <a:rPr lang="en-GB" dirty="0"/>
+              <a:t> </a:t>
+            </a:r>
+            <a:r>
+              <a:rPr lang="en-GB" dirty="0" err="1"/>
+              <a:t>im</a:t>
+            </a:r>
+            <a:r>
+              <a:rPr lang="en-GB" dirty="0"/>
+              <a:t> </a:t>
+            </a:r>
+            <a:r>
+              <a:rPr lang="en-GB" dirty="0" err="1"/>
+              <a:t>Rahmen</a:t>
+            </a:r>
+            <a:r>
+              <a:rPr lang="en-GB" dirty="0"/>
+              <a:t> </a:t>
+            </a:r>
+            <a:r>
+              <a:rPr lang="en-GB" dirty="0" err="1"/>
+              <a:t>einer</a:t>
+            </a:r>
+            <a:r>
+              <a:rPr lang="en-GB" dirty="0"/>
+              <a:t> </a:t>
+            </a:r>
+            <a:r>
+              <a:rPr lang="en-GB" dirty="0" err="1">
+                <a:effectLst/>
+              </a:rPr>
+              <a:t>Theorie</a:t>
+            </a:r>
+            <a:r>
+              <a:rPr lang="en-GB" dirty="0">
+                <a:effectLst/>
+              </a:rPr>
+              <a:t> </a:t>
+            </a:r>
+            <a:r>
+              <a:rPr lang="en-GB" dirty="0" err="1">
+                <a:effectLst/>
+              </a:rPr>
+              <a:t>definiert</a:t>
+            </a:r>
+            <a:r>
+              <a:rPr lang="en-GB" dirty="0"/>
+              <a:t>.</a:t>
+            </a:r>
+            <a:endParaRPr lang="de-DE" dirty="0"/>
+          </a:p>
+          <a:p>
+            <a:pPr marL="0" indent="0">
+              <a:buFont typeface="Arial" panose="020B0604020202020204" pitchFamily="34" charset="0"/>
+              <a:buNone/>
+            </a:pPr>
+            <a:endParaRPr lang="de-DE" dirty="0"/>
+          </a:p>
+          <a:p>
+            <a:pPr marL="0" indent="0">
+              <a:buFont typeface="Arial" panose="020B0604020202020204" pitchFamily="34" charset="0"/>
+              <a:buNone/>
+            </a:pPr>
+            <a:endParaRPr lang="de-DE" dirty="0"/>
+          </a:p>
+          <a:p>
+            <a:pPr marL="0" marR="0" lvl="0" indent="0" algn="l" defTabSz="914400" rtl="0" eaLnBrk="1" fontAlgn="auto" latinLnBrk="0" hangingPunct="1">
+              <a:lnSpc>
+                <a:spcPct val="100000"/>
+              </a:lnSpc>
+              <a:spcBef>
+                <a:spcPts val="0"/>
+              </a:spcBef>
+              <a:spcAft>
+                <a:spcPts val="0"/>
+              </a:spcAft>
+              <a:buClrTx/>
+              <a:buSzTx/>
+              <a:buFont typeface="Arial" panose="020B0604020202020204" pitchFamily="34" charset="0"/>
+              <a:buNone/>
+              <a:tabLst/>
+              <a:defRPr/>
+            </a:pPr>
+            <a:r>
+              <a:rPr lang="de-DE" u="sng" dirty="0"/>
+              <a:t>Rückfrage: (2) </a:t>
+            </a:r>
+            <a:r>
+              <a:rPr lang="de-DE" dirty="0">
+                <a:solidFill>
+                  <a:schemeClr val="accent2"/>
+                </a:solidFill>
+              </a:rPr>
+              <a:t>Was könnte mit einer erklärenden Interpretation gemeint sein? </a:t>
+            </a:r>
+          </a:p>
+          <a:p>
+            <a:pPr marL="0" marR="0" lvl="0" indent="0" algn="l" defTabSz="914400" rtl="0" eaLnBrk="1" fontAlgn="auto" latinLnBrk="0" hangingPunct="1">
+              <a:lnSpc>
+                <a:spcPct val="100000"/>
+              </a:lnSpc>
+              <a:spcBef>
+                <a:spcPts val="0"/>
+              </a:spcBef>
+              <a:spcAft>
+                <a:spcPts val="0"/>
+              </a:spcAft>
+              <a:buClrTx/>
+              <a:buSzTx/>
+              <a:buFont typeface="Arial" panose="020B0604020202020204" pitchFamily="34" charset="0"/>
+              <a:buNone/>
+              <a:tabLst/>
+              <a:defRPr/>
+            </a:pPr>
             <a:r>
               <a:rPr lang="de-DE" dirty="0"/>
-              <a:t>Theoretisch-definiertes Merkmal: Konstrukt wird im Rahmen einer Theorie definiert u. in der Theorie wird spezifiziert, worauf bestimmte Unterschiede zwischen Personen zurückzuführen sind und warum sich diese Unterschiede in den Testergebnissen widerspiegeln</a:t>
-            </a:r>
-          </a:p>
-          <a:p>
-            <a:pPr marL="171450" indent="-171450">
+              <a:t>-&gt; (2.1) Theorie: spezifiziert, worauf bestimmte Unterschiede zwischen Personen zurückzuführen sind und warum sich diese Unterschiede in den Testergebnissen widerspiegeln</a:t>
+            </a:r>
+          </a:p>
+          <a:p>
+            <a:pPr marL="0" marR="0" lvl="0" indent="0" algn="l" defTabSz="914400" rtl="0" eaLnBrk="1" fontAlgn="auto" latinLnBrk="0" hangingPunct="1">
+              <a:lnSpc>
+                <a:spcPct val="100000"/>
+              </a:lnSpc>
+              <a:spcBef>
+                <a:spcPts val="0"/>
+              </a:spcBef>
+              <a:spcAft>
+                <a:spcPts val="0"/>
+              </a:spcAft>
+              <a:buClrTx/>
+              <a:buSzTx/>
               <a:buFont typeface="Arial" panose="020B0604020202020204" pitchFamily="34" charset="0"/>
-              <a:buChar char="•"/>
+              <a:buNone/>
+              <a:tabLst/>
+              <a:defRPr/>
+            </a:pPr>
+            <a:r>
+              <a:rPr lang="de-DE" dirty="0">
+                <a:solidFill>
+                  <a:schemeClr val="accent2"/>
+                </a:solidFill>
+              </a:rPr>
+              <a:t>-&gt; (2.2) d.h. wir schließen von den Item-Antworten auf die latenten Konstrukte</a:t>
+            </a:r>
+          </a:p>
+          <a:p>
+            <a:pPr marL="0" indent="0">
+              <a:buFont typeface="Arial" panose="020B0604020202020204" pitchFamily="34" charset="0"/>
+              <a:buNone/>
+            </a:pPr>
+            <a:endParaRPr lang="de-DE" dirty="0"/>
+          </a:p>
+          <a:p>
+            <a:pPr marL="0" indent="0">
+              <a:buFont typeface="Arial" panose="020B0604020202020204" pitchFamily="34" charset="0"/>
+              <a:buNone/>
+            </a:pPr>
+            <a:endParaRPr lang="de-DE" dirty="0"/>
+          </a:p>
+          <a:p>
+            <a:pPr marL="0" indent="0">
+              <a:buFont typeface="Arial" panose="020B0604020202020204" pitchFamily="34" charset="0"/>
+              <a:buNone/>
+            </a:pPr>
+            <a:endParaRPr lang="de-DE" dirty="0"/>
+          </a:p>
+          <a:p>
+            <a:pPr marL="0" indent="0">
+              <a:buFont typeface="Arial" panose="020B0604020202020204" pitchFamily="34" charset="0"/>
+              <a:buNone/>
             </a:pPr>
             <a:r>
               <a:rPr lang="de-DE" dirty="0"/>
@@ -1386,16 +1871,16 @@
             <a:endParaRPr lang="de-DE" dirty="0"/>
           </a:p>
           <a:p>
-            <a:pPr marL="171450" indent="-171450">
+            <a:pPr marL="0" indent="0">
               <a:buFont typeface="Arial" panose="020B0604020202020204" pitchFamily="34" charset="0"/>
-              <a:buChar char="•"/>
+              <a:buNone/>
             </a:pPr>
             <a:endParaRPr lang="de-DE" dirty="0"/>
           </a:p>
           <a:p>
-            <a:pPr marL="171450" indent="-171450">
+            <a:pPr marL="0" indent="0">
               <a:buFont typeface="Arial" panose="020B0604020202020204" pitchFamily="34" charset="0"/>
-              <a:buChar char="•"/>
+              <a:buNone/>
             </a:pPr>
             <a:endParaRPr lang="de-DE" dirty="0"/>
           </a:p>
@@ -1481,13 +1966,13 @@
           <a:bodyPr/>
           <a:lstStyle/>
           <a:p>
-            <a:pPr marL="171450" indent="-171450">
+            <a:pPr marL="0" indent="0">
               <a:buFontTx/>
-              <a:buChar char="-"/>
+              <a:buNone/>
             </a:pPr>
             <a:r>
               <a:rPr lang="de-DE" dirty="0"/>
-              <a:t>u.a. Argument, man könne die Inhaltsvalidität gar nicht bestimmen, weil das </a:t>
+              <a:t>Zu 1) Provokante These… da das </a:t>
             </a:r>
             <a:r>
               <a:rPr lang="de-DE" dirty="0" err="1"/>
@@ -1495,43 +1980,205 @@
             </a:r>
             <a:r>
               <a:rPr lang="de-DE" dirty="0"/>
-              <a:t> nicht bestimmbar ist</a:t>
-            </a:r>
-          </a:p>
-          <a:p>
-            <a:pPr marL="171450" indent="-171450">
+              <a:t> nicht bestimmbar ist, ist die Inhaltsvalidität nicht bestimmbar.</a:t>
+            </a:r>
+          </a:p>
+          <a:p>
+            <a:pPr marL="0" indent="0">
               <a:buFontTx/>
-              <a:buChar char="-"/>
+              <a:buNone/>
             </a:pPr>
+            <a:endParaRPr lang="de-DE" dirty="0"/>
+          </a:p>
+          <a:p>
+            <a:pPr marL="0" indent="0">
+              <a:buFontTx/>
+              <a:buNone/>
+            </a:pPr>
             <a:r>
               <a:rPr lang="de-DE" dirty="0"/>
-              <a:t>Teilweise keine Definitionen zu Konstrukten vorhanden</a:t>
-            </a:r>
-          </a:p>
-          <a:p>
-            <a:pPr marL="171450" indent="-171450">
+              <a:t>Zu 2) z.B. </a:t>
+            </a:r>
+            <a:r>
+              <a:rPr lang="de-DE" i="1" dirty="0" err="1"/>
+              <a:t>emprisiche</a:t>
+            </a:r>
+            <a:r>
+              <a:rPr lang="de-DE" dirty="0"/>
+              <a:t> Problem: es gibt keinen Koeffizienten der Inhaltsvalidität</a:t>
+            </a:r>
+          </a:p>
+          <a:p>
+            <a:pPr marL="0" indent="0">
               <a:buFontTx/>
-              <a:buChar char="-"/>
+              <a:buNone/>
             </a:pPr>
             <a:r>
               <a:rPr lang="de-DE" dirty="0"/>
-              <a:t>Schwierig, da es keine Koeffizienten gibt, mit denen es bestimmbar/objektivierbar wäre</a:t>
-            </a:r>
-          </a:p>
-          <a:p>
-            <a:pPr marL="171450" indent="-171450">
+              <a:t>(Gegenargument: </a:t>
+            </a:r>
+            <a:r>
+              <a:rPr lang="de-DE"/>
+              <a:t>z.B. </a:t>
+            </a:r>
+            <a:r>
+              <a:rPr lang="de-DE" dirty="0"/>
+              <a:t>Korrelation mit Außenkriterium)</a:t>
+            </a:r>
+          </a:p>
+          <a:p>
+            <a:pPr marL="0" indent="0">
               <a:buFontTx/>
-              <a:buChar char="-"/>
+              <a:buNone/>
             </a:pPr>
             <a:r>
               <a:rPr lang="de-DE" dirty="0"/>
-              <a:t>Frage an die Studierenden: Weshalb ist die Prüfung trotzdem wichtig?</a:t>
-            </a:r>
-          </a:p>
-          <a:p>
-            <a:pPr marL="171450" indent="-171450">
+              <a:t>Zusätzlich: </a:t>
+            </a:r>
+            <a:r>
+              <a:rPr lang="de-DE" i="1" dirty="0"/>
+              <a:t>theoretisch</a:t>
+            </a:r>
+            <a:r>
+              <a:rPr lang="de-DE" dirty="0"/>
+              <a:t> teilweise keine Definitionen zu Konstrukten vorhanden!</a:t>
+            </a:r>
+          </a:p>
+          <a:p>
+            <a:pPr marL="0" indent="0">
               <a:buFontTx/>
-              <a:buChar char="-"/>
+              <a:buNone/>
+            </a:pPr>
+            <a:endParaRPr lang="de-DE" dirty="0"/>
+          </a:p>
+          <a:p>
+            <a:pPr marL="0" marR="0" lvl="0" indent="0" algn="l" defTabSz="914400" rtl="0" eaLnBrk="1" fontAlgn="auto" latinLnBrk="0" hangingPunct="1">
+              <a:lnSpc>
+                <a:spcPct val="100000"/>
+              </a:lnSpc>
+              <a:spcBef>
+                <a:spcPts val="0"/>
+              </a:spcBef>
+              <a:spcAft>
+                <a:spcPts val="0"/>
+              </a:spcAft>
+              <a:buClrTx/>
+              <a:buSzTx/>
+              <a:buFontTx/>
+              <a:buNone/>
+              <a:tabLst/>
+              <a:defRPr/>
+            </a:pPr>
+            <a:r>
+              <a:rPr lang="de-DE" u="sng" dirty="0"/>
+              <a:t>Rückfrage</a:t>
+            </a:r>
+            <a:r>
+              <a:rPr lang="de-DE" dirty="0"/>
+              <a:t>: </a:t>
+            </a:r>
+            <a:r>
+              <a:rPr lang="de-DE" dirty="0">
+                <a:solidFill>
+                  <a:schemeClr val="accent2"/>
+                </a:solidFill>
+                <a:sym typeface="Symbol" pitchFamily="2" charset="2"/>
+              </a:rPr>
+              <a:t>Können wir deshalb die Inhaltsvalidität einfach auslassen? Ja, warum? – Nein, warum?</a:t>
+            </a:r>
+          </a:p>
+          <a:p>
+            <a:pPr marL="0" marR="0" lvl="0" indent="0" algn="l" defTabSz="914400" rtl="0" eaLnBrk="1" fontAlgn="auto" latinLnBrk="0" hangingPunct="1">
+              <a:lnSpc>
+                <a:spcPct val="100000"/>
+              </a:lnSpc>
+              <a:spcBef>
+                <a:spcPts val="0"/>
+              </a:spcBef>
+              <a:spcAft>
+                <a:spcPts val="0"/>
+              </a:spcAft>
+              <a:buClrTx/>
+              <a:buSzTx/>
+              <a:buFontTx/>
+              <a:buNone/>
+              <a:tabLst/>
+              <a:defRPr/>
+            </a:pPr>
+            <a:endParaRPr lang="de-DE" dirty="0">
+              <a:solidFill>
+                <a:schemeClr val="accent2"/>
+              </a:solidFill>
+              <a:sym typeface="Symbol" pitchFamily="2" charset="2"/>
+            </a:endParaRPr>
+          </a:p>
+          <a:p>
+            <a:pPr marL="0" marR="0" lvl="0" indent="0" algn="l" defTabSz="914400" rtl="0" eaLnBrk="1" fontAlgn="auto" latinLnBrk="0" hangingPunct="1">
+              <a:lnSpc>
+                <a:spcPct val="100000"/>
+              </a:lnSpc>
+              <a:spcBef>
+                <a:spcPts val="0"/>
+              </a:spcBef>
+              <a:spcAft>
+                <a:spcPts val="0"/>
+              </a:spcAft>
+              <a:buClrTx/>
+              <a:buSzTx/>
+              <a:buFontTx/>
+              <a:buNone/>
+              <a:tabLst/>
+              <a:defRPr/>
+            </a:pPr>
+            <a:r>
+              <a:rPr lang="de-DE" dirty="0">
+                <a:solidFill>
+                  <a:schemeClr val="accent2"/>
+                </a:solidFill>
+                <a:sym typeface="Symbol" pitchFamily="2" charset="2"/>
+              </a:rPr>
+              <a:t>Folgeüberlegung: Weshalb ist die Prüfung trotzdem </a:t>
+            </a:r>
+            <a:r>
+              <a:rPr lang="de-DE" dirty="0" err="1">
+                <a:solidFill>
+                  <a:schemeClr val="accent2"/>
+                </a:solidFill>
+                <a:sym typeface="Symbol" pitchFamily="2" charset="2"/>
+              </a:rPr>
+              <a:t>wichitig</a:t>
+            </a:r>
+            <a:r>
+              <a:rPr lang="de-DE" dirty="0">
+                <a:solidFill>
+                  <a:schemeClr val="accent2"/>
+                </a:solidFill>
+                <a:sym typeface="Symbol" pitchFamily="2" charset="2"/>
+              </a:rPr>
+              <a:t>?</a:t>
+            </a:r>
+          </a:p>
+          <a:p>
+            <a:pPr marL="0" indent="0">
+              <a:buFontTx/>
+              <a:buNone/>
+            </a:pPr>
+            <a:r>
+              <a:rPr lang="de-DE" dirty="0"/>
+              <a:t>-&gt;</a:t>
+            </a:r>
+          </a:p>
+          <a:p>
+            <a:pPr marL="0" indent="0">
+              <a:buFontTx/>
+              <a:buNone/>
+            </a:pPr>
+            <a:endParaRPr lang="de-DE" dirty="0"/>
+          </a:p>
+          <a:p>
+            <a:pPr marL="0" indent="0">
+              <a:buFontTx/>
+              <a:buNone/>
             </a:pPr>
             <a:r>
               <a:rPr lang="de-DE" dirty="0"/>
@@ -5232,15 +5879,7 @@
             </a:pPr>
             <a:r>
               <a:rPr lang="de-DE" dirty="0"/>
-              <a:t>-&gt; Antworten, Gedanken, </a:t>
-            </a:r>
-            <a:r>
-              <a:rPr lang="de-DE" dirty="0" err="1"/>
-              <a:t>Anregunen</a:t>
-            </a:r>
-            <a:r>
-              <a:rPr lang="de-DE" dirty="0"/>
-              <a:t> Wünsche: </a:t>
+              <a:t>-&gt; Antworten, Gedanken, Anregungen Wünsche: </a:t>
             </a:r>
             <a:r>
               <a:rPr lang="de-DE" dirty="0" err="1"/>
@@ -10312,11 +10951,19 @@
             <a:pPr marL="0" indent="0">
               <a:buNone/>
             </a:pPr>
+            <a:endParaRPr lang="de-DE" u="sng" dirty="0">
+              <a:sym typeface="Symbol" pitchFamily="2" charset="2"/>
+            </a:endParaRPr>
+          </a:p>
+          <a:p>
+            <a:pPr marL="0" indent="0">
+              <a:buNone/>
+            </a:pPr>
             <a:r>
               <a:rPr lang="de-DE" u="sng" dirty="0">
                 <a:sym typeface="Symbol" pitchFamily="2" charset="2"/>
               </a:rPr>
-              <a:t>Bei operational-definierten Merkmalen</a:t>
+              <a:t>operational-definiertes Merkmal</a:t>
             </a:r>
             <a:r>
               <a:rPr lang="de-DE" dirty="0">
@@ -10328,15 +10975,9 @@
           <a:p>
             <a:r>
               <a:rPr lang="de-DE" dirty="0">
-                <a:sym typeface="Symbol" pitchFamily="2" charset="2"/>
-              </a:rPr>
-              <a:t>vor allem</a:t>
-            </a:r>
-            <a:r>
-              <a:rPr lang="de-DE" dirty="0">
                 <a:sym typeface="Wingdings" pitchFamily="2" charset="2"/>
               </a:rPr>
-              <a:t> </a:t>
+              <a:t>Zentral:</a:t>
             </a:r>
             <a:r>
               <a:rPr lang="de-DE" dirty="0">
@@ -10345,7 +10986,7 @@
                 </a:solidFill>
                 <a:sym typeface="Wingdings" pitchFamily="2" charset="2"/>
               </a:rPr>
-              <a:t>verallgemeinernde Interpretation</a:t>
+              <a:t> verallgemeinernde Interpretation</a:t>
             </a:r>
           </a:p>
           <a:p>
@@ -10378,7 +11019,19 @@
               <a:rPr lang="de-DE" sz="2200" dirty="0">
                 <a:sym typeface="Symbol" pitchFamily="2" charset="2"/>
               </a:rPr>
-              <a:t>: von den Antworten in den bearbeiteten Items soll auf potenzielle Antworten im </a:t>
+              <a:t>:  Antworten in bearbeiteten Items </a:t>
+            </a:r>
+            <a:r>
+              <a:rPr lang="de-DE" sz="2200" dirty="0">
+                <a:sym typeface="Wingdings" pitchFamily="2" charset="2"/>
+              </a:rPr>
+              <a:t> </a:t>
+            </a:r>
+            <a:r>
+              <a:rPr lang="de-DE" sz="2200" dirty="0">
+                <a:sym typeface="Symbol" pitchFamily="2" charset="2"/>
+              </a:rPr>
+              <a:t>potenzielle Antworten im </a:t>
             </a:r>
             <a:r>
               <a:rPr lang="de-DE" sz="2200" dirty="0" err="1">
@@ -10386,12 +11039,9 @@
               </a:rPr>
               <a:t>Itemuniversum</a:t>
             </a:r>
-            <a:r>
-              <a:rPr lang="de-DE" sz="2200" dirty="0">
-                <a:sym typeface="Symbol" pitchFamily="2" charset="2"/>
-              </a:rPr>
-              <a:t> geschlossen werden</a:t>
-            </a:r>
+            <a:endParaRPr lang="de-DE" sz="2200" dirty="0">
+              <a:sym typeface="Symbol" pitchFamily="2" charset="2"/>
+            </a:endParaRPr>
           </a:p>
           <a:p>
             <a:pPr lvl="1"/>
@@ -10408,13 +11058,11 @@
               <a:rPr lang="de-DE" sz="2200" dirty="0">
                 <a:sym typeface="Symbol" pitchFamily="2" charset="2"/>
               </a:rPr>
-              <a:t>: hypothetische Menge möglicher Items</a:t>
-            </a:r>
-          </a:p>
-          <a:p>
-            <a:pPr marL="457200" lvl="1" indent="0">
-              <a:buNone/>
-            </a:pPr>
+              <a:t>: Was war das nochmal?</a:t>
+            </a:r>
+          </a:p>
+          <a:p>
+            <a:pPr lvl="1"/>
             <a:endParaRPr lang="de-DE" dirty="0">
               <a:sym typeface="Symbol" pitchFamily="2" charset="2"/>
             </a:endParaRPr>
@@ -10433,7 +11081,13 @@
               <a:rPr lang="de-DE" sz="2200" dirty="0">
                 <a:sym typeface="Symbol" pitchFamily="2" charset="2"/>
               </a:rPr>
-              <a:t>Präzise Definition der relevanten Gesamtheit möglicher Items </a:t>
+              <a:t>Präzise Definition </a:t>
+            </a:r>
+            <a:r>
+              <a:rPr lang="de-DE" sz="1400" dirty="0">
+                <a:sym typeface="Symbol" pitchFamily="2" charset="2"/>
+              </a:rPr>
+              <a:t>(der relevanten Gesamtheit möglicher Items) </a:t>
             </a:r>
           </a:p>
           <a:p>
@@ -10442,7 +11096,13 @@
               <a:rPr lang="de-DE" sz="2200" dirty="0">
                 <a:sym typeface="Symbol" pitchFamily="2" charset="2"/>
               </a:rPr>
-              <a:t>Kritische Beurteilung der Testinhalte auf Item- und Gesamtebene; objektivierbar durch das Einholen von Urteilen geeigneter Experten </a:t>
+              <a:t>Kritische Beurteilung der Testinhalte auf Item- und Gesamtebene; (</a:t>
+            </a:r>
+            <a:r>
+              <a:rPr lang="de-DE" sz="1400" dirty="0">
+                <a:sym typeface="Symbol" pitchFamily="2" charset="2"/>
+              </a:rPr>
+              <a:t>objektivierbar z.B. durch Expertenurteile)</a:t>
             </a:r>
           </a:p>
         </p:txBody>
@@ -10472,7 +11132,7 @@
           <a:p>
             <a:r>
               <a:rPr lang="de-DE" dirty="0"/>
-              <a:t>1 Inhaltsvalidität</a:t>
+              <a:t>1 Inhaltsvalidität bei unterschiedlichen Merkmalen</a:t>
             </a:r>
           </a:p>
         </p:txBody>
@@ -10515,7 +11175,7 @@
         </p:nvSpPr>
         <p:spPr>
           <a:xfrm>
-            <a:off x="7848714" y="155133"/>
+            <a:off x="7845861" y="332656"/>
             <a:ext cx="4320479" cy="646331"/>
           </a:xfrm>
           <a:prstGeom prst="rect">
@@ -10544,770 +11204,6 @@
     <p:extLst>
       <p:ext uri="{BB962C8B-B14F-4D97-AF65-F5344CB8AC3E}">
         <p14:creationId xmlns:p14="http://schemas.microsoft.com/office/powerpoint/2010/main" val="2084089829"/>
-      </p:ext>
-    </p:extLst>
-  </p:cSld>
-  <p:clrMapOvr>
-    <a:masterClrMapping/>
-  </p:clrMapOvr>
-  <p:timing>
-    <p:tnLst>
-      <p:par>
-        <p:cTn id="1" dur="indefinite" restart="never" nodeType="tmRoot">
-          <p:childTnLst>
-            <p:seq concurrent="1" nextAc="seek">
-              <p:cTn id="2" dur="indefinite" nodeType="mainSeq">
-                <p:childTnLst>
-                  <p:par>
-                    <p:cTn id="3" fill="hold">
-                      <p:stCondLst>
-                        <p:cond delay="indefinite"/>
-                      </p:stCondLst>
-                      <p:childTnLst>
-                        <p:par>
-                          <p:cTn id="4" fill="hold">
-                            <p:stCondLst>
-                              <p:cond delay="0"/>
-                            </p:stCondLst>
-                            <p:childTnLst>
-                              <p:par>
-                                <p:cTn id="5" presetID="1" presetClass="entr" presetSubtype="0" fill="hold" nodeType="clickEffect">
-                                  <p:stCondLst>
-                                    <p:cond delay="0"/>
-                                  </p:stCondLst>
-                                  <p:childTnLst>
-                                    <p:set>
-                                      <p:cBhvr>
-                                        <p:cTn id="6" dur="1" fill="hold">
-                                          <p:stCondLst>
-                                            <p:cond delay="0"/>
-                                          </p:stCondLst>
-                                        </p:cTn>
-                                        <p:tgtEl>
-                                          <p:spTgt spid="20">
-                                            <p:txEl>
-                                              <p:pRg st="0" end="0"/>
-                                            </p:txEl>
-                                          </p:spTgt>
-                                        </p:tgtEl>
-                                        <p:attrNameLst>
-                                          <p:attrName>style.visibility</p:attrName>
-                                        </p:attrNameLst>
-                                      </p:cBhvr>
-                                      <p:to>
-                                        <p:strVal val="visible"/>
-                                      </p:to>
-                                    </p:set>
-                                  </p:childTnLst>
-                                </p:cTn>
-                              </p:par>
-                            </p:childTnLst>
-                          </p:cTn>
-                        </p:par>
-                      </p:childTnLst>
-                    </p:cTn>
-                  </p:par>
-                  <p:par>
-                    <p:cTn id="7" fill="hold">
-                      <p:stCondLst>
-                        <p:cond delay="indefinite"/>
-                      </p:stCondLst>
-                      <p:childTnLst>
-                        <p:par>
-                          <p:cTn id="8" fill="hold">
-                            <p:stCondLst>
-                              <p:cond delay="0"/>
-                            </p:stCondLst>
-                            <p:childTnLst>
-                              <p:par>
-                                <p:cTn id="9" presetID="1" presetClass="entr" presetSubtype="0" fill="hold" nodeType="clickEffect">
-                                  <p:stCondLst>
-                                    <p:cond delay="0"/>
-                                  </p:stCondLst>
-                                  <p:childTnLst>
-                                    <p:set>
-                                      <p:cBhvr>
-                                        <p:cTn id="10" dur="1" fill="hold">
-                                          <p:stCondLst>
-                                            <p:cond delay="0"/>
-                                          </p:stCondLst>
-                                        </p:cTn>
-                                        <p:tgtEl>
-                                          <p:spTgt spid="20">
-                                            <p:txEl>
-                                              <p:pRg st="1" end="1"/>
-                                            </p:txEl>
-                                          </p:spTgt>
-                                        </p:tgtEl>
-                                        <p:attrNameLst>
-                                          <p:attrName>style.visibility</p:attrName>
-                                        </p:attrNameLst>
-                                      </p:cBhvr>
-                                      <p:to>
-                                        <p:strVal val="visible"/>
-                                      </p:to>
-                                    </p:set>
-                                  </p:childTnLst>
-                                </p:cTn>
-                              </p:par>
-                            </p:childTnLst>
-                          </p:cTn>
-                        </p:par>
-                      </p:childTnLst>
-                    </p:cTn>
-                  </p:par>
-                  <p:par>
-                    <p:cTn id="11" fill="hold">
-                      <p:stCondLst>
-                        <p:cond delay="indefinite"/>
-                      </p:stCondLst>
-                      <p:childTnLst>
-                        <p:par>
-                          <p:cTn id="12" fill="hold">
-                            <p:stCondLst>
-                              <p:cond delay="0"/>
-                            </p:stCondLst>
-                            <p:childTnLst>
-                              <p:par>
-                                <p:cTn id="13" presetID="1" presetClass="entr" presetSubtype="0" fill="hold" grpId="0" nodeType="clickEffect">
-                                  <p:stCondLst>
-                                    <p:cond delay="0"/>
-                                  </p:stCondLst>
-                                  <p:childTnLst>
-                                    <p:set>
-                                      <p:cBhvr>
-                                        <p:cTn id="14" dur="1" fill="hold">
-                                          <p:stCondLst>
-                                            <p:cond delay="0"/>
-                                          </p:stCondLst>
-                                        </p:cTn>
-                                        <p:tgtEl>
-                                          <p:spTgt spid="3"/>
-                                        </p:tgtEl>
-                                        <p:attrNameLst>
-                                          <p:attrName>style.visibility</p:attrName>
-                                        </p:attrNameLst>
-                                      </p:cBhvr>
-                                      <p:to>
-                                        <p:strVal val="visible"/>
-                                      </p:to>
-                                    </p:set>
-                                  </p:childTnLst>
-                                </p:cTn>
-                              </p:par>
-                            </p:childTnLst>
-                          </p:cTn>
-                        </p:par>
-                      </p:childTnLst>
-                    </p:cTn>
-                  </p:par>
-                  <p:par>
-                    <p:cTn id="15" fill="hold">
-                      <p:stCondLst>
-                        <p:cond delay="indefinite"/>
-                      </p:stCondLst>
-                      <p:childTnLst>
-                        <p:par>
-                          <p:cTn id="16" fill="hold">
-                            <p:stCondLst>
-                              <p:cond delay="0"/>
-                            </p:stCondLst>
-                            <p:childTnLst>
-                              <p:par>
-                                <p:cTn id="17" presetID="1" presetClass="entr" presetSubtype="0" fill="hold" nodeType="clickEffect">
-                                  <p:stCondLst>
-                                    <p:cond delay="0"/>
-                                  </p:stCondLst>
-                                  <p:childTnLst>
-                                    <p:set>
-                                      <p:cBhvr>
-                                        <p:cTn id="18" dur="1" fill="hold">
-                                          <p:stCondLst>
-                                            <p:cond delay="0"/>
-                                          </p:stCondLst>
-                                        </p:cTn>
-                                        <p:tgtEl>
-                                          <p:spTgt spid="20">
-                                            <p:txEl>
-                                              <p:pRg st="2" end="2"/>
-                                            </p:txEl>
-                                          </p:spTgt>
-                                        </p:tgtEl>
-                                        <p:attrNameLst>
-                                          <p:attrName>style.visibility</p:attrName>
-                                        </p:attrNameLst>
-                                      </p:cBhvr>
-                                      <p:to>
-                                        <p:strVal val="visible"/>
-                                      </p:to>
-                                    </p:set>
-                                  </p:childTnLst>
-                                </p:cTn>
-                              </p:par>
-                            </p:childTnLst>
-                          </p:cTn>
-                        </p:par>
-                      </p:childTnLst>
-                    </p:cTn>
-                  </p:par>
-                  <p:par>
-                    <p:cTn id="19" fill="hold">
-                      <p:stCondLst>
-                        <p:cond delay="indefinite"/>
-                      </p:stCondLst>
-                      <p:childTnLst>
-                        <p:par>
-                          <p:cTn id="20" fill="hold">
-                            <p:stCondLst>
-                              <p:cond delay="0"/>
-                            </p:stCondLst>
-                            <p:childTnLst>
-                              <p:par>
-                                <p:cTn id="21" presetID="1" presetClass="entr" presetSubtype="0" fill="hold" nodeType="clickEffect">
-                                  <p:stCondLst>
-                                    <p:cond delay="0"/>
-                                  </p:stCondLst>
-                                  <p:childTnLst>
-                                    <p:set>
-                                      <p:cBhvr>
-                                        <p:cTn id="22" dur="1" fill="hold">
-                                          <p:stCondLst>
-                                            <p:cond delay="0"/>
-                                          </p:stCondLst>
-                                        </p:cTn>
-                                        <p:tgtEl>
-                                          <p:spTgt spid="20">
-                                            <p:txEl>
-                                              <p:pRg st="3" end="3"/>
-                                            </p:txEl>
-                                          </p:spTgt>
-                                        </p:tgtEl>
-                                        <p:attrNameLst>
-                                          <p:attrName>style.visibility</p:attrName>
-                                        </p:attrNameLst>
-                                      </p:cBhvr>
-                                      <p:to>
-                                        <p:strVal val="visible"/>
-                                      </p:to>
-                                    </p:set>
-                                  </p:childTnLst>
-                                </p:cTn>
-                              </p:par>
-                            </p:childTnLst>
-                          </p:cTn>
-                        </p:par>
-                      </p:childTnLst>
-                    </p:cTn>
-                  </p:par>
-                  <p:par>
-                    <p:cTn id="23" fill="hold">
-                      <p:stCondLst>
-                        <p:cond delay="indefinite"/>
-                      </p:stCondLst>
-                      <p:childTnLst>
-                        <p:par>
-                          <p:cTn id="24" fill="hold">
-                            <p:stCondLst>
-                              <p:cond delay="0"/>
-                            </p:stCondLst>
-                            <p:childTnLst>
-                              <p:par>
-                                <p:cTn id="25" presetID="1" presetClass="entr" presetSubtype="0" fill="hold" nodeType="clickEffect">
-                                  <p:stCondLst>
-                                    <p:cond delay="0"/>
-                                  </p:stCondLst>
-                                  <p:childTnLst>
-                                    <p:set>
-                                      <p:cBhvr>
-                                        <p:cTn id="26" dur="1" fill="hold">
-                                          <p:stCondLst>
-                                            <p:cond delay="0"/>
-                                          </p:stCondLst>
-                                        </p:cTn>
-                                        <p:tgtEl>
-                                          <p:spTgt spid="20">
-                                            <p:txEl>
-                                              <p:pRg st="4" end="4"/>
-                                            </p:txEl>
-                                          </p:spTgt>
-                                        </p:tgtEl>
-                                        <p:attrNameLst>
-                                          <p:attrName>style.visibility</p:attrName>
-                                        </p:attrNameLst>
-                                      </p:cBhvr>
-                                      <p:to>
-                                        <p:strVal val="visible"/>
-                                      </p:to>
-                                    </p:set>
-                                  </p:childTnLst>
-                                </p:cTn>
-                              </p:par>
-                            </p:childTnLst>
-                          </p:cTn>
-                        </p:par>
-                      </p:childTnLst>
-                    </p:cTn>
-                  </p:par>
-                  <p:par>
-                    <p:cTn id="27" fill="hold">
-                      <p:stCondLst>
-                        <p:cond delay="indefinite"/>
-                      </p:stCondLst>
-                      <p:childTnLst>
-                        <p:par>
-                          <p:cTn id="28" fill="hold">
-                            <p:stCondLst>
-                              <p:cond delay="0"/>
-                            </p:stCondLst>
-                            <p:childTnLst>
-                              <p:par>
-                                <p:cTn id="29" presetID="1" presetClass="entr" presetSubtype="0" fill="hold" nodeType="clickEffect">
-                                  <p:stCondLst>
-                                    <p:cond delay="0"/>
-                                  </p:stCondLst>
-                                  <p:childTnLst>
-                                    <p:set>
-                                      <p:cBhvr>
-                                        <p:cTn id="30" dur="1" fill="hold">
-                                          <p:stCondLst>
-                                            <p:cond delay="0"/>
-                                          </p:stCondLst>
-                                        </p:cTn>
-                                        <p:tgtEl>
-                                          <p:spTgt spid="20">
-                                            <p:txEl>
-                                              <p:pRg st="6" end="6"/>
-                                            </p:txEl>
-                                          </p:spTgt>
-                                        </p:tgtEl>
-                                        <p:attrNameLst>
-                                          <p:attrName>style.visibility</p:attrName>
-                                        </p:attrNameLst>
-                                      </p:cBhvr>
-                                      <p:to>
-                                        <p:strVal val="visible"/>
-                                      </p:to>
-                                    </p:set>
-                                  </p:childTnLst>
-                                </p:cTn>
-                              </p:par>
-                            </p:childTnLst>
-                          </p:cTn>
-                        </p:par>
-                      </p:childTnLst>
-                    </p:cTn>
-                  </p:par>
-                  <p:par>
-                    <p:cTn id="31" fill="hold">
-                      <p:stCondLst>
-                        <p:cond delay="indefinite"/>
-                      </p:stCondLst>
-                      <p:childTnLst>
-                        <p:par>
-                          <p:cTn id="32" fill="hold">
-                            <p:stCondLst>
-                              <p:cond delay="0"/>
-                            </p:stCondLst>
-                            <p:childTnLst>
-                              <p:par>
-                                <p:cTn id="33" presetID="1" presetClass="entr" presetSubtype="0" fill="hold" nodeType="clickEffect">
-                                  <p:stCondLst>
-                                    <p:cond delay="0"/>
-                                  </p:stCondLst>
-                                  <p:childTnLst>
-                                    <p:set>
-                                      <p:cBhvr>
-                                        <p:cTn id="34" dur="1" fill="hold">
-                                          <p:stCondLst>
-                                            <p:cond delay="0"/>
-                                          </p:stCondLst>
-                                        </p:cTn>
-                                        <p:tgtEl>
-                                          <p:spTgt spid="20">
-                                            <p:txEl>
-                                              <p:pRg st="7" end="7"/>
-                                            </p:txEl>
-                                          </p:spTgt>
-                                        </p:tgtEl>
-                                        <p:attrNameLst>
-                                          <p:attrName>style.visibility</p:attrName>
-                                        </p:attrNameLst>
-                                      </p:cBhvr>
-                                      <p:to>
-                                        <p:strVal val="visible"/>
-                                      </p:to>
-                                    </p:set>
-                                  </p:childTnLst>
-                                </p:cTn>
-                              </p:par>
-                            </p:childTnLst>
-                          </p:cTn>
-                        </p:par>
-                      </p:childTnLst>
-                    </p:cTn>
-                  </p:par>
-                  <p:par>
-                    <p:cTn id="35" fill="hold">
-                      <p:stCondLst>
-                        <p:cond delay="indefinite"/>
-                      </p:stCondLst>
-                      <p:childTnLst>
-                        <p:par>
-                          <p:cTn id="36" fill="hold">
-                            <p:stCondLst>
-                              <p:cond delay="0"/>
-                            </p:stCondLst>
-                            <p:childTnLst>
-                              <p:par>
-                                <p:cTn id="37" presetID="1" presetClass="entr" presetSubtype="0" fill="hold" nodeType="clickEffect">
-                                  <p:stCondLst>
-                                    <p:cond delay="0"/>
-                                  </p:stCondLst>
-                                  <p:childTnLst>
-                                    <p:set>
-                                      <p:cBhvr>
-                                        <p:cTn id="38" dur="1" fill="hold">
-                                          <p:stCondLst>
-                                            <p:cond delay="0"/>
-                                          </p:stCondLst>
-                                        </p:cTn>
-                                        <p:tgtEl>
-                                          <p:spTgt spid="20">
-                                            <p:txEl>
-                                              <p:pRg st="8" end="8"/>
-                                            </p:txEl>
-                                          </p:spTgt>
-                                        </p:tgtEl>
-                                        <p:attrNameLst>
-                                          <p:attrName>style.visibility</p:attrName>
-                                        </p:attrNameLst>
-                                      </p:cBhvr>
-                                      <p:to>
-                                        <p:strVal val="visible"/>
-                                      </p:to>
-                                    </p:set>
-                                  </p:childTnLst>
-                                </p:cTn>
-                              </p:par>
-                            </p:childTnLst>
-                          </p:cTn>
-                        </p:par>
-                      </p:childTnLst>
-                    </p:cTn>
-                  </p:par>
-                </p:childTnLst>
-              </p:cTn>
-              <p:prevCondLst>
-                <p:cond evt="onPrev" delay="0">
-                  <p:tgtEl>
-                    <p:sldTgt/>
-                  </p:tgtEl>
-                </p:cond>
-              </p:prevCondLst>
-              <p:nextCondLst>
-                <p:cond evt="onNext" delay="0">
-                  <p:tgtEl>
-                    <p:sldTgt/>
-                  </p:tgtEl>
-                </p:cond>
-              </p:nextCondLst>
-            </p:seq>
-          </p:childTnLst>
-        </p:cTn>
-      </p:par>
-    </p:tnLst>
-    <p:bldLst>
-      <p:bldP spid="3" grpId="0"/>
-    </p:bldLst>
-  </p:timing>
-</p:sld>
-</file>
-
-<file path=ppt/slides/slide12.xml><?xml version="1.0" encoding="utf-8"?>
-<p:sld xmlns:a="http://schemas.openxmlformats.org/drawingml/2006/main" xmlns:r="http://schemas.openxmlformats.org/officeDocument/2006/relationships" xmlns:p="http://schemas.openxmlformats.org/presentationml/2006/main">
-  <p:cSld>
-    <p:spTree>
-      <p:nvGrpSpPr>
-        <p:cNvPr id="1" name=""/>
-        <p:cNvGrpSpPr/>
-        <p:nvPr/>
-      </p:nvGrpSpPr>
-      <p:grpSpPr>
-        <a:xfrm>
-          <a:off x="0" y="0"/>
-          <a:ext cx="0" cy="0"/>
-          <a:chOff x="0" y="0"/>
-          <a:chExt cx="0" cy="0"/>
-        </a:xfrm>
-      </p:grpSpPr>
-      <p:sp>
-        <p:nvSpPr>
-          <p:cNvPr id="20" name="Inhaltsplatzhalter 19">
-            <a:extLst>
-              <a:ext uri="{FF2B5EF4-FFF2-40B4-BE49-F238E27FC236}">
-                <a16:creationId xmlns:a16="http://schemas.microsoft.com/office/drawing/2014/main" id="{94AEB336-241E-3249-AE16-96E77ED85A38}"/>
-              </a:ext>
-            </a:extLst>
-          </p:cNvPr>
-          <p:cNvSpPr>
-            <a:spLocks noGrp="1"/>
-          </p:cNvSpPr>
-          <p:nvPr>
-            <p:ph idx="1"/>
-          </p:nvPr>
-        </p:nvSpPr>
-        <p:spPr>
-          <a:xfrm>
-            <a:off x="838200" y="1268760"/>
-            <a:ext cx="10874424" cy="5256584"/>
-          </a:xfrm>
-        </p:spPr>
-        <p:txBody>
-          <a:bodyPr>
-            <a:normAutofit/>
-          </a:bodyPr>
-          <a:lstStyle/>
-          <a:p>
-            <a:pPr marL="0" indent="0">
-              <a:buNone/>
-            </a:pPr>
-            <a:r>
-              <a:rPr lang="de-DE" u="sng" dirty="0">
-                <a:sym typeface="Symbol" pitchFamily="2" charset="2"/>
-              </a:rPr>
-              <a:t>Bei theoretisch-definierten Merkmalen</a:t>
-            </a:r>
-            <a:r>
-              <a:rPr lang="de-DE" dirty="0">
-                <a:sym typeface="Symbol" pitchFamily="2" charset="2"/>
-              </a:rPr>
-              <a:t>:</a:t>
-            </a:r>
-          </a:p>
-          <a:p>
-            <a:r>
-              <a:rPr lang="de-DE" dirty="0">
-                <a:sym typeface="Symbol" pitchFamily="2" charset="2"/>
-              </a:rPr>
-              <a:t>Verallgemeinernde Interpretation ebenfalls relevant</a:t>
-            </a:r>
-          </a:p>
-          <a:p>
-            <a:r>
-              <a:rPr lang="de-DE" dirty="0">
-                <a:sym typeface="Symbol" pitchFamily="2" charset="2"/>
-              </a:rPr>
-              <a:t>Zusätzlich: </a:t>
-            </a:r>
-            <a:r>
-              <a:rPr lang="de-DE" dirty="0">
-                <a:solidFill>
-                  <a:schemeClr val="accent2"/>
-                </a:solidFill>
-                <a:sym typeface="Symbol" pitchFamily="2" charset="2"/>
-              </a:rPr>
-              <a:t>erklärende Interpretation </a:t>
-            </a:r>
-            <a:r>
-              <a:rPr lang="de-DE" dirty="0">
-                <a:sym typeface="Symbol" pitchFamily="2" charset="2"/>
-              </a:rPr>
-              <a:t>von Testergebnissen auf </a:t>
-            </a:r>
-            <a:r>
-              <a:rPr lang="de-DE" dirty="0" err="1">
-                <a:sym typeface="Symbol" pitchFamily="2" charset="2"/>
-              </a:rPr>
-              <a:t>Itemebene</a:t>
-            </a:r>
-            <a:endParaRPr lang="de-DE" dirty="0">
-              <a:sym typeface="Symbol" pitchFamily="2" charset="2"/>
-            </a:endParaRPr>
-          </a:p>
-          <a:p>
-            <a:pPr lvl="1"/>
-            <a:r>
-              <a:rPr lang="de-DE" sz="2200" dirty="0">
-                <a:sym typeface="Symbol" pitchFamily="2" charset="2"/>
-              </a:rPr>
-              <a:t>Annahme: Verschiedene Antworten im Test </a:t>
-            </a:r>
-            <a:r>
-              <a:rPr lang="de-DE" sz="2200" dirty="0">
-                <a:sym typeface="Wingdings" pitchFamily="2" charset="2"/>
-              </a:rPr>
-              <a:t>durch Unterschiede in dem interessierenden Konstrukt</a:t>
-            </a:r>
-          </a:p>
-          <a:p>
-            <a:pPr lvl="1"/>
-            <a:r>
-              <a:rPr lang="de-DE" sz="2200" dirty="0">
-                <a:sym typeface="Wingdings" pitchFamily="2" charset="2"/>
-              </a:rPr>
-              <a:t>D.h. aus den Antworten wird auf latente Konstrukte geschlossen  Nachweis dieser Schlussfolgerung</a:t>
-            </a:r>
-            <a:endParaRPr lang="de-DE" sz="2200" dirty="0">
-              <a:sym typeface="Symbol" pitchFamily="2" charset="2"/>
-            </a:endParaRPr>
-          </a:p>
-          <a:p>
-            <a:endParaRPr lang="de-DE" sz="2600" dirty="0">
-              <a:sym typeface="Symbol" pitchFamily="2" charset="2"/>
-            </a:endParaRPr>
-          </a:p>
-          <a:p>
-            <a:r>
-              <a:rPr lang="de-DE" u="sng" dirty="0">
-                <a:sym typeface="Wingdings" pitchFamily="2" charset="2"/>
-              </a:rPr>
-              <a:t>Nachweis der Schlussfolgerung:</a:t>
-            </a:r>
-          </a:p>
-          <a:p>
-            <a:pPr lvl="1"/>
-            <a:r>
-              <a:rPr lang="de-DE" sz="2200" dirty="0">
-                <a:sym typeface="Wingdings" pitchFamily="2" charset="2"/>
-              </a:rPr>
-              <a:t>Theoretische Fundierung und darauf aufbauende </a:t>
-            </a:r>
-            <a:r>
-              <a:rPr lang="de-DE" sz="2200" dirty="0" err="1">
-                <a:sym typeface="Wingdings" pitchFamily="2" charset="2"/>
-              </a:rPr>
-              <a:t>Itementwicklung</a:t>
-            </a:r>
-            <a:endParaRPr lang="de-DE" sz="2200" dirty="0">
-              <a:sym typeface="Wingdings" pitchFamily="2" charset="2"/>
-            </a:endParaRPr>
-          </a:p>
-          <a:p>
-            <a:pPr lvl="1"/>
-            <a:r>
-              <a:rPr lang="de-DE" sz="2200" dirty="0">
-                <a:sym typeface="Wingdings" pitchFamily="2" charset="2"/>
-              </a:rPr>
-              <a:t>systematische Argumentation für den Schluss von </a:t>
-            </a:r>
-            <a:r>
-              <a:rPr lang="de-DE" sz="2200" dirty="0" err="1">
-                <a:sym typeface="Wingdings" pitchFamily="2" charset="2"/>
-              </a:rPr>
-              <a:t>Itemantwort</a:t>
-            </a:r>
-            <a:r>
-              <a:rPr lang="de-DE" sz="2200" dirty="0">
-                <a:sym typeface="Wingdings" pitchFamily="2" charset="2"/>
-              </a:rPr>
-              <a:t> auf ein Konstrukt  (abhängig von der zugrundeliegenden Theorie)</a:t>
-            </a:r>
-          </a:p>
-          <a:p>
-            <a:pPr lvl="1"/>
-            <a:endParaRPr lang="de-DE" sz="2200" dirty="0">
-              <a:sym typeface="Wingdings" pitchFamily="2" charset="2"/>
-            </a:endParaRPr>
-          </a:p>
-        </p:txBody>
-      </p:sp>
-      <p:sp>
-        <p:nvSpPr>
-          <p:cNvPr id="2" name="Titel 1"/>
-          <p:cNvSpPr>
-            <a:spLocks noGrp="1"/>
-          </p:cNvSpPr>
-          <p:nvPr>
-            <p:ph type="title"/>
-          </p:nvPr>
-        </p:nvSpPr>
-        <p:spPr>
-          <a:xfrm>
-            <a:off x="838200" y="365127"/>
-            <a:ext cx="10515600" cy="615601"/>
-          </a:xfrm>
-          <a:ln w="38100">
-            <a:noFill/>
-          </a:ln>
-        </p:spPr>
-        <p:txBody>
-          <a:bodyPr/>
-          <a:lstStyle/>
-          <a:p>
-            <a:r>
-              <a:rPr lang="de-DE" dirty="0"/>
-              <a:t>1 Inhaltsvalidität</a:t>
-            </a:r>
-          </a:p>
-        </p:txBody>
-      </p:sp>
-      <p:sp>
-        <p:nvSpPr>
-          <p:cNvPr id="4" name="Foliennummernplatzhalter 3"/>
-          <p:cNvSpPr>
-            <a:spLocks noGrp="1"/>
-          </p:cNvSpPr>
-          <p:nvPr>
-            <p:ph type="sldNum" sz="quarter" idx="12"/>
-          </p:nvPr>
-        </p:nvSpPr>
-        <p:spPr/>
-        <p:txBody>
-          <a:bodyPr/>
-          <a:lstStyle/>
-          <a:p>
-            <a:fld id="{46668DF9-31B9-4574-BE62-D39E929935C9}" type="slidenum">
-              <a:rPr lang="de-DE" altLang="en-US" smtClean="0"/>
-              <a:pPr/>
-              <a:t>12</a:t>
-            </a:fld>
-            <a:endParaRPr lang="de-DE" altLang="en-US"/>
-          </a:p>
-        </p:txBody>
-      </p:sp>
-      <p:sp>
-        <p:nvSpPr>
-          <p:cNvPr id="5" name="Textfeld 4">
-            <a:extLst>
-              <a:ext uri="{FF2B5EF4-FFF2-40B4-BE49-F238E27FC236}">
-                <a16:creationId xmlns:a16="http://schemas.microsoft.com/office/drawing/2014/main" id="{9DA22F64-F130-4246-807C-92C32433EEE7}"/>
-              </a:ext>
-            </a:extLst>
-          </p:cNvPr>
-          <p:cNvSpPr txBox="1"/>
-          <p:nvPr/>
-        </p:nvSpPr>
-        <p:spPr>
-          <a:xfrm>
-            <a:off x="7848714" y="155133"/>
-            <a:ext cx="4320479" cy="646331"/>
-          </a:xfrm>
-          <a:prstGeom prst="rect">
-            <a:avLst/>
-          </a:prstGeom>
-          <a:noFill/>
-        </p:spPr>
-        <p:txBody>
-          <a:bodyPr wrap="square" rtlCol="0">
-            <a:spAutoFit/>
-          </a:bodyPr>
-          <a:lstStyle/>
-          <a:p>
-            <a:r>
-              <a:rPr lang="de-DE" dirty="0">
-                <a:solidFill>
-                  <a:schemeClr val="accent2"/>
-                </a:solidFill>
-              </a:rPr>
-              <a:t>Was könnte mit einer erklärenden Interpretation gemeint sein? </a:t>
-            </a:r>
-          </a:p>
-        </p:txBody>
-      </p:sp>
-    </p:spTree>
-    <p:extLst>
-      <p:ext uri="{BB962C8B-B14F-4D97-AF65-F5344CB8AC3E}">
-        <p14:creationId xmlns:p14="http://schemas.microsoft.com/office/powerpoint/2010/main" val="4142245601"/>
       </p:ext>
     </p:extLst>
   </p:cSld>
@@ -11446,7 +11342,7 @@
                                           </p:stCondLst>
                                         </p:cTn>
                                         <p:tgtEl>
-                                          <p:spTgt spid="5"/>
+                                          <p:spTgt spid="3"/>
                                         </p:tgtEl>
                                         <p:attrNameLst>
                                           <p:attrName>style.visibility</p:attrName>
@@ -11591,7 +11487,7 @@
                                         <p:tgtEl>
                                           <p:spTgt spid="20">
                                             <p:txEl>
-                                              <p:pRg st="6" end="6"/>
+                                              <p:pRg st="5" end="5"/>
                                             </p:txEl>
                                           </p:spTgt>
                                         </p:tgtEl>
@@ -11710,6 +11606,55 @@
                       </p:childTnLst>
                     </p:cTn>
                   </p:par>
+                  <p:par>
+                    <p:cTn id="35" fill="hold">
+                      <p:stCondLst>
+                        <p:cond delay="indefinite"/>
+                      </p:stCondLst>
+                      <p:childTnLst>
+                        <p:par>
+                          <p:cTn id="36" fill="hold">
+                            <p:stCondLst>
+                              <p:cond delay="0"/>
+                            </p:stCondLst>
+                            <p:childTnLst>
+                              <p:par>
+                                <p:cTn id="37" presetID="1" presetClass="entr" presetSubtype="0" fill="hold" nodeType="clickEffect">
+                                  <p:stCondLst>
+                                    <p:cond delay="0"/>
+                                  </p:stCondLst>
+                                  <p:childTnLst>
+                                    <p:set>
+                                      <p:cBhvr>
+                                        <p:cTn id="38" dur="1" fill="hold">
+                                          <p:stCondLst>
+                                            <p:cond delay="0"/>
+                                          </p:stCondLst>
+                                        </p:cTn>
+                                        <p:tgtEl>
+                                          <p:spTgt spid="20">
+                                            <p:txEl>
+                                              <p:pRg st="9" end="9"/>
+                                            </p:txEl>
+                                          </p:spTgt>
+                                        </p:tgtEl>
+                                        <p:attrNameLst>
+                                          <p:attrName>style.visibility</p:attrName>
+                                        </p:attrNameLst>
+                                      </p:cBhvr>
+                                      <p:to>
+                                        <p:strVal val="visible"/>
+                                      </p:to>
+                                    </p:set>
+                                  </p:childTnLst>
+                                </p:cTn>
+                              </p:par>
+                            </p:childTnLst>
+                          </p:cTn>
+                        </p:par>
+                      </p:childTnLst>
+                    </p:cTn>
+                  </p:par>
                 </p:childTnLst>
               </p:cTn>
               <p:prevCondLst>
@@ -11732,13 +11677,13 @@
       </p:par>
     </p:tnLst>
     <p:bldLst>
-      <p:bldP spid="5" grpId="0"/>
+      <p:bldP spid="3" grpId="0"/>
     </p:bldLst>
   </p:timing>
 </p:sld>
 </file>
 
-<file path=ppt/slides/slide13.xml><?xml version="1.0" encoding="utf-8"?>
+<file path=ppt/slides/slide12.xml><?xml version="1.0" encoding="utf-8"?>
 <p:sld xmlns:a="http://schemas.openxmlformats.org/drawingml/2006/main" xmlns:r="http://schemas.openxmlformats.org/officeDocument/2006/relationships" xmlns:p="http://schemas.openxmlformats.org/presentationml/2006/main">
   <p:cSld>
     <p:spTree>
@@ -11773,8 +11718,8 @@
         </p:nvSpPr>
         <p:spPr>
           <a:xfrm>
-            <a:off x="479376" y="1268760"/>
-            <a:ext cx="11712624" cy="5256584"/>
+            <a:off x="838200" y="1268760"/>
+            <a:ext cx="10874424" cy="5256584"/>
           </a:xfrm>
         </p:spPr>
         <p:txBody>
@@ -11783,14 +11728,45 @@
           </a:bodyPr>
           <a:lstStyle/>
           <a:p>
+            <a:pPr marL="0" indent="0">
+              <a:buNone/>
+            </a:pPr>
+            <a:endParaRPr lang="de-DE" u="sng" dirty="0">
+              <a:sym typeface="Symbol" pitchFamily="2" charset="2"/>
+            </a:endParaRPr>
+          </a:p>
+          <a:p>
+            <a:pPr marL="0" indent="0">
+              <a:buNone/>
+            </a:pPr>
+            <a:r>
+              <a:rPr lang="de-DE" u="sng" dirty="0">
+                <a:sym typeface="Symbol" pitchFamily="2" charset="2"/>
+              </a:rPr>
+              <a:t>theoretisch-definiertes Merkmal</a:t>
+            </a:r>
             <a:r>
               <a:rPr lang="de-DE" dirty="0">
                 <a:sym typeface="Symbol" pitchFamily="2" charset="2"/>
               </a:rPr>
-              <a:t>Bestimmung schwierig: kein Koeffizient, mit dem Inhaltsvalidität objektivierbar wäre</a:t>
-            </a:r>
-          </a:p>
-          <a:p>
+              <a:t>:</a:t>
+            </a:r>
+          </a:p>
+          <a:p>
+            <a:r>
+              <a:rPr lang="de-DE" dirty="0">
+                <a:sym typeface="Symbol" pitchFamily="2" charset="2"/>
+              </a:rPr>
+              <a:t>Verallgemeinernde Interpretation ebenfalls relevant</a:t>
+            </a:r>
+          </a:p>
+          <a:p>
+            <a:r>
+              <a:rPr lang="de-DE" dirty="0">
+                <a:sym typeface="Symbol" pitchFamily="2" charset="2"/>
+              </a:rPr>
+              <a:t>Zentral: </a:t>
+            </a:r>
             <a:r>
               <a:rPr lang="de-DE" dirty="0">
                 <a:solidFill>
@@ -11798,83 +11774,132 @@
                 </a:solidFill>
                 <a:sym typeface="Symbol" pitchFamily="2" charset="2"/>
               </a:rPr>
-              <a:t>Heißt das, dass wir die Überprüfung der Inhaltsvalidität überspringen können?</a:t>
+              <a:t>erklärende Interpretation </a:t>
+            </a:r>
+            <a:r>
+              <a:rPr lang="de-DE" sz="1400" dirty="0">
+                <a:sym typeface="Symbol" pitchFamily="2" charset="2"/>
+              </a:rPr>
+              <a:t>(von Testergebnissen auf </a:t>
+            </a:r>
+            <a:r>
+              <a:rPr lang="de-DE" sz="1400" dirty="0" err="1">
+                <a:sym typeface="Symbol" pitchFamily="2" charset="2"/>
+              </a:rPr>
+              <a:t>Itemebene</a:t>
+            </a:r>
+            <a:r>
+              <a:rPr lang="de-DE" sz="1400" dirty="0">
+                <a:sym typeface="Symbol" pitchFamily="2" charset="2"/>
+              </a:rPr>
+              <a:t>)</a:t>
             </a:r>
           </a:p>
           <a:p>
             <a:pPr lvl="1"/>
             <a:r>
-              <a:rPr lang="de-DE" dirty="0">
-                <a:solidFill>
-                  <a:schemeClr val="accent2"/>
-                </a:solidFill>
+              <a:rPr lang="de-DE" sz="2200" i="1" dirty="0">
                 <a:sym typeface="Symbol" pitchFamily="2" charset="2"/>
               </a:rPr>
-              <a:t>NEIN</a:t>
-            </a:r>
-          </a:p>
-          <a:p>
-            <a:endParaRPr lang="de-DE" dirty="0">
+              <a:t>Annahme</a:t>
+            </a:r>
+            <a:r>
+              <a:rPr lang="de-DE" sz="2200" dirty="0">
+                <a:sym typeface="Symbol" pitchFamily="2" charset="2"/>
+              </a:rPr>
+              <a:t>: </a:t>
+            </a:r>
+            <a:r>
+              <a:rPr lang="de-DE" sz="2200" dirty="0">
+                <a:sym typeface="Wingdings" pitchFamily="2" charset="2"/>
+              </a:rPr>
+              <a:t>Unterschiede im Konstrukt &lt;- </a:t>
+            </a:r>
+            <a:r>
+              <a:rPr lang="de-DE" sz="2200" dirty="0">
+                <a:sym typeface="Symbol" pitchFamily="2" charset="2"/>
+              </a:rPr>
+              <a:t>versch. Antworten im Test </a:t>
+            </a:r>
+            <a:endParaRPr lang="de-DE" sz="2200" dirty="0">
+              <a:sym typeface="Wingdings" pitchFamily="2" charset="2"/>
+            </a:endParaRPr>
+          </a:p>
+          <a:p>
+            <a:pPr lvl="1"/>
+            <a:r>
+              <a:rPr lang="de-DE" sz="2200" dirty="0">
+                <a:sym typeface="Wingdings" pitchFamily="2" charset="2"/>
+              </a:rPr>
+              <a:t>D.h. Item-Antworten  latente Konstrukte</a:t>
+            </a:r>
+          </a:p>
+          <a:p>
+            <a:pPr lvl="1"/>
+            <a:endParaRPr lang="de-DE" sz="2600" dirty="0">
               <a:sym typeface="Symbol" pitchFamily="2" charset="2"/>
             </a:endParaRPr>
           </a:p>
           <a:p>
             <a:r>
-              <a:rPr lang="de-DE" dirty="0">
-                <a:sym typeface="Symbol" pitchFamily="2" charset="2"/>
-              </a:rPr>
-              <a:t>WICHTIG:</a:t>
+              <a:rPr lang="de-DE" u="sng" dirty="0">
+                <a:sym typeface="Wingdings" pitchFamily="2" charset="2"/>
+              </a:rPr>
+              <a:t>Nachweis der Schlussfolgerung:</a:t>
             </a:r>
           </a:p>
           <a:p>
             <a:pPr lvl="1"/>
             <a:r>
-              <a:rPr lang="de-DE" dirty="0">
-                <a:sym typeface="Symbol" pitchFamily="2" charset="2"/>
-              </a:rPr>
-              <a:t>Gute Überlegungen im Test-Konstruktionsprozess (</a:t>
-            </a:r>
-            <a:r>
-              <a:rPr lang="de-DE" dirty="0" err="1">
-                <a:sym typeface="Symbol" pitchFamily="2" charset="2"/>
-              </a:rPr>
-              <a:t>Konstruktdefinition</a:t>
-            </a:r>
-            <a:r>
-              <a:rPr lang="de-DE" dirty="0">
-                <a:sym typeface="Symbol" pitchFamily="2" charset="2"/>
-              </a:rPr>
-              <a:t> u. Generierung der </a:t>
-            </a:r>
-            <a:r>
-              <a:rPr lang="de-DE" dirty="0" err="1">
-                <a:sym typeface="Symbol" pitchFamily="2" charset="2"/>
-              </a:rPr>
-              <a:t>Itemmenge</a:t>
-            </a:r>
-            <a:r>
-              <a:rPr lang="de-DE" dirty="0">
-                <a:sym typeface="Symbol" pitchFamily="2" charset="2"/>
-              </a:rPr>
-              <a:t>) wichtig (s. Sitzung 3!)</a:t>
+              <a:rPr lang="de-DE" sz="2200" dirty="0">
+                <a:sym typeface="Wingdings" pitchFamily="2" charset="2"/>
+              </a:rPr>
+              <a:t>Theoretische Fundierung </a:t>
+            </a:r>
+            <a:r>
+              <a:rPr lang="de-DE" sz="1400" dirty="0">
+                <a:sym typeface="Wingdings" pitchFamily="2" charset="2"/>
+              </a:rPr>
+              <a:t>(und darauf aufbauende </a:t>
+            </a:r>
+            <a:r>
+              <a:rPr lang="de-DE" sz="1400" dirty="0" err="1">
+                <a:sym typeface="Wingdings" pitchFamily="2" charset="2"/>
+              </a:rPr>
+              <a:t>Itementwicklung</a:t>
+            </a:r>
+            <a:r>
+              <a:rPr lang="de-DE" sz="1400" dirty="0">
+                <a:sym typeface="Wingdings" pitchFamily="2" charset="2"/>
+              </a:rPr>
+              <a:t>)</a:t>
             </a:r>
           </a:p>
           <a:p>
             <a:pPr lvl="1"/>
             <a:r>
-              <a:rPr lang="de-DE" dirty="0">
-                <a:sym typeface="Symbol" pitchFamily="2" charset="2"/>
-              </a:rPr>
-              <a:t>Mangelnde Überlegungen im Konstruktionsprozess </a:t>
-            </a:r>
-            <a:r>
-              <a:rPr lang="de-DE" dirty="0">
+              <a:rPr lang="de-DE" sz="2200" dirty="0">
                 <a:sym typeface="Wingdings" pitchFamily="2" charset="2"/>
               </a:rPr>
-              <a:t> qualitativ minderwertige psychologische Tests</a:t>
-            </a:r>
-            <a:endParaRPr lang="de-DE" dirty="0">
-              <a:sym typeface="Symbol" pitchFamily="2" charset="2"/>
+              <a:t>systematische Argumentation für den Schluss von </a:t>
+            </a:r>
+            <a:r>
+              <a:rPr lang="de-DE" sz="2200" dirty="0" err="1">
+                <a:sym typeface="Wingdings" pitchFamily="2" charset="2"/>
+              </a:rPr>
+              <a:t>Itemantwort</a:t>
+            </a:r>
+            <a:r>
+              <a:rPr lang="de-DE" sz="2200" dirty="0">
+                <a:sym typeface="Wingdings" pitchFamily="2" charset="2"/>
+              </a:rPr>
+              <a:t> auf ein Konstrukt  (abhängig von der zugrundeliegenden Theorie)</a:t>
+            </a:r>
+          </a:p>
+          <a:p>
+            <a:pPr lvl="1"/>
+            <a:endParaRPr lang="de-DE" sz="2200" dirty="0">
+              <a:sym typeface="Wingdings" pitchFamily="2" charset="2"/>
             </a:endParaRPr>
           </a:p>
         </p:txBody>
@@ -11889,14 +11914,22 @@
             <p:ph type="title"/>
           </p:nvPr>
         </p:nvSpPr>
-        <p:spPr/>
+        <p:spPr>
+          <a:xfrm>
+            <a:off x="838200" y="365127"/>
+            <a:ext cx="10515600" cy="615601"/>
+          </a:xfrm>
+          <a:ln w="38100">
+            <a:noFill/>
+          </a:ln>
+        </p:spPr>
         <p:txBody>
           <a:bodyPr/>
           <a:lstStyle/>
           <a:p>
             <a:r>
               <a:rPr lang="de-DE" dirty="0"/>
-              <a:t>1 Inhaltsvalidität</a:t>
+              <a:t>1 Inhaltsvalidität bei unterschiedlichen Merkmalen</a:t>
             </a:r>
           </a:p>
         </p:txBody>
@@ -11919,16 +11952,55 @@
             <a:fld id="{46668DF9-31B9-4574-BE62-D39E929935C9}" type="slidenum">
               <a:rPr lang="de-DE" altLang="en-US" smtClean="0"/>
               <a:pPr/>
-              <a:t>13</a:t>
+              <a:t>12</a:t>
             </a:fld>
             <a:endParaRPr lang="de-DE" altLang="en-US"/>
+          </a:p>
+        </p:txBody>
+      </p:sp>
+      <p:sp>
+        <p:nvSpPr>
+          <p:cNvPr id="5" name="Textfeld 4">
+            <a:extLst>
+              <a:ext uri="{FF2B5EF4-FFF2-40B4-BE49-F238E27FC236}">
+                <a16:creationId xmlns:a16="http://schemas.microsoft.com/office/drawing/2014/main" id="{9DA22F64-F130-4246-807C-92C32433EEE7}"/>
+              </a:ext>
+            </a:extLst>
+          </p:cNvPr>
+          <p:cNvSpPr txBox="1"/>
+          <p:nvPr/>
+        </p:nvSpPr>
+        <p:spPr>
+          <a:xfrm>
+            <a:off x="8616281" y="349761"/>
+            <a:ext cx="3575720" cy="646331"/>
+          </a:xfrm>
+          <a:prstGeom prst="rect">
+            <a:avLst/>
+          </a:prstGeom>
+          <a:noFill/>
+        </p:spPr>
+        <p:txBody>
+          <a:bodyPr wrap="square" rtlCol="0">
+            <a:spAutoFit/>
+          </a:bodyPr>
+          <a:lstStyle/>
+          <a:p>
+            <a:r>
+              <a:rPr lang="de-DE" dirty="0">
+                <a:solidFill>
+                  <a:schemeClr val="accent2"/>
+                </a:solidFill>
+              </a:rPr>
+              <a:t>Was könnte mit einer erklärenden Interpretation gemeint sein? </a:t>
+            </a:r>
           </a:p>
         </p:txBody>
       </p:sp>
     </p:spTree>
     <p:extLst>
       <p:ext uri="{BB962C8B-B14F-4D97-AF65-F5344CB8AC3E}">
-        <p14:creationId xmlns:p14="http://schemas.microsoft.com/office/powerpoint/2010/main" val="1603404839"/>
+        <p14:creationId xmlns:p14="http://schemas.microsoft.com/office/powerpoint/2010/main" val="4142245601"/>
       </p:ext>
     </p:extLst>
   </p:cSld>
@@ -11971,7 +12043,7 @@
                                         <p:tgtEl>
                                           <p:spTgt spid="20">
                                             <p:txEl>
-                                              <p:pRg st="0" end="0"/>
+                                              <p:pRg st="2" end="2"/>
                                             </p:txEl>
                                           </p:spTgt>
                                         </p:tgtEl>
@@ -12020,7 +12092,7 @@
                                         <p:tgtEl>
                                           <p:spTgt spid="20">
                                             <p:txEl>
-                                              <p:pRg st="1" end="1"/>
+                                              <p:pRg st="3" end="3"/>
                                             </p:txEl>
                                           </p:spTgt>
                                         </p:tgtEl>
@@ -12054,7 +12126,7 @@
                             </p:stCondLst>
                             <p:childTnLst>
                               <p:par>
-                                <p:cTn id="13" presetID="1" presetClass="entr" presetSubtype="0" fill="hold" nodeType="clickEffect">
+                                <p:cTn id="13" presetID="1" presetClass="entr" presetSubtype="0" fill="hold" grpId="0" nodeType="clickEffect">
                                   <p:stCondLst>
                                     <p:cond delay="0"/>
                                   </p:stCondLst>
@@ -12067,11 +12139,7 @@
                                           </p:stCondLst>
                                         </p:cTn>
                                         <p:tgtEl>
-                                          <p:spTgt spid="20">
-                                            <p:txEl>
-                                              <p:pRg st="2" end="2"/>
-                                            </p:txEl>
-                                          </p:spTgt>
+                                          <p:spTgt spid="5"/>
                                         </p:tgtEl>
                                         <p:attrNameLst>
                                           <p:attrName>style.visibility</p:attrName>
@@ -12216,7 +12284,105 @@
                                         <p:tgtEl>
                                           <p:spTgt spid="20">
                                             <p:txEl>
-                                              <p:pRg st="6" end="6"/>
+                                              <p:pRg st="7" end="7"/>
+                                            </p:txEl>
+                                          </p:spTgt>
+                                        </p:tgtEl>
+                                        <p:attrNameLst>
+                                          <p:attrName>style.visibility</p:attrName>
+                                        </p:attrNameLst>
+                                      </p:cBhvr>
+                                      <p:to>
+                                        <p:strVal val="visible"/>
+                                      </p:to>
+                                    </p:set>
+                                  </p:childTnLst>
+                                </p:cTn>
+                              </p:par>
+                            </p:childTnLst>
+                          </p:cTn>
+                        </p:par>
+                      </p:childTnLst>
+                    </p:cTn>
+                  </p:par>
+                  <p:par>
+                    <p:cTn id="27" fill="hold">
+                      <p:stCondLst>
+                        <p:cond delay="indefinite"/>
+                      </p:stCondLst>
+                      <p:childTnLst>
+                        <p:par>
+                          <p:cTn id="28" fill="hold">
+                            <p:stCondLst>
+                              <p:cond delay="0"/>
+                            </p:stCondLst>
+                            <p:childTnLst>
+                              <p:par>
+                                <p:cTn id="29" presetID="1" presetClass="entr" presetSubtype="0" fill="hold" nodeType="clickEffect">
+                                  <p:stCondLst>
+                                    <p:cond delay="0"/>
+                                  </p:stCondLst>
+                                  <p:childTnLst>
+                                    <p:set>
+                                      <p:cBhvr>
+                                        <p:cTn id="30" dur="1" fill="hold">
+                                          <p:stCondLst>
+                                            <p:cond delay="0"/>
+                                          </p:stCondLst>
+                                        </p:cTn>
+                                        <p:tgtEl>
+                                          <p:spTgt spid="20">
+                                            <p:txEl>
+                                              <p:pRg st="8" end="8"/>
+                                            </p:txEl>
+                                          </p:spTgt>
+                                        </p:tgtEl>
+                                        <p:attrNameLst>
+                                          <p:attrName>style.visibility</p:attrName>
+                                        </p:attrNameLst>
+                                      </p:cBhvr>
+                                      <p:to>
+                                        <p:strVal val="visible"/>
+                                      </p:to>
+                                    </p:set>
+                                  </p:childTnLst>
+                                </p:cTn>
+                              </p:par>
+                            </p:childTnLst>
+                          </p:cTn>
+                        </p:par>
+                      </p:childTnLst>
+                    </p:cTn>
+                  </p:par>
+                  <p:par>
+                    <p:cTn id="31" fill="hold">
+                      <p:stCondLst>
+                        <p:cond delay="indefinite"/>
+                      </p:stCondLst>
+                      <p:childTnLst>
+                        <p:par>
+                          <p:cTn id="32" fill="hold">
+                            <p:stCondLst>
+                              <p:cond delay="0"/>
+                            </p:stCondLst>
+                            <p:childTnLst>
+                              <p:par>
+                                <p:cTn id="33" presetID="1" presetClass="entr" presetSubtype="0" fill="hold" nodeType="clickEffect">
+                                  <p:stCondLst>
+                                    <p:cond delay="0"/>
+                                  </p:stCondLst>
+                                  <p:childTnLst>
+                                    <p:set>
+                                      <p:cBhvr>
+                                        <p:cTn id="34" dur="1" fill="hold">
+                                          <p:stCondLst>
+                                            <p:cond delay="0"/>
+                                          </p:stCondLst>
+                                        </p:cTn>
+                                        <p:tgtEl>
+                                          <p:spTgt spid="20">
+                                            <p:txEl>
+                                              <p:pRg st="9" end="9"/>
                                             </p:txEl>
                                           </p:spTgt>
                                         </p:tgtEl>
@@ -12258,6 +12424,806 @@
         </p:cTn>
       </p:par>
     </p:tnLst>
+    <p:bldLst>
+      <p:bldP spid="5" grpId="0"/>
+    </p:bldLst>
+  </p:timing>
+</p:sld>
+</file>
+
+<file path=ppt/slides/slide13.xml><?xml version="1.0" encoding="utf-8"?>
+<p:sld xmlns:a="http://schemas.openxmlformats.org/drawingml/2006/main" xmlns:r="http://schemas.openxmlformats.org/officeDocument/2006/relationships" xmlns:p="http://schemas.openxmlformats.org/presentationml/2006/main">
+  <p:cSld>
+    <p:spTree>
+      <p:nvGrpSpPr>
+        <p:cNvPr id="1" name=""/>
+        <p:cNvGrpSpPr/>
+        <p:nvPr/>
+      </p:nvGrpSpPr>
+      <p:grpSpPr>
+        <a:xfrm>
+          <a:off x="0" y="0"/>
+          <a:ext cx="0" cy="0"/>
+          <a:chOff x="0" y="0"/>
+          <a:chExt cx="0" cy="0"/>
+        </a:xfrm>
+      </p:grpSpPr>
+      <p:sp>
+        <p:nvSpPr>
+          <p:cNvPr id="20" name="Inhaltsplatzhalter 19">
+            <a:extLst>
+              <a:ext uri="{FF2B5EF4-FFF2-40B4-BE49-F238E27FC236}">
+                <a16:creationId xmlns:a16="http://schemas.microsoft.com/office/drawing/2014/main" id="{94AEB336-241E-3249-AE16-96E77ED85A38}"/>
+              </a:ext>
+            </a:extLst>
+          </p:cNvPr>
+          <p:cNvSpPr>
+            <a:spLocks noGrp="1"/>
+          </p:cNvSpPr>
+          <p:nvPr>
+            <p:ph idx="1"/>
+          </p:nvPr>
+        </p:nvSpPr>
+        <p:spPr>
+          <a:xfrm>
+            <a:off x="479376" y="1268760"/>
+            <a:ext cx="11712624" cy="5256584"/>
+          </a:xfrm>
+        </p:spPr>
+        <p:txBody>
+          <a:bodyPr>
+            <a:normAutofit/>
+          </a:bodyPr>
+          <a:lstStyle/>
+          <a:p>
+            <a:endParaRPr lang="de-DE" dirty="0">
+              <a:sym typeface="Symbol" pitchFamily="2" charset="2"/>
+            </a:endParaRPr>
+          </a:p>
+          <a:p>
+            <a:r>
+              <a:rPr lang="de-DE" u="sng" dirty="0">
+                <a:sym typeface="Symbol" pitchFamily="2" charset="2"/>
+              </a:rPr>
+              <a:t>These</a:t>
+            </a:r>
+            <a:r>
+              <a:rPr lang="de-DE" dirty="0">
+                <a:sym typeface="Symbol" pitchFamily="2" charset="2"/>
+              </a:rPr>
+              <a:t>: </a:t>
+            </a:r>
+            <a:r>
+              <a:rPr lang="de-DE" dirty="0"/>
+              <a:t>Inhaltsvalidität nicht bestimmbar, weil das </a:t>
+            </a:r>
+            <a:r>
+              <a:rPr lang="de-DE" dirty="0" err="1"/>
+              <a:t>Itemuniversum</a:t>
+            </a:r>
+            <a:r>
+              <a:rPr lang="de-DE" dirty="0"/>
+              <a:t> nicht bestimmbar!</a:t>
+            </a:r>
+          </a:p>
+          <a:p>
+            <a:pPr marL="0" indent="0">
+              <a:buNone/>
+            </a:pPr>
+            <a:endParaRPr lang="de-DE" dirty="0">
+              <a:sym typeface="Symbol" pitchFamily="2" charset="2"/>
+            </a:endParaRPr>
+          </a:p>
+          <a:p>
+            <a:r>
+              <a:rPr lang="de-DE" dirty="0">
+                <a:sym typeface="Symbol" pitchFamily="2" charset="2"/>
+              </a:rPr>
+              <a:t>Bestimmung schwierig! </a:t>
+            </a:r>
+            <a:r>
+              <a:rPr lang="de-DE" sz="1400" dirty="0">
+                <a:sym typeface="Symbol" pitchFamily="2" charset="2"/>
+              </a:rPr>
+              <a:t>(z.B.: kein Koeffizient, mit dem Inhaltsvalidität bestimmbar)</a:t>
+            </a:r>
+          </a:p>
+          <a:p>
+            <a:endParaRPr lang="de-DE" sz="1400" dirty="0">
+              <a:sym typeface="Symbol" pitchFamily="2" charset="2"/>
+            </a:endParaRPr>
+          </a:p>
+          <a:p>
+            <a:r>
+              <a:rPr lang="de-DE" dirty="0">
+                <a:solidFill>
+                  <a:schemeClr val="accent2"/>
+                </a:solidFill>
+                <a:sym typeface="Symbol" pitchFamily="2" charset="2"/>
+              </a:rPr>
+              <a:t>Können wir deshalb die Inhaltsvalidität einfach auslassen?</a:t>
+            </a:r>
+          </a:p>
+          <a:p>
+            <a:endParaRPr lang="de-DE" dirty="0">
+              <a:sym typeface="Symbol" pitchFamily="2" charset="2"/>
+            </a:endParaRPr>
+          </a:p>
+          <a:p>
+            <a:r>
+              <a:rPr lang="de-DE" dirty="0">
+                <a:sym typeface="Symbol" pitchFamily="2" charset="2"/>
+              </a:rPr>
+              <a:t>Zentral: </a:t>
+            </a:r>
+            <a:r>
+              <a:rPr lang="de-DE" dirty="0">
+                <a:solidFill>
+                  <a:schemeClr val="accent2"/>
+                </a:solidFill>
+                <a:sym typeface="Symbol" pitchFamily="2" charset="2"/>
+              </a:rPr>
+              <a:t>G-I-G-O </a:t>
+            </a:r>
+            <a:r>
+              <a:rPr lang="de-DE" sz="1400" dirty="0">
+                <a:sym typeface="Symbol" pitchFamily="2" charset="2"/>
+              </a:rPr>
+              <a:t>(</a:t>
+            </a:r>
+            <a:r>
+              <a:rPr lang="de-DE" sz="1400" dirty="0" err="1">
+                <a:sym typeface="Symbol" pitchFamily="2" charset="2"/>
+              </a:rPr>
+              <a:t>Garbadge</a:t>
+            </a:r>
+            <a:r>
+              <a:rPr lang="de-DE" sz="1400" dirty="0">
+                <a:sym typeface="Symbol" pitchFamily="2" charset="2"/>
+              </a:rPr>
+              <a:t>-In-</a:t>
+            </a:r>
+            <a:r>
+              <a:rPr lang="de-DE" sz="1400" dirty="0" err="1">
+                <a:sym typeface="Symbol" pitchFamily="2" charset="2"/>
+              </a:rPr>
+              <a:t>Garbadge</a:t>
+            </a:r>
+            <a:r>
+              <a:rPr lang="de-DE" sz="1400" dirty="0">
+                <a:sym typeface="Symbol" pitchFamily="2" charset="2"/>
+              </a:rPr>
+              <a:t>-Out)</a:t>
+            </a:r>
+          </a:p>
+          <a:p>
+            <a:pPr lvl="1"/>
+            <a:r>
+              <a:rPr lang="de-DE" dirty="0">
+                <a:sym typeface="Symbol" pitchFamily="2" charset="2"/>
+              </a:rPr>
+              <a:t>Mangelnde Überlegungen </a:t>
+            </a:r>
+            <a:r>
+              <a:rPr lang="de-DE" sz="1400" dirty="0">
+                <a:sym typeface="Symbol" pitchFamily="2" charset="2"/>
+              </a:rPr>
+              <a:t>(v.a. Konstruktionsprozess </a:t>
+            </a:r>
+            <a:r>
+              <a:rPr lang="de-DE" dirty="0">
+                <a:sym typeface="Wingdings" pitchFamily="2" charset="2"/>
+              </a:rPr>
+              <a:t> Minderwertige psychologische Tests</a:t>
+            </a:r>
+            <a:endParaRPr lang="de-DE" dirty="0">
+              <a:sym typeface="Symbol" pitchFamily="2" charset="2"/>
+            </a:endParaRPr>
+          </a:p>
+          <a:p>
+            <a:pPr lvl="1"/>
+            <a:r>
+              <a:rPr lang="de-DE" dirty="0">
+                <a:sym typeface="Symbol" pitchFamily="2" charset="2"/>
+              </a:rPr>
+              <a:t>Folge: Gute Überlegungen im Test-Konstruktionsprozess!</a:t>
+            </a:r>
+          </a:p>
+          <a:p>
+            <a:pPr lvl="2"/>
+            <a:r>
+              <a:rPr lang="de-DE" dirty="0">
+                <a:sym typeface="Symbol" pitchFamily="2" charset="2"/>
+              </a:rPr>
+              <a:t>Z.B. </a:t>
+            </a:r>
+            <a:r>
+              <a:rPr lang="de-DE" dirty="0" err="1">
+                <a:sym typeface="Symbol" pitchFamily="2" charset="2"/>
+              </a:rPr>
+              <a:t>Konstruktdefinition</a:t>
+            </a:r>
+            <a:endParaRPr lang="de-DE" dirty="0">
+              <a:sym typeface="Symbol" pitchFamily="2" charset="2"/>
+            </a:endParaRPr>
+          </a:p>
+          <a:p>
+            <a:pPr lvl="2"/>
+            <a:r>
+              <a:rPr lang="de-DE" dirty="0">
+                <a:sym typeface="Symbol" pitchFamily="2" charset="2"/>
+              </a:rPr>
+              <a:t>Z.B. Generierung der </a:t>
+            </a:r>
+            <a:r>
+              <a:rPr lang="de-DE" dirty="0" err="1">
+                <a:sym typeface="Symbol" pitchFamily="2" charset="2"/>
+              </a:rPr>
+              <a:t>Itemmenge</a:t>
+            </a:r>
+            <a:endParaRPr lang="de-DE" dirty="0">
+              <a:sym typeface="Symbol" pitchFamily="2" charset="2"/>
+            </a:endParaRPr>
+          </a:p>
+        </p:txBody>
+      </p:sp>
+      <p:sp>
+        <p:nvSpPr>
+          <p:cNvPr id="2" name="Titel 1"/>
+          <p:cNvSpPr>
+            <a:spLocks noGrp="1"/>
+          </p:cNvSpPr>
+          <p:nvPr>
+            <p:ph type="title"/>
+          </p:nvPr>
+        </p:nvSpPr>
+        <p:spPr/>
+        <p:txBody>
+          <a:bodyPr/>
+          <a:lstStyle/>
+          <a:p>
+            <a:r>
+              <a:rPr lang="de-DE" dirty="0"/>
+              <a:t>1 Inhaltsvalidität – vernachlässigbar?</a:t>
+            </a:r>
+          </a:p>
+        </p:txBody>
+      </p:sp>
+      <p:sp>
+        <p:nvSpPr>
+          <p:cNvPr id="4" name="Foliennummernplatzhalter 3"/>
+          <p:cNvSpPr>
+            <a:spLocks noGrp="1"/>
+          </p:cNvSpPr>
+          <p:nvPr>
+            <p:ph type="sldNum" sz="quarter" idx="12"/>
+          </p:nvPr>
+        </p:nvSpPr>
+        <p:spPr/>
+        <p:txBody>
+          <a:bodyPr/>
+          <a:lstStyle/>
+          <a:p>
+            <a:fld id="{46668DF9-31B9-4574-BE62-D39E929935C9}" type="slidenum">
+              <a:rPr lang="de-DE" altLang="en-US" smtClean="0"/>
+              <a:pPr/>
+              <a:t>13</a:t>
+            </a:fld>
+            <a:endParaRPr lang="de-DE" altLang="en-US"/>
+          </a:p>
+        </p:txBody>
+      </p:sp>
+      <p:sp>
+        <p:nvSpPr>
+          <p:cNvPr id="5" name="Textfeld 4">
+            <a:extLst>
+              <a:ext uri="{FF2B5EF4-FFF2-40B4-BE49-F238E27FC236}">
+                <a16:creationId xmlns:a16="http://schemas.microsoft.com/office/drawing/2014/main" id="{7C5C4B52-DC73-9B4F-9367-0647D36D34E5}"/>
+              </a:ext>
+            </a:extLst>
+          </p:cNvPr>
+          <p:cNvSpPr txBox="1"/>
+          <p:nvPr/>
+        </p:nvSpPr>
+        <p:spPr>
+          <a:xfrm rot="20835390">
+            <a:off x="8704076" y="3516933"/>
+            <a:ext cx="3575720" cy="523220"/>
+          </a:xfrm>
+          <a:prstGeom prst="rect">
+            <a:avLst/>
+          </a:prstGeom>
+          <a:noFill/>
+        </p:spPr>
+        <p:txBody>
+          <a:bodyPr wrap="square" rtlCol="0">
+            <a:spAutoFit/>
+          </a:bodyPr>
+          <a:lstStyle/>
+          <a:p>
+            <a:r>
+              <a:rPr lang="de-DE" sz="2800" dirty="0" err="1"/>
+              <a:t>Nöööp</a:t>
+            </a:r>
+            <a:r>
+              <a:rPr lang="de-DE" sz="2800" dirty="0"/>
+              <a:t>!</a:t>
+            </a:r>
+          </a:p>
+        </p:txBody>
+      </p:sp>
+    </p:spTree>
+    <p:extLst>
+      <p:ext uri="{BB962C8B-B14F-4D97-AF65-F5344CB8AC3E}">
+        <p14:creationId xmlns:p14="http://schemas.microsoft.com/office/powerpoint/2010/main" val="1603404839"/>
+      </p:ext>
+    </p:extLst>
+  </p:cSld>
+  <p:clrMapOvr>
+    <a:masterClrMapping/>
+  </p:clrMapOvr>
+  <p:timing>
+    <p:tnLst>
+      <p:par>
+        <p:cTn id="1" dur="indefinite" restart="never" nodeType="tmRoot">
+          <p:childTnLst>
+            <p:seq concurrent="1" nextAc="seek">
+              <p:cTn id="2" dur="indefinite" nodeType="mainSeq">
+                <p:childTnLst>
+                  <p:par>
+                    <p:cTn id="3" fill="hold">
+                      <p:stCondLst>
+                        <p:cond delay="indefinite"/>
+                      </p:stCondLst>
+                      <p:childTnLst>
+                        <p:par>
+                          <p:cTn id="4" fill="hold">
+                            <p:stCondLst>
+                              <p:cond delay="0"/>
+                            </p:stCondLst>
+                            <p:childTnLst>
+                              <p:par>
+                                <p:cTn id="5" presetID="1" presetClass="entr" presetSubtype="0" fill="hold" nodeType="clickEffect">
+                                  <p:stCondLst>
+                                    <p:cond delay="0"/>
+                                  </p:stCondLst>
+                                  <p:childTnLst>
+                                    <p:set>
+                                      <p:cBhvr>
+                                        <p:cTn id="6" dur="1" fill="hold">
+                                          <p:stCondLst>
+                                            <p:cond delay="0"/>
+                                          </p:stCondLst>
+                                        </p:cTn>
+                                        <p:tgtEl>
+                                          <p:spTgt spid="20">
+                                            <p:txEl>
+                                              <p:pRg st="1" end="1"/>
+                                            </p:txEl>
+                                          </p:spTgt>
+                                        </p:tgtEl>
+                                        <p:attrNameLst>
+                                          <p:attrName>style.visibility</p:attrName>
+                                        </p:attrNameLst>
+                                      </p:cBhvr>
+                                      <p:to>
+                                        <p:strVal val="visible"/>
+                                      </p:to>
+                                    </p:set>
+                                  </p:childTnLst>
+                                </p:cTn>
+                              </p:par>
+                            </p:childTnLst>
+                          </p:cTn>
+                        </p:par>
+                      </p:childTnLst>
+                    </p:cTn>
+                  </p:par>
+                  <p:par>
+                    <p:cTn id="7" fill="hold">
+                      <p:stCondLst>
+                        <p:cond delay="indefinite"/>
+                      </p:stCondLst>
+                      <p:childTnLst>
+                        <p:par>
+                          <p:cTn id="8" fill="hold">
+                            <p:stCondLst>
+                              <p:cond delay="0"/>
+                            </p:stCondLst>
+                            <p:childTnLst>
+                              <p:par>
+                                <p:cTn id="9" presetID="1" presetClass="entr" presetSubtype="0" fill="hold" nodeType="clickEffect">
+                                  <p:stCondLst>
+                                    <p:cond delay="0"/>
+                                  </p:stCondLst>
+                                  <p:childTnLst>
+                                    <p:set>
+                                      <p:cBhvr>
+                                        <p:cTn id="10" dur="1" fill="hold">
+                                          <p:stCondLst>
+                                            <p:cond delay="0"/>
+                                          </p:stCondLst>
+                                        </p:cTn>
+                                        <p:tgtEl>
+                                          <p:spTgt spid="20">
+                                            <p:txEl>
+                                              <p:pRg st="3" end="3"/>
+                                            </p:txEl>
+                                          </p:spTgt>
+                                        </p:tgtEl>
+                                        <p:attrNameLst>
+                                          <p:attrName>style.visibility</p:attrName>
+                                        </p:attrNameLst>
+                                      </p:cBhvr>
+                                      <p:to>
+                                        <p:strVal val="visible"/>
+                                      </p:to>
+                                    </p:set>
+                                  </p:childTnLst>
+                                </p:cTn>
+                              </p:par>
+                            </p:childTnLst>
+                          </p:cTn>
+                        </p:par>
+                      </p:childTnLst>
+                    </p:cTn>
+                  </p:par>
+                  <p:par>
+                    <p:cTn id="11" fill="hold">
+                      <p:stCondLst>
+                        <p:cond delay="indefinite"/>
+                      </p:stCondLst>
+                      <p:childTnLst>
+                        <p:par>
+                          <p:cTn id="12" fill="hold">
+                            <p:stCondLst>
+                              <p:cond delay="0"/>
+                            </p:stCondLst>
+                            <p:childTnLst>
+                              <p:par>
+                                <p:cTn id="13" presetID="1" presetClass="entr" presetSubtype="0" fill="hold" nodeType="clickEffect">
+                                  <p:stCondLst>
+                                    <p:cond delay="0"/>
+                                  </p:stCondLst>
+                                  <p:childTnLst>
+                                    <p:set>
+                                      <p:cBhvr>
+                                        <p:cTn id="14" dur="1" fill="hold">
+                                          <p:stCondLst>
+                                            <p:cond delay="0"/>
+                                          </p:stCondLst>
+                                        </p:cTn>
+                                        <p:tgtEl>
+                                          <p:spTgt spid="20">
+                                            <p:txEl>
+                                              <p:pRg st="5" end="5"/>
+                                            </p:txEl>
+                                          </p:spTgt>
+                                        </p:tgtEl>
+                                        <p:attrNameLst>
+                                          <p:attrName>style.visibility</p:attrName>
+                                        </p:attrNameLst>
+                                      </p:cBhvr>
+                                      <p:to>
+                                        <p:strVal val="visible"/>
+                                      </p:to>
+                                    </p:set>
+                                  </p:childTnLst>
+                                </p:cTn>
+                              </p:par>
+                            </p:childTnLst>
+                          </p:cTn>
+                        </p:par>
+                      </p:childTnLst>
+                    </p:cTn>
+                  </p:par>
+                  <p:par>
+                    <p:cTn id="15" fill="hold">
+                      <p:stCondLst>
+                        <p:cond delay="indefinite"/>
+                      </p:stCondLst>
+                      <p:childTnLst>
+                        <p:par>
+                          <p:cTn id="16" fill="hold">
+                            <p:stCondLst>
+                              <p:cond delay="0"/>
+                            </p:stCondLst>
+                            <p:childTnLst>
+                              <p:par>
+                                <p:cTn id="17" presetID="8" presetClass="emph" presetSubtype="0" fill="hold" grpId="1" nodeType="clickEffect">
+                                  <p:stCondLst>
+                                    <p:cond delay="0"/>
+                                  </p:stCondLst>
+                                  <p:childTnLst>
+                                    <p:animRot by="21600000">
+                                      <p:cBhvr>
+                                        <p:cTn id="18" dur="2000" fill="hold"/>
+                                        <p:tgtEl>
+                                          <p:spTgt spid="5"/>
+                                        </p:tgtEl>
+                                        <p:attrNameLst>
+                                          <p:attrName>r</p:attrName>
+                                        </p:attrNameLst>
+                                      </p:cBhvr>
+                                    </p:animRot>
+                                  </p:childTnLst>
+                                </p:cTn>
+                              </p:par>
+                            </p:childTnLst>
+                          </p:cTn>
+                        </p:par>
+                      </p:childTnLst>
+                    </p:cTn>
+                  </p:par>
+                  <p:par>
+                    <p:cTn id="19" fill="hold">
+                      <p:stCondLst>
+                        <p:cond delay="indefinite"/>
+                      </p:stCondLst>
+                      <p:childTnLst>
+                        <p:par>
+                          <p:cTn id="20" fill="hold">
+                            <p:stCondLst>
+                              <p:cond delay="0"/>
+                            </p:stCondLst>
+                            <p:childTnLst>
+                              <p:par>
+                                <p:cTn id="21" presetID="1" presetClass="entr" presetSubtype="0" fill="hold" nodeType="clickEffect">
+                                  <p:stCondLst>
+                                    <p:cond delay="0"/>
+                                  </p:stCondLst>
+                                  <p:childTnLst>
+                                    <p:set>
+                                      <p:cBhvr>
+                                        <p:cTn id="22" dur="1" fill="hold">
+                                          <p:stCondLst>
+                                            <p:cond delay="0"/>
+                                          </p:stCondLst>
+                                        </p:cTn>
+                                        <p:tgtEl>
+                                          <p:spTgt spid="20">
+                                            <p:txEl>
+                                              <p:pRg st="7" end="7"/>
+                                            </p:txEl>
+                                          </p:spTgt>
+                                        </p:tgtEl>
+                                        <p:attrNameLst>
+                                          <p:attrName>style.visibility</p:attrName>
+                                        </p:attrNameLst>
+                                      </p:cBhvr>
+                                      <p:to>
+                                        <p:strVal val="visible"/>
+                                      </p:to>
+                                    </p:set>
+                                  </p:childTnLst>
+                                </p:cTn>
+                              </p:par>
+                            </p:childTnLst>
+                          </p:cTn>
+                        </p:par>
+                      </p:childTnLst>
+                    </p:cTn>
+                  </p:par>
+                  <p:par>
+                    <p:cTn id="23" fill="hold">
+                      <p:stCondLst>
+                        <p:cond delay="indefinite"/>
+                      </p:stCondLst>
+                      <p:childTnLst>
+                        <p:par>
+                          <p:cTn id="24" fill="hold">
+                            <p:stCondLst>
+                              <p:cond delay="0"/>
+                            </p:stCondLst>
+                            <p:childTnLst>
+                              <p:par>
+                                <p:cTn id="25" presetID="1" presetClass="entr" presetSubtype="0" fill="hold" nodeType="clickEffect">
+                                  <p:stCondLst>
+                                    <p:cond delay="0"/>
+                                  </p:stCondLst>
+                                  <p:childTnLst>
+                                    <p:set>
+                                      <p:cBhvr>
+                                        <p:cTn id="26" dur="1" fill="hold">
+                                          <p:stCondLst>
+                                            <p:cond delay="0"/>
+                                          </p:stCondLst>
+                                        </p:cTn>
+                                        <p:tgtEl>
+                                          <p:spTgt spid="20">
+                                            <p:txEl>
+                                              <p:pRg st="8" end="8"/>
+                                            </p:txEl>
+                                          </p:spTgt>
+                                        </p:tgtEl>
+                                        <p:attrNameLst>
+                                          <p:attrName>style.visibility</p:attrName>
+                                        </p:attrNameLst>
+                                      </p:cBhvr>
+                                      <p:to>
+                                        <p:strVal val="visible"/>
+                                      </p:to>
+                                    </p:set>
+                                  </p:childTnLst>
+                                </p:cTn>
+                              </p:par>
+                            </p:childTnLst>
+                          </p:cTn>
+                        </p:par>
+                      </p:childTnLst>
+                    </p:cTn>
+                  </p:par>
+                  <p:par>
+                    <p:cTn id="27" fill="hold">
+                      <p:stCondLst>
+                        <p:cond delay="indefinite"/>
+                      </p:stCondLst>
+                      <p:childTnLst>
+                        <p:par>
+                          <p:cTn id="28" fill="hold">
+                            <p:stCondLst>
+                              <p:cond delay="0"/>
+                            </p:stCondLst>
+                            <p:childTnLst>
+                              <p:par>
+                                <p:cTn id="29" presetID="1" presetClass="entr" presetSubtype="0" fill="hold" nodeType="clickEffect">
+                                  <p:stCondLst>
+                                    <p:cond delay="0"/>
+                                  </p:stCondLst>
+                                  <p:childTnLst>
+                                    <p:set>
+                                      <p:cBhvr>
+                                        <p:cTn id="30" dur="1" fill="hold">
+                                          <p:stCondLst>
+                                            <p:cond delay="0"/>
+                                          </p:stCondLst>
+                                        </p:cTn>
+                                        <p:tgtEl>
+                                          <p:spTgt spid="20">
+                                            <p:txEl>
+                                              <p:pRg st="9" end="9"/>
+                                            </p:txEl>
+                                          </p:spTgt>
+                                        </p:tgtEl>
+                                        <p:attrNameLst>
+                                          <p:attrName>style.visibility</p:attrName>
+                                        </p:attrNameLst>
+                                      </p:cBhvr>
+                                      <p:to>
+                                        <p:strVal val="visible"/>
+                                      </p:to>
+                                    </p:set>
+                                  </p:childTnLst>
+                                </p:cTn>
+                              </p:par>
+                            </p:childTnLst>
+                          </p:cTn>
+                        </p:par>
+                      </p:childTnLst>
+                    </p:cTn>
+                  </p:par>
+                  <p:par>
+                    <p:cTn id="31" fill="hold">
+                      <p:stCondLst>
+                        <p:cond delay="indefinite"/>
+                      </p:stCondLst>
+                      <p:childTnLst>
+                        <p:par>
+                          <p:cTn id="32" fill="hold">
+                            <p:stCondLst>
+                              <p:cond delay="0"/>
+                            </p:stCondLst>
+                            <p:childTnLst>
+                              <p:par>
+                                <p:cTn id="33" presetID="1" presetClass="entr" presetSubtype="0" fill="hold" nodeType="clickEffect">
+                                  <p:stCondLst>
+                                    <p:cond delay="0"/>
+                                  </p:stCondLst>
+                                  <p:childTnLst>
+                                    <p:set>
+                                      <p:cBhvr>
+                                        <p:cTn id="34" dur="1" fill="hold">
+                                          <p:stCondLst>
+                                            <p:cond delay="0"/>
+                                          </p:stCondLst>
+                                        </p:cTn>
+                                        <p:tgtEl>
+                                          <p:spTgt spid="20">
+                                            <p:txEl>
+                                              <p:pRg st="10" end="10"/>
+                                            </p:txEl>
+                                          </p:spTgt>
+                                        </p:tgtEl>
+                                        <p:attrNameLst>
+                                          <p:attrName>style.visibility</p:attrName>
+                                        </p:attrNameLst>
+                                      </p:cBhvr>
+                                      <p:to>
+                                        <p:strVal val="visible"/>
+                                      </p:to>
+                                    </p:set>
+                                  </p:childTnLst>
+                                </p:cTn>
+                              </p:par>
+                            </p:childTnLst>
+                          </p:cTn>
+                        </p:par>
+                      </p:childTnLst>
+                    </p:cTn>
+                  </p:par>
+                  <p:par>
+                    <p:cTn id="35" fill="hold">
+                      <p:stCondLst>
+                        <p:cond delay="indefinite"/>
+                      </p:stCondLst>
+                      <p:childTnLst>
+                        <p:par>
+                          <p:cTn id="36" fill="hold">
+                            <p:stCondLst>
+                              <p:cond delay="0"/>
+                            </p:stCondLst>
+                            <p:childTnLst>
+                              <p:par>
+                                <p:cTn id="37" presetID="1" presetClass="entr" presetSubtype="0" fill="hold" nodeType="clickEffect">
+                                  <p:stCondLst>
+                                    <p:cond delay="0"/>
+                                  </p:stCondLst>
+                                  <p:childTnLst>
+                                    <p:set>
+                                      <p:cBhvr>
+                                        <p:cTn id="38" dur="1" fill="hold">
+                                          <p:stCondLst>
+                                            <p:cond delay="0"/>
+                                          </p:stCondLst>
+                                        </p:cTn>
+                                        <p:tgtEl>
+                                          <p:spTgt spid="20">
+                                            <p:txEl>
+                                              <p:pRg st="11" end="11"/>
+                                            </p:txEl>
+                                          </p:spTgt>
+                                        </p:tgtEl>
+                                        <p:attrNameLst>
+                                          <p:attrName>style.visibility</p:attrName>
+                                        </p:attrNameLst>
+                                      </p:cBhvr>
+                                      <p:to>
+                                        <p:strVal val="visible"/>
+                                      </p:to>
+                                    </p:set>
+                                  </p:childTnLst>
+                                </p:cTn>
+                              </p:par>
+                            </p:childTnLst>
+                          </p:cTn>
+                        </p:par>
+                      </p:childTnLst>
+                    </p:cTn>
+                  </p:par>
+                </p:childTnLst>
+              </p:cTn>
+              <p:prevCondLst>
+                <p:cond evt="onPrev" delay="0">
+                  <p:tgtEl>
+                    <p:sldTgt/>
+                  </p:tgtEl>
+                </p:cond>
+              </p:prevCondLst>
+              <p:nextCondLst>
+                <p:cond evt="onNext" delay="0">
+                  <p:tgtEl>
+                    <p:sldTgt/>
+                  </p:tgtEl>
+                </p:cond>
+              </p:nextCondLst>
+            </p:seq>
+          </p:childTnLst>
+        </p:cTn>
+      </p:par>
+    </p:tnLst>
+    <p:bldLst>
+      <p:bldP spid="5" grpId="1"/>
+    </p:bldLst>
   </p:timing>
 </p:sld>
 </file>

--- a/11-valid/validity-10.pptx
+++ b/11-valid/validity-10.pptx
@@ -293,7 +293,7 @@
           <a:p>
             <a:fld id="{E1C14020-C86F-44CF-B312-F5A319AF4C0F}" type="datetimeFigureOut">
               <a:rPr lang="de-DE" smtClean="0"/>
-              <a:t>24.01.22</a:t>
+              <a:t>26.01.22</a:t>
             </a:fld>
             <a:endParaRPr lang="de-DE"/>
           </a:p>
@@ -458,7 +458,7 @@
           <a:p>
             <a:fld id="{F65825FF-D0BE-439C-953B-50BAD0D90B96}" type="datetimeFigureOut">
               <a:rPr lang="de-DE" smtClean="0"/>
-              <a:t>24.01.22</a:t>
+              <a:t>26.01.22</a:t>
             </a:fld>
             <a:endParaRPr lang="de-DE"/>
           </a:p>
@@ -1725,13 +1725,6 @@
             <a:endParaRPr lang="de-DE" dirty="0"/>
           </a:p>
           <a:p>
-            <a:pPr marL="0" indent="0">
-              <a:buFont typeface="Arial" panose="020B0604020202020204" pitchFamily="34" charset="0"/>
-              <a:buNone/>
-            </a:pPr>
-            <a:endParaRPr lang="de-DE" dirty="0"/>
-          </a:p>
-          <a:p>
             <a:pPr marL="0" marR="0" lvl="0" indent="0" algn="l" defTabSz="914400" rtl="0" eaLnBrk="1" fontAlgn="auto" latinLnBrk="0" hangingPunct="1">
               <a:lnSpc>
                 <a:spcPct val="100000"/>
@@ -1811,20 +1804,6 @@
               </a:rPr>
               <a:t>-&gt; (2.2) d.h. wir schließen von den Item-Antworten auf die latenten Konstrukte</a:t>
             </a:r>
-          </a:p>
-          <a:p>
-            <a:pPr marL="0" indent="0">
-              <a:buFont typeface="Arial" panose="020B0604020202020204" pitchFamily="34" charset="0"/>
-              <a:buNone/>
-            </a:pPr>
-            <a:endParaRPr lang="de-DE" dirty="0"/>
-          </a:p>
-          <a:p>
-            <a:pPr marL="0" indent="0">
-              <a:buFont typeface="Arial" panose="020B0604020202020204" pitchFamily="34" charset="0"/>
-              <a:buNone/>
-            </a:pPr>
-            <a:endParaRPr lang="de-DE" dirty="0"/>
           </a:p>
           <a:p>
             <a:pPr marL="0" indent="0">
@@ -2015,15 +1994,7 @@
             </a:pPr>
             <a:r>
               <a:rPr lang="de-DE" dirty="0"/>
-              <a:t>(Gegenargument: </a:t>
-            </a:r>
-            <a:r>
-              <a:rPr lang="de-DE"/>
-              <a:t>z.B. </a:t>
-            </a:r>
-            <a:r>
-              <a:rPr lang="de-DE" dirty="0"/>
-              <a:t>Korrelation mit Außenkriterium)</a:t>
+              <a:t>(Gegenargument: z.B. Korrelation mit Außenkriterium)</a:t>
             </a:r>
           </a:p>
           <a:p>
@@ -2267,7 +2238,7 @@
           <a:bodyPr/>
           <a:lstStyle/>
           <a:p>
-            <a:pPr marL="171450" marR="0" lvl="0" indent="-171450" algn="l" defTabSz="914400" rtl="0" eaLnBrk="1" fontAlgn="auto" latinLnBrk="0" hangingPunct="1">
+            <a:pPr marL="0" marR="0" lvl="0" indent="0" algn="l" defTabSz="914400" rtl="0" eaLnBrk="1" fontAlgn="auto" latinLnBrk="0" hangingPunct="1">
               <a:lnSpc>
                 <a:spcPct val="100000"/>
               </a:lnSpc>
@@ -2280,7 +2251,7 @@
               <a:buClrTx/>
               <a:buSzTx/>
               <a:buFontTx/>
-              <a:buChar char="-"/>
+              <a:buNone/>
               <a:tabLst/>
               <a:defRPr/>
             </a:pPr>
@@ -2294,83 +2265,11 @@
                 <a:ea typeface="+mn-ea"/>
                 <a:cs typeface="+mn-cs"/>
               </a:rPr>
-              <a:t>einfach gesagt: </a:t>
-            </a:r>
-            <a:r>
-              <a:rPr lang="de-DE" sz="1200" kern="1200" dirty="0" err="1">
-                <a:solidFill>
-                  <a:schemeClr val="tx1"/>
-                </a:solidFill>
-                <a:effectLst/>
-                <a:latin typeface="+mn-lt"/>
-                <a:ea typeface="+mn-ea"/>
-                <a:cs typeface="+mn-cs"/>
-              </a:rPr>
-              <a:t>Überprüfung</a:t>
-            </a:r>
-            <a:r>
-              <a:rPr lang="de-DE" sz="1200" kern="1200" dirty="0">
-                <a:solidFill>
-                  <a:schemeClr val="tx1"/>
-                </a:solidFill>
-                <a:effectLst/>
-                <a:latin typeface="+mn-lt"/>
-                <a:ea typeface="+mn-ea"/>
-                <a:cs typeface="+mn-cs"/>
-              </a:rPr>
-              <a:t> theoretischer Annahmen </a:t>
-            </a:r>
-            <a:r>
-              <a:rPr lang="de-DE" sz="1200" kern="1200" dirty="0" err="1">
-                <a:solidFill>
-                  <a:schemeClr val="tx1"/>
-                </a:solidFill>
-                <a:effectLst/>
-                <a:latin typeface="+mn-lt"/>
-                <a:ea typeface="+mn-ea"/>
-                <a:cs typeface="+mn-cs"/>
-              </a:rPr>
-              <a:t>über</a:t>
-            </a:r>
-            <a:r>
-              <a:rPr lang="de-DE" sz="1200" kern="1200" dirty="0">
-                <a:solidFill>
-                  <a:schemeClr val="tx1"/>
-                </a:solidFill>
-                <a:effectLst/>
-                <a:latin typeface="+mn-lt"/>
-                <a:ea typeface="+mn-ea"/>
-                <a:cs typeface="+mn-cs"/>
-              </a:rPr>
-              <a:t> Zusammenhangsstrukturen latenter Konstrukte anhand empirischer Daten; seit 1970er als übergeordneter Zugang zur Bestimmung der Validität zu verstehen, die die anderen </a:t>
-            </a:r>
-            <a:r>
-              <a:rPr lang="de-DE" sz="1200" kern="1200" dirty="0" err="1">
-                <a:solidFill>
-                  <a:schemeClr val="tx1"/>
-                </a:solidFill>
-                <a:effectLst/>
-                <a:latin typeface="+mn-lt"/>
-                <a:ea typeface="+mn-ea"/>
-                <a:cs typeface="+mn-cs"/>
-              </a:rPr>
-              <a:t>Validitäts</a:t>
-            </a:r>
-            <a:r>
-              <a:rPr lang="de-DE" sz="1200" kern="1200" dirty="0">
-                <a:solidFill>
-                  <a:schemeClr val="tx1"/>
-                </a:solidFill>
-                <a:effectLst/>
-                <a:latin typeface="+mn-lt"/>
-                <a:ea typeface="+mn-ea"/>
-                <a:cs typeface="+mn-cs"/>
-              </a:rPr>
-              <a:t>-Formen einschließt</a:t>
-            </a:r>
-          </a:p>
-          <a:p>
-            <a:pPr marL="171450" marR="0" lvl="0" indent="-171450" algn="l" defTabSz="914400" rtl="0" eaLnBrk="1" fontAlgn="auto" latinLnBrk="0" hangingPunct="1">
+              <a:t>Zu Definition: es geht darum, inwieweit sich theoretisch (vorhergesagter) Zusammenhänge latenter Konstrukte durch empirischer Daten bestätigen lassen.</a:t>
+            </a:r>
+          </a:p>
+          <a:p>
+            <a:pPr marL="0" marR="0" lvl="0" indent="0" algn="l" defTabSz="914400" rtl="0" eaLnBrk="1" fontAlgn="auto" latinLnBrk="0" hangingPunct="1">
               <a:lnSpc>
                 <a:spcPct val="100000"/>
               </a:lnSpc>
@@ -2383,49 +2282,22 @@
               <a:buClrTx/>
               <a:buSzTx/>
               <a:buFontTx/>
-              <a:buChar char="-"/>
+              <a:buNone/>
               <a:tabLst/>
               <a:defRPr/>
             </a:pPr>
-            <a:r>
-              <a:rPr lang="de-DE" sz="1200" kern="1200" dirty="0">
-                <a:solidFill>
-                  <a:schemeClr val="tx1"/>
-                </a:solidFill>
-                <a:effectLst/>
-                <a:latin typeface="+mn-lt"/>
-                <a:ea typeface="+mn-ea"/>
-                <a:cs typeface="+mn-cs"/>
-              </a:rPr>
-              <a:t>Theoretische Fundierung nachzuweisen -&gt; v.a. </a:t>
-            </a:r>
-            <a:r>
-              <a:rPr lang="de-DE" sz="1200" kern="1200" dirty="0" err="1">
-                <a:solidFill>
-                  <a:schemeClr val="tx1"/>
-                </a:solidFill>
-                <a:effectLst/>
-                <a:latin typeface="+mn-lt"/>
-                <a:ea typeface="+mn-ea"/>
-                <a:cs typeface="+mn-cs"/>
-              </a:rPr>
-              <a:t>Dimensionalität</a:t>
-            </a:r>
-            <a:r>
-              <a:rPr lang="de-DE" sz="1200" kern="1200" dirty="0">
-                <a:solidFill>
-                  <a:schemeClr val="tx1"/>
-                </a:solidFill>
-                <a:effectLst/>
-                <a:latin typeface="+mn-lt"/>
-                <a:ea typeface="+mn-ea"/>
-                <a:cs typeface="+mn-cs"/>
-              </a:rPr>
-              <a:t> und Struktur</a:t>
-            </a:r>
-          </a:p>
-          <a:p>
-            <a:pPr marL="171450" marR="0" lvl="0" indent="-171450" algn="l" defTabSz="914400" rtl="0" eaLnBrk="1" fontAlgn="auto" latinLnBrk="0" hangingPunct="1">
+            <a:endParaRPr lang="de-DE" sz="1200" kern="1200" dirty="0">
+              <a:solidFill>
+                <a:schemeClr val="tx1"/>
+              </a:solidFill>
+              <a:effectLst/>
+              <a:latin typeface="+mn-lt"/>
+              <a:ea typeface="+mn-ea"/>
+              <a:cs typeface="+mn-cs"/>
+            </a:endParaRPr>
+          </a:p>
+          <a:p>
+            <a:pPr marL="0" marR="0" lvl="0" indent="0" algn="l" defTabSz="914400" rtl="0" eaLnBrk="1" fontAlgn="auto" latinLnBrk="0" hangingPunct="1">
               <a:lnSpc>
                 <a:spcPct val="100000"/>
               </a:lnSpc>
@@ -2438,7 +2310,7 @@
               <a:buClrTx/>
               <a:buSzTx/>
               <a:buFontTx/>
-              <a:buChar char="-"/>
+              <a:buNone/>
               <a:tabLst/>
               <a:defRPr/>
             </a:pPr>
@@ -2452,11 +2324,11 @@
                 <a:ea typeface="+mn-ea"/>
                 <a:cs typeface="+mn-cs"/>
               </a:rPr>
-              <a:t>Das kann die erklärende und extrapolierende Interpretation betreffen: </a:t>
-            </a:r>
-          </a:p>
-          <a:p>
-            <a:pPr marL="628650" marR="0" lvl="1" indent="-171450" algn="l" defTabSz="914400" rtl="0" eaLnBrk="1" fontAlgn="auto" latinLnBrk="0" hangingPunct="1">
+              <a:t>Wichtige Voraussetzung daher: Die theoretische/empirische Fundierung ist nachzuweisen</a:t>
+            </a:r>
+          </a:p>
+          <a:p>
+            <a:pPr marL="0" marR="0" lvl="0" indent="0" algn="l" defTabSz="914400" rtl="0" eaLnBrk="1" fontAlgn="auto" latinLnBrk="0" hangingPunct="1">
               <a:lnSpc>
                 <a:spcPct val="100000"/>
               </a:lnSpc>
@@ -2469,25 +2341,22 @@
               <a:buClrTx/>
               <a:buSzTx/>
               <a:buFontTx/>
-              <a:buChar char="-"/>
+              <a:buNone/>
               <a:tabLst/>
               <a:defRPr/>
             </a:pPr>
-            <a:r>
-              <a:rPr lang="de-DE" sz="1200" kern="1200" dirty="0">
-                <a:solidFill>
-                  <a:schemeClr val="tx1"/>
-                </a:solidFill>
-                <a:effectLst/>
-                <a:latin typeface="+mn-lt"/>
-                <a:ea typeface="+mn-ea"/>
-                <a:cs typeface="+mn-cs"/>
-              </a:rPr>
-              <a:t>Erklärend: latentes Konstrukt ist Ursache für die Unterschiede im Antwortverhalten; Varianz in den Testwerten kommt durch versch. Ausprägungen von z.B. Extraversion zustande</a:t>
-            </a:r>
-          </a:p>
-          <a:p>
-            <a:pPr marL="628650" marR="0" lvl="1" indent="-171450" algn="l" defTabSz="914400" rtl="0" eaLnBrk="1" fontAlgn="auto" latinLnBrk="0" hangingPunct="1">
+            <a:endParaRPr lang="de-DE" sz="1200" kern="1200" dirty="0">
+              <a:solidFill>
+                <a:schemeClr val="tx1"/>
+              </a:solidFill>
+              <a:effectLst/>
+              <a:latin typeface="+mn-lt"/>
+              <a:ea typeface="+mn-ea"/>
+              <a:cs typeface="+mn-cs"/>
+            </a:endParaRPr>
+          </a:p>
+          <a:p>
+            <a:pPr marL="0" marR="0" lvl="0" indent="0" algn="l" defTabSz="914400" rtl="0" eaLnBrk="1" fontAlgn="auto" latinLnBrk="0" hangingPunct="1">
               <a:lnSpc>
                 <a:spcPct val="100000"/>
               </a:lnSpc>
@@ -2500,10 +2369,22 @@
               <a:buClrTx/>
               <a:buSzTx/>
               <a:buFontTx/>
-              <a:buChar char="-"/>
+              <a:buNone/>
               <a:tabLst/>
               <a:defRPr/>
             </a:pPr>
+            <a:r>
+              <a:rPr lang="de-DE" sz="1200" u="sng" kern="1200" dirty="0">
+                <a:solidFill>
+                  <a:schemeClr val="tx1"/>
+                </a:solidFill>
+                <a:effectLst/>
+                <a:latin typeface="+mn-lt"/>
+                <a:ea typeface="+mn-ea"/>
+                <a:cs typeface="+mn-cs"/>
+              </a:rPr>
+              <a:t>Rückfrage (1)</a:t>
+            </a:r>
             <a:r>
               <a:rPr lang="de-DE" sz="1200" kern="1200" dirty="0">
                 <a:solidFill>
@@ -2514,11 +2395,35 @@
                 <a:ea typeface="+mn-ea"/>
                 <a:cs typeface="+mn-cs"/>
               </a:rPr>
-              <a:t>Extrapolierend: wenn sich aus Theorien/ vorliegenden Testergebnissen ableiten lässt, dass ein latentes Konstrukt mit anderen Konstrukten in Zusammenhang steht, kann man von Testergebnissen auf andere Konstrukte schließen</a:t>
-            </a:r>
-          </a:p>
-          <a:p>
-            <a:pPr marL="171450" marR="0" lvl="0" indent="-171450" algn="l" defTabSz="914400" rtl="0" eaLnBrk="1" fontAlgn="auto" latinLnBrk="0" hangingPunct="1">
+              <a:t>:  Was wäre zwei zentrale </a:t>
+            </a:r>
+            <a:r>
+              <a:rPr lang="de-DE" sz="1200" i="1" kern="1200" dirty="0">
+                <a:solidFill>
+                  <a:schemeClr val="tx1"/>
+                </a:solidFill>
+                <a:effectLst/>
+                <a:latin typeface="+mn-lt"/>
+                <a:ea typeface="+mn-ea"/>
+                <a:cs typeface="+mn-cs"/>
+              </a:rPr>
+              <a:t>Indikatoren</a:t>
+            </a:r>
+            <a:r>
+              <a:rPr lang="de-DE" sz="1200" kern="1200" dirty="0">
+                <a:solidFill>
+                  <a:schemeClr val="tx1"/>
+                </a:solidFill>
+                <a:effectLst/>
+                <a:latin typeface="+mn-lt"/>
+                <a:ea typeface="+mn-ea"/>
+                <a:cs typeface="+mn-cs"/>
+              </a:rPr>
+              <a:t> einer solchen „Fundierung“?</a:t>
+            </a:r>
+          </a:p>
+          <a:p>
+            <a:pPr marL="0" marR="0" lvl="0" indent="0" algn="l" defTabSz="914400" rtl="0" eaLnBrk="1" fontAlgn="auto" latinLnBrk="0" hangingPunct="1">
               <a:lnSpc>
                 <a:spcPct val="100000"/>
               </a:lnSpc>
@@ -2531,42 +2436,49 @@
               <a:buClrTx/>
               <a:buSzTx/>
               <a:buFontTx/>
-              <a:buChar char="-"/>
+              <a:buNone/>
               <a:tabLst/>
               <a:defRPr/>
             </a:pPr>
-            <a:endParaRPr lang="de-DE" dirty="0"/>
-          </a:p>
-          <a:p>
-            <a:pPr marL="171450" indent="-171450">
-              <a:buFontTx/>
-              <a:buChar char="-"/>
-            </a:pPr>
-            <a:r>
-              <a:rPr lang="de-DE" dirty="0"/>
-              <a:t>Es gibt 2 Ebenen, auf denen Analysen vorgenommen werden können zur Überprüfung der Konstruktvalidität </a:t>
-            </a:r>
-            <a:r>
-              <a:rPr lang="de-DE" dirty="0">
-                <a:sym typeface="Wingdings" pitchFamily="2" charset="2"/>
-              </a:rPr>
-              <a:t> </a:t>
-            </a:r>
-            <a:r>
-              <a:rPr lang="de-DE" dirty="0" err="1">
-                <a:sym typeface="Wingdings" pitchFamily="2" charset="2"/>
-              </a:rPr>
-              <a:t>Itemebene</a:t>
-            </a:r>
-            <a:r>
-              <a:rPr lang="de-DE" dirty="0">
-                <a:sym typeface="Wingdings" pitchFamily="2" charset="2"/>
-              </a:rPr>
-              <a:t> und Testebene</a:t>
-            </a:r>
-          </a:p>
-          <a:p>
-            <a:pPr marL="171450" marR="0" lvl="0" indent="-171450" algn="l" defTabSz="914400" rtl="0" eaLnBrk="1" fontAlgn="auto" latinLnBrk="0" hangingPunct="1">
+            <a:r>
+              <a:rPr lang="de-DE" sz="1200" kern="1200" dirty="0">
+                <a:solidFill>
+                  <a:schemeClr val="tx1"/>
+                </a:solidFill>
+                <a:effectLst/>
+                <a:latin typeface="+mn-lt"/>
+                <a:ea typeface="+mn-ea"/>
+                <a:cs typeface="+mn-cs"/>
+              </a:rPr>
+              <a:t>-&gt; Nachweise über die (1) </a:t>
+            </a:r>
+            <a:r>
+              <a:rPr lang="de-DE" sz="1200" kern="1200" dirty="0" err="1">
+                <a:solidFill>
+                  <a:schemeClr val="tx1"/>
+                </a:solidFill>
+                <a:effectLst/>
+                <a:latin typeface="+mn-lt"/>
+                <a:ea typeface="+mn-ea"/>
+                <a:cs typeface="+mn-cs"/>
+              </a:rPr>
+              <a:t>Dimensionalität</a:t>
+            </a:r>
+            <a:r>
+              <a:rPr lang="de-DE" sz="1200" kern="1200" dirty="0">
+                <a:solidFill>
+                  <a:schemeClr val="tx1"/>
+                </a:solidFill>
+                <a:effectLst/>
+                <a:latin typeface="+mn-lt"/>
+                <a:ea typeface="+mn-ea"/>
+                <a:cs typeface="+mn-cs"/>
+              </a:rPr>
+              <a:t> &amp; (2) Struktur</a:t>
+            </a:r>
+          </a:p>
+          <a:p>
+            <a:pPr marL="0" marR="0" lvl="0" indent="0" algn="l" defTabSz="914400" rtl="0" eaLnBrk="1" fontAlgn="auto" latinLnBrk="0" hangingPunct="1">
               <a:lnSpc>
                 <a:spcPct val="100000"/>
               </a:lnSpc>
@@ -2579,7 +2491,35 @@
               <a:buClrTx/>
               <a:buSzTx/>
               <a:buFontTx/>
-              <a:buChar char="-"/>
+              <a:buNone/>
+              <a:tabLst/>
+              <a:defRPr/>
+            </a:pPr>
+            <a:endParaRPr lang="de-DE" sz="1200" kern="1200" dirty="0">
+              <a:solidFill>
+                <a:schemeClr val="tx1"/>
+              </a:solidFill>
+              <a:effectLst/>
+              <a:latin typeface="+mn-lt"/>
+              <a:ea typeface="+mn-ea"/>
+              <a:cs typeface="+mn-cs"/>
+            </a:endParaRPr>
+          </a:p>
+          <a:p>
+            <a:pPr marL="0" marR="0" lvl="0" indent="0" algn="l" defTabSz="914400" rtl="0" eaLnBrk="1" fontAlgn="auto" latinLnBrk="0" hangingPunct="1">
+              <a:lnSpc>
+                <a:spcPct val="100000"/>
+              </a:lnSpc>
+              <a:spcBef>
+                <a:spcPts val="0"/>
+              </a:spcBef>
+              <a:spcAft>
+                <a:spcPts val="0"/>
+              </a:spcAft>
+              <a:buClrTx/>
+              <a:buSzTx/>
+              <a:buFontTx/>
+              <a:buNone/>
               <a:tabLst/>
               <a:defRPr/>
             </a:pPr>
@@ -2593,14 +2533,92 @@
                 <a:ea typeface="+mn-ea"/>
                 <a:cs typeface="+mn-cs"/>
               </a:rPr>
-              <a:t>Extrapolierende Interpretation: </a:t>
-            </a:r>
-            <a:endParaRPr lang="de-DE" dirty="0"/>
-          </a:p>
-          <a:p>
-            <a:pPr marL="171450" indent="-171450">
+              <a:t>Zu 2: letztlich 2 </a:t>
+            </a:r>
+            <a:r>
+              <a:rPr lang="de-DE" sz="1200" kern="1200" dirty="0" err="1">
+                <a:solidFill>
+                  <a:schemeClr val="tx1"/>
+                </a:solidFill>
+                <a:effectLst/>
+                <a:latin typeface="+mn-lt"/>
+                <a:ea typeface="+mn-ea"/>
+                <a:cs typeface="+mn-cs"/>
+              </a:rPr>
+              <a:t>Analysebenen</a:t>
+            </a:r>
+            <a:r>
+              <a:rPr lang="de-DE" sz="1200" kern="1200" dirty="0">
+                <a:solidFill>
+                  <a:schemeClr val="tx1"/>
+                </a:solidFill>
+                <a:effectLst/>
+                <a:latin typeface="+mn-lt"/>
+                <a:ea typeface="+mn-ea"/>
+                <a:cs typeface="+mn-cs"/>
+              </a:rPr>
+              <a:t> zum prüfen den </a:t>
+            </a:r>
+            <a:r>
+              <a:rPr lang="de-DE" sz="1200" kern="1200" dirty="0" err="1">
+                <a:solidFill>
+                  <a:schemeClr val="tx1"/>
+                </a:solidFill>
+                <a:effectLst/>
+                <a:latin typeface="+mn-lt"/>
+                <a:ea typeface="+mn-ea"/>
+                <a:cs typeface="+mn-cs"/>
+              </a:rPr>
+              <a:t>Konstruktvalitität</a:t>
+            </a:r>
+            <a:r>
+              <a:rPr lang="de-DE" sz="1200" kern="1200" dirty="0">
+                <a:solidFill>
+                  <a:schemeClr val="tx1"/>
+                </a:solidFill>
+                <a:effectLst/>
+                <a:latin typeface="+mn-lt"/>
+                <a:ea typeface="+mn-ea"/>
+                <a:cs typeface="+mn-cs"/>
+              </a:rPr>
+              <a:t>:</a:t>
+            </a:r>
+          </a:p>
+          <a:p>
+            <a:pPr marL="0" marR="0" lvl="0" indent="0" algn="l" defTabSz="914400" rtl="0" eaLnBrk="1" fontAlgn="auto" latinLnBrk="0" hangingPunct="1">
+              <a:lnSpc>
+                <a:spcPct val="100000"/>
+              </a:lnSpc>
+              <a:spcBef>
+                <a:spcPts val="0"/>
+              </a:spcBef>
+              <a:spcAft>
+                <a:spcPts val="0"/>
+              </a:spcAft>
+              <a:buClrTx/>
+              <a:buSzTx/>
               <a:buFontTx/>
-              <a:buChar char="-"/>
+              <a:buNone/>
+              <a:tabLst/>
+              <a:defRPr/>
+            </a:pPr>
+            <a:r>
+              <a:rPr lang="de-DE" dirty="0" err="1">
+                <a:sym typeface="Wingdings" pitchFamily="2" charset="2"/>
+              </a:rPr>
+              <a:t>Itemebene</a:t>
+            </a:r>
+            <a:r>
+              <a:rPr lang="de-DE" dirty="0">
+                <a:sym typeface="Wingdings" pitchFamily="2" charset="2"/>
+              </a:rPr>
+              <a:t> &amp; Testebene</a:t>
+            </a:r>
+          </a:p>
+          <a:p>
+            <a:pPr marL="0" indent="0">
+              <a:buFontTx/>
+              <a:buNone/>
             </a:pPr>
             <a:endParaRPr lang="de-DE" dirty="0"/>
           </a:p>
@@ -2686,13 +2704,13 @@
           <a:bodyPr/>
           <a:lstStyle/>
           <a:p>
-            <a:pPr marL="171450" indent="-171450">
-              <a:buFontTx/>
-              <a:buChar char="-"/>
+            <a:pPr marL="0" indent="0">
+              <a:buFont typeface="Arial" panose="020B0604020202020204" pitchFamily="34" charset="0"/>
+              <a:buNone/>
             </a:pPr>
             <a:r>
               <a:rPr lang="de-DE" dirty="0"/>
-              <a:t>Bei der </a:t>
+              <a:t>Stichwort „Überprüfung der </a:t>
             </a:r>
             <a:r>
               <a:rPr lang="de-DE" dirty="0" err="1"/>
@@ -2700,81 +2718,163 @@
             </a:r>
             <a:r>
               <a:rPr lang="de-DE" dirty="0"/>
-              <a:t> prüfen wir, ob z.B. mit der EFA tatsächlich 3 Konstrukte gefunden werden, die wir für unseren Fähigkeitstest bei der Konstruktion annehmen (Erinnerung: EFA: kein hypothesenprüfendes Verfahren); CFA dann eher und Überprüfung mit beispielsweise Fit-Indizes, inwieweit unser angenommenes Modell auf unsere Daten passt bzw. sie vorhersagen kann</a:t>
-            </a:r>
-          </a:p>
-          <a:p>
-            <a:pPr marL="171450" indent="-171450">
+              <a:t>“? -&gt; im Reich der “</a:t>
+            </a:r>
+            <a:r>
+              <a:rPr lang="de-DE" dirty="0" err="1"/>
+              <a:t>faktoriellen</a:t>
+            </a:r>
+            <a:r>
+              <a:rPr lang="de-DE" dirty="0"/>
+              <a:t> Validität“</a:t>
+            </a:r>
+          </a:p>
+          <a:p>
+            <a:pPr marL="0" indent="0">
               <a:buFontTx/>
-              <a:buChar char="-"/>
-            </a:pPr>
+              <a:buNone/>
+            </a:pPr>
+            <a:endParaRPr lang="de-DE" dirty="0"/>
+          </a:p>
+          <a:p>
+            <a:pPr marL="0" indent="0">
+              <a:buFontTx/>
+              <a:buNone/>
+            </a:pPr>
+            <a:r>
+              <a:rPr lang="de-DE" u="sng" dirty="0"/>
+              <a:t>Rückfrage (1.2):</a:t>
+            </a:r>
+            <a:r>
+              <a:rPr lang="de-DE" u="none" dirty="0"/>
+              <a:t> Apropos „</a:t>
+            </a:r>
+            <a:r>
+              <a:rPr lang="de-DE" u="none" dirty="0" err="1"/>
+              <a:t>Dimensionalität</a:t>
+            </a:r>
+            <a:r>
+              <a:rPr lang="de-DE" u="none" dirty="0"/>
+              <a:t>“</a:t>
+            </a:r>
             <a:r>
               <a:rPr lang="de-DE" dirty="0"/>
-              <a:t>Beispiel: Kognitiver Fähigkeitstest für 4. bis 12. Klasse</a:t>
-            </a:r>
-          </a:p>
-          <a:p>
-            <a:pPr marL="171450" indent="-171450">
+              <a:t> Welche Verfahren kennengelernt/gehört?</a:t>
+            </a:r>
+          </a:p>
+          <a:p>
+            <a:pPr marL="0" indent="0">
               <a:buFontTx/>
-              <a:buChar char="-"/>
+              <a:buNone/>
+            </a:pPr>
+            <a:endParaRPr lang="de-DE" dirty="0"/>
+          </a:p>
+          <a:p>
+            <a:pPr marL="0" indent="0">
+              <a:buFontTx/>
+              <a:buNone/>
             </a:pPr>
             <a:r>
               <a:rPr lang="de-DE" dirty="0"/>
-              <a:t>V: Verbales/sprachliches Denken</a:t>
-            </a:r>
-          </a:p>
-          <a:p>
-            <a:pPr marL="171450" indent="-171450">
+              <a:t>Zu 1.1) Worum ging‘s bei der </a:t>
+            </a:r>
+            <a:r>
+              <a:rPr lang="de-DE" dirty="0" err="1"/>
+              <a:t>Dimensionalitätsprüfung</a:t>
+            </a:r>
+            <a:r>
+              <a:rPr lang="de-DE" dirty="0"/>
+              <a:t> nochmal?</a:t>
+            </a:r>
+          </a:p>
+          <a:p>
+            <a:pPr marL="0" indent="0">
               <a:buFontTx/>
-              <a:buChar char="-"/>
+              <a:buNone/>
+            </a:pPr>
+            <a:endParaRPr lang="de-DE" dirty="0"/>
+          </a:p>
+          <a:p>
+            <a:pPr marL="0" indent="0">
+              <a:buFontTx/>
+              <a:buNone/>
             </a:pPr>
             <a:r>
               <a:rPr lang="de-DE" dirty="0"/>
-              <a:t>N: figurale/non-verbales Denken</a:t>
-            </a:r>
-          </a:p>
-          <a:p>
-            <a:pPr marL="171450" indent="-171450">
+              <a:t>z.B. EFA: Frage: finden wir damit tatsächlich 3 Konstrukte die wir theoretisch erwartet haben?</a:t>
+            </a:r>
+          </a:p>
+          <a:p>
+            <a:pPr marL="0" indent="0">
               <a:buFontTx/>
-              <a:buChar char="-"/>
+              <a:buNone/>
+            </a:pPr>
+            <a:endParaRPr lang="de-DE" dirty="0"/>
+          </a:p>
+          <a:p>
+            <a:pPr marL="0" indent="0">
+              <a:buFontTx/>
+              <a:buNone/>
             </a:pPr>
             <a:r>
               <a:rPr lang="de-DE" dirty="0"/>
-              <a:t>Q: quantitatives Denken</a:t>
-            </a:r>
-          </a:p>
-          <a:p>
-            <a:pPr marL="171450" indent="-171450">
+              <a:t>Note: (EFA </a:t>
+            </a:r>
+            <a:r>
+              <a:rPr lang="de-DE" i="1" dirty="0"/>
+              <a:t>kein</a:t>
+            </a:r>
+            <a:r>
+              <a:rPr lang="de-DE" dirty="0"/>
+              <a:t> „</a:t>
+            </a:r>
+            <a:r>
+              <a:rPr lang="de-DE" dirty="0" err="1"/>
+              <a:t>struckturprüfendes</a:t>
+            </a:r>
+            <a:r>
+              <a:rPr lang="de-DE" dirty="0"/>
+              <a:t>“ sondern „entdeckendes Verfahren“)</a:t>
+            </a:r>
+          </a:p>
+          <a:p>
+            <a:pPr marL="0" indent="0">
               <a:buFontTx/>
-              <a:buChar char="-"/>
+              <a:buNone/>
+            </a:pPr>
+            <a:endParaRPr lang="de-DE" dirty="0"/>
+          </a:p>
+          <a:p>
+            <a:pPr marL="0" indent="0">
+              <a:buFontTx/>
+              <a:buNone/>
             </a:pPr>
             <a:r>
               <a:rPr lang="de-DE" dirty="0"/>
-              <a:t>Jeder der 3 latenten Variablen durch 2 manifeste Variablen gemessen</a:t>
-            </a:r>
-          </a:p>
-          <a:p>
-            <a:pPr marL="171450" indent="-171450">
+              <a:t>-&gt; CFA (Bild) einblenden</a:t>
+            </a:r>
+          </a:p>
+          <a:p>
+            <a:pPr marL="0" indent="0">
               <a:buFontTx/>
-              <a:buChar char="-"/>
+              <a:buNone/>
+            </a:pPr>
+            <a:endParaRPr lang="de-DE" dirty="0"/>
+          </a:p>
+          <a:p>
+            <a:pPr marL="0" indent="0">
+              <a:buFontTx/>
+              <a:buNone/>
             </a:pPr>
             <a:r>
               <a:rPr lang="de-DE" dirty="0"/>
-              <a:t>Bei der </a:t>
-            </a:r>
-            <a:r>
-              <a:rPr lang="de-DE" dirty="0" err="1"/>
-              <a:t>Faktoriellen</a:t>
-            </a:r>
-            <a:r>
-              <a:rPr lang="de-DE" dirty="0"/>
-              <a:t> Validität überprüfen wir, ob wir mit einer Faktorenanalyse wirklich 3 Konstrukte/Dimensionen nachweisen können</a:t>
-            </a:r>
-          </a:p>
-          <a:p>
-            <a:pPr marL="171450" indent="-171450">
+              <a:t>Zu 1.3) insgesamt ist das Ziel, …</a:t>
+            </a:r>
+          </a:p>
+          <a:p>
+            <a:pPr marL="0" indent="0">
               <a:buFontTx/>
-              <a:buChar char="-"/>
+              <a:buNone/>
             </a:pPr>
             <a:endParaRPr lang="de-DE" dirty="0"/>
           </a:p>
@@ -2860,9 +2960,9 @@
           <a:bodyPr/>
           <a:lstStyle/>
           <a:p>
-            <a:pPr marL="171450" indent="-171450">
+            <a:pPr marL="0" indent="0">
               <a:buFontTx/>
-              <a:buChar char="-"/>
+              <a:buNone/>
             </a:pPr>
             <a:r>
               <a:rPr lang="de-DE" sz="1200" i="0" kern="1200" dirty="0">
@@ -2874,14 +2974,20 @@
                 <a:ea typeface="+mn-ea"/>
                 <a:cs typeface="+mn-cs"/>
               </a:rPr>
-              <a:t>In die Runde fragen, was Sie sich unter lautem Denken und kognitiven Interviews vorstellen; s. Animation</a:t>
-            </a:r>
-          </a:p>
-          <a:p>
-            <a:pPr marL="171450" indent="-171450">
-              <a:buFontTx/>
-              <a:buChar char="-"/>
-            </a:pPr>
+              <a:t>Schauen wir uns nun genauer die Analyse  der </a:t>
+            </a:r>
+            <a:r>
+              <a:rPr lang="de-DE" sz="1200" i="1" kern="1200" dirty="0">
+                <a:solidFill>
+                  <a:schemeClr val="tx1"/>
+                </a:solidFill>
+                <a:effectLst/>
+                <a:latin typeface="+mn-lt"/>
+                <a:ea typeface="+mn-ea"/>
+                <a:cs typeface="+mn-cs"/>
+              </a:rPr>
+              <a:t>Antwortprozesse</a:t>
+            </a:r>
             <a:r>
               <a:rPr lang="de-DE" sz="1200" i="0" kern="1200" dirty="0">
                 <a:solidFill>
@@ -2892,7 +2998,217 @@
                 <a:ea typeface="+mn-ea"/>
                 <a:cs typeface="+mn-cs"/>
               </a:rPr>
-              <a:t>offene Antworten können Aufschluss darüber geben, ob sich die Antwortprozesse tatsächlich auf das gewünschte Konstrukt beziehen</a:t>
+              <a:t> an</a:t>
+            </a:r>
+          </a:p>
+          <a:p>
+            <a:pPr marL="0" indent="0">
+              <a:buFontTx/>
+              <a:buNone/>
+            </a:pPr>
+            <a:endParaRPr lang="de-DE" sz="1200" i="0" kern="1200" dirty="0">
+              <a:solidFill>
+                <a:schemeClr val="tx1"/>
+              </a:solidFill>
+              <a:effectLst/>
+              <a:latin typeface="+mn-lt"/>
+              <a:ea typeface="+mn-ea"/>
+              <a:cs typeface="+mn-cs"/>
+            </a:endParaRPr>
+          </a:p>
+          <a:p>
+            <a:pPr marL="0" indent="0">
+              <a:buFontTx/>
+              <a:buNone/>
+            </a:pPr>
+            <a:r>
+              <a:rPr lang="de-DE" sz="1200" i="0" kern="1200" dirty="0">
+                <a:solidFill>
+                  <a:schemeClr val="tx1"/>
+                </a:solidFill>
+                <a:effectLst/>
+                <a:latin typeface="+mn-lt"/>
+                <a:ea typeface="+mn-ea"/>
+                <a:cs typeface="+mn-cs"/>
+              </a:rPr>
+              <a:t>Zentral: Lautes Denken &amp; kognitives Interview</a:t>
+            </a:r>
+          </a:p>
+          <a:p>
+            <a:pPr marL="0" indent="0">
+              <a:buFontTx/>
+              <a:buNone/>
+            </a:pPr>
+            <a:endParaRPr lang="de-DE" sz="1200" i="0" kern="1200" dirty="0">
+              <a:solidFill>
+                <a:schemeClr val="tx1"/>
+              </a:solidFill>
+              <a:effectLst/>
+              <a:latin typeface="+mn-lt"/>
+              <a:ea typeface="+mn-ea"/>
+              <a:cs typeface="+mn-cs"/>
+            </a:endParaRPr>
+          </a:p>
+          <a:p>
+            <a:pPr marL="0" indent="0">
+              <a:buFontTx/>
+              <a:buNone/>
+            </a:pPr>
+            <a:r>
+              <a:rPr lang="de-DE" sz="1200" i="0" u="sng" kern="1200" dirty="0">
+                <a:solidFill>
+                  <a:schemeClr val="tx1"/>
+                </a:solidFill>
+                <a:effectLst/>
+                <a:latin typeface="+mn-lt"/>
+                <a:ea typeface="+mn-ea"/>
+                <a:cs typeface="+mn-cs"/>
+              </a:rPr>
+              <a:t>Rückfrage (1)</a:t>
+            </a:r>
+            <a:r>
+              <a:rPr lang="de-DE" sz="1200" i="0" kern="1200" dirty="0">
+                <a:solidFill>
+                  <a:schemeClr val="tx1"/>
+                </a:solidFill>
+                <a:effectLst/>
+                <a:latin typeface="+mn-lt"/>
+                <a:ea typeface="+mn-ea"/>
+                <a:cs typeface="+mn-cs"/>
+              </a:rPr>
+              <a:t>: Idee, worum es beim Lauten Denken geht?</a:t>
+            </a:r>
+          </a:p>
+          <a:p>
+            <a:pPr marL="0" indent="0">
+              <a:buFontTx/>
+              <a:buNone/>
+            </a:pPr>
+            <a:r>
+              <a:rPr lang="de-DE" sz="1200" i="0" kern="1200" dirty="0">
+                <a:solidFill>
+                  <a:schemeClr val="tx1"/>
+                </a:solidFill>
+                <a:effectLst/>
+                <a:latin typeface="+mn-lt"/>
+                <a:ea typeface="+mn-ea"/>
+                <a:cs typeface="+mn-cs"/>
+              </a:rPr>
+              <a:t>-&gt; einblenden</a:t>
+            </a:r>
+          </a:p>
+          <a:p>
+            <a:pPr marL="0" indent="0">
+              <a:buFontTx/>
+              <a:buNone/>
+            </a:pPr>
+            <a:endParaRPr lang="de-DE" sz="1200" i="0" u="sng" kern="1200" dirty="0">
+              <a:solidFill>
+                <a:schemeClr val="tx1"/>
+              </a:solidFill>
+              <a:effectLst/>
+              <a:latin typeface="+mn-lt"/>
+              <a:ea typeface="+mn-ea"/>
+              <a:cs typeface="+mn-cs"/>
+            </a:endParaRPr>
+          </a:p>
+          <a:p>
+            <a:pPr marL="0" indent="0">
+              <a:buFontTx/>
+              <a:buNone/>
+            </a:pPr>
+            <a:r>
+              <a:rPr lang="de-DE" sz="1200" i="0" u="sng" kern="1200" dirty="0">
+                <a:solidFill>
+                  <a:schemeClr val="tx1"/>
+                </a:solidFill>
+                <a:effectLst/>
+                <a:latin typeface="+mn-lt"/>
+                <a:ea typeface="+mn-ea"/>
+                <a:cs typeface="+mn-cs"/>
+              </a:rPr>
+              <a:t>Rückfrage (2)</a:t>
+            </a:r>
+            <a:r>
+              <a:rPr lang="de-DE" sz="1200" i="0" kern="1200" dirty="0">
+                <a:solidFill>
+                  <a:schemeClr val="tx1"/>
+                </a:solidFill>
+                <a:effectLst/>
+                <a:latin typeface="+mn-lt"/>
+                <a:ea typeface="+mn-ea"/>
+                <a:cs typeface="+mn-cs"/>
+              </a:rPr>
+              <a:t>: Idee, worum es beim kognitiven Interview geht?</a:t>
+            </a:r>
+          </a:p>
+          <a:p>
+            <a:pPr marL="0" indent="0">
+              <a:buFontTx/>
+              <a:buNone/>
+            </a:pPr>
+            <a:r>
+              <a:rPr lang="de-DE" sz="1200" i="0" kern="1200" dirty="0">
+                <a:solidFill>
+                  <a:schemeClr val="tx1"/>
+                </a:solidFill>
+                <a:effectLst/>
+                <a:latin typeface="+mn-lt"/>
+                <a:ea typeface="+mn-ea"/>
+                <a:cs typeface="+mn-cs"/>
+              </a:rPr>
+              <a:t>-&gt; einblenden</a:t>
+            </a:r>
+          </a:p>
+          <a:p>
+            <a:pPr marL="0" indent="0">
+              <a:buFontTx/>
+              <a:buNone/>
+            </a:pPr>
+            <a:endParaRPr lang="de-DE" sz="1200" i="0" kern="1200" dirty="0">
+              <a:solidFill>
+                <a:schemeClr val="tx1"/>
+              </a:solidFill>
+              <a:effectLst/>
+              <a:latin typeface="+mn-lt"/>
+              <a:ea typeface="+mn-ea"/>
+              <a:cs typeface="+mn-cs"/>
+            </a:endParaRPr>
+          </a:p>
+          <a:p>
+            <a:pPr marL="0" indent="0">
+              <a:buFontTx/>
+              <a:buNone/>
+            </a:pPr>
+            <a:r>
+              <a:rPr lang="de-DE" sz="1200" i="0" kern="1200" dirty="0">
+                <a:solidFill>
+                  <a:schemeClr val="tx1"/>
+                </a:solidFill>
+                <a:effectLst/>
+                <a:latin typeface="+mn-lt"/>
+                <a:ea typeface="+mn-ea"/>
+                <a:cs typeface="+mn-cs"/>
+              </a:rPr>
+              <a:t>Warum machen wir das?</a:t>
+            </a:r>
+          </a:p>
+          <a:p>
+            <a:pPr marL="0" indent="0">
+              <a:buFontTx/>
+              <a:buNone/>
+            </a:pPr>
+            <a:r>
+              <a:rPr lang="de-DE" sz="1200" i="0" kern="1200" dirty="0">
+                <a:solidFill>
+                  <a:schemeClr val="tx1"/>
+                </a:solidFill>
+                <a:effectLst/>
+                <a:latin typeface="+mn-lt"/>
+                <a:ea typeface="+mn-ea"/>
+                <a:cs typeface="+mn-cs"/>
+              </a:rPr>
+              <a:t>-&gt; Idee: Offene Antworten können uns darüber Aufschluss geben, ob sich die Antworten auf das zu untersuchende Konstrukt beziehen</a:t>
             </a:r>
             <a:r>
               <a:rPr lang="de-DE" i="0" dirty="0">
@@ -2984,23 +3300,94 @@
           <a:bodyPr/>
           <a:lstStyle/>
           <a:p>
-            <a:pPr marL="171450" indent="-171450">
+            <a:pPr marL="0" indent="0">
               <a:buFontTx/>
-              <a:buChar char="-"/>
+              <a:buNone/>
             </a:pPr>
             <a:r>
               <a:rPr lang="de-DE" dirty="0"/>
-              <a:t>Überprüfung, ob das Konstrukt, für das man einen Test konstruiert hat, mit anderen relevanten Konstrukten zusammenhängt</a:t>
-            </a:r>
-          </a:p>
-          <a:p>
-            <a:pPr marL="171450" indent="-171450">
+              <a:t>Switch: </a:t>
+            </a:r>
+            <a:r>
+              <a:rPr lang="de-DE" i="1" dirty="0"/>
+              <a:t>Analyse auf Testebene</a:t>
+            </a:r>
+          </a:p>
+          <a:p>
+            <a:pPr marL="0" indent="0">
               <a:buFontTx/>
-              <a:buChar char="-"/>
+              <a:buNone/>
+            </a:pPr>
+            <a:endParaRPr lang="de-DE" dirty="0"/>
+          </a:p>
+          <a:p>
+            <a:pPr marL="0" indent="0">
+              <a:buFontTx/>
+              <a:buNone/>
             </a:pPr>
             <a:r>
               <a:rPr lang="de-DE" dirty="0"/>
-              <a:t>Wenn die Vorhersagen mit den empirischen Beobachtungen bei der Überprüfung übereinstimmen, ist das der Nachweis dafür, dass die Testwerte als Ausprägungen auf dem latenten Konstrukt interpretiert werden können</a:t>
+              <a:t>Zu: 1.1 Ziel:  überprüfen ob das Konstrukt, für das man einen Test konstruiert hat, mit anderen relevanten Konstrukten zusammenhängt.</a:t>
+            </a:r>
+          </a:p>
+          <a:p>
+            <a:pPr marL="0" indent="0">
+              <a:buFontTx/>
+              <a:buNone/>
+            </a:pPr>
+            <a:endParaRPr lang="de-DE" dirty="0"/>
+          </a:p>
+          <a:p>
+            <a:pPr marL="0" indent="0">
+              <a:buFontTx/>
+              <a:buNone/>
+            </a:pPr>
+            <a:r>
+              <a:rPr lang="de-DE" dirty="0"/>
+              <a:t>Idee: wenn die theor. Vorhersagen mit den empirischen Beobachtungen übereinstimmen</a:t>
+            </a:r>
+          </a:p>
+          <a:p>
+            <a:pPr marL="0" indent="0">
+              <a:buFontTx/>
+              <a:buNone/>
+            </a:pPr>
+            <a:r>
+              <a:rPr lang="de-DE" dirty="0"/>
+              <a:t>..dann sollten die Testwerte als Ausprägungen auf dem latenten Konstrukt interpretiert werden können</a:t>
+            </a:r>
+          </a:p>
+          <a:p>
+            <a:pPr marL="0" indent="0">
+              <a:buFontTx/>
+              <a:buNone/>
+            </a:pPr>
+            <a:endParaRPr lang="de-DE" dirty="0"/>
+          </a:p>
+          <a:p>
+            <a:pPr marL="0" indent="0">
+              <a:buFontTx/>
+              <a:buNone/>
+            </a:pPr>
+            <a:r>
+              <a:rPr lang="de-DE" dirty="0"/>
+              <a:t>Zu 2) Systematisierung dieser Idee von </a:t>
+            </a:r>
+            <a:r>
+              <a:rPr lang="de-DE" dirty="0" err="1"/>
+              <a:t>Cronbach</a:t>
+            </a:r>
+            <a:r>
+              <a:rPr lang="de-DE" dirty="0"/>
+              <a:t> &amp; </a:t>
+            </a:r>
+            <a:r>
+              <a:rPr lang="de-DE" dirty="0" err="1"/>
+              <a:t>Meehl</a:t>
+            </a:r>
+            <a:r>
+              <a:rPr lang="de-DE" dirty="0"/>
+              <a:t> (1955)</a:t>
             </a:r>
           </a:p>
         </p:txBody>
@@ -3085,27 +3472,120 @@
           <a:bodyPr/>
           <a:lstStyle/>
           <a:p>
-            <a:pPr marL="171450" indent="-171450">
+            <a:pPr marL="0" indent="0">
               <a:buFontTx/>
-              <a:buChar char="-"/>
-            </a:pPr>
+              <a:buNone/>
+            </a:pPr>
+            <a:r>
+              <a:rPr lang="de-DE" dirty="0"/>
+              <a:t>…ein Beispiel aus Maria </a:t>
+            </a:r>
+            <a:r>
+              <a:rPr lang="de-DE" dirty="0" err="1"/>
+              <a:t>Jalynskijs</a:t>
+            </a:r>
+            <a:r>
+              <a:rPr lang="de-DE" dirty="0"/>
+              <a:t> Forschung „</a:t>
+            </a:r>
             <a:r>
               <a:rPr lang="de-DE" dirty="0" err="1"/>
               <a:t>Social</a:t>
             </a:r>
             <a:r>
               <a:rPr lang="de-DE" dirty="0"/>
-              <a:t> Engagement Skills als Kapazitäten, sich aktiv mit anderen Menschen auseinanderzusetzen</a:t>
-            </a:r>
-          </a:p>
-          <a:p>
-            <a:pPr marL="171450" indent="-171450">
+              <a:t> Engagement Skills“</a:t>
+            </a:r>
+          </a:p>
+          <a:p>
+            <a:pPr marL="0" marR="0" lvl="0" indent="0" algn="l" defTabSz="914400" rtl="0" eaLnBrk="1" fontAlgn="auto" latinLnBrk="0" hangingPunct="1">
+              <a:lnSpc>
+                <a:spcPct val="100000"/>
+              </a:lnSpc>
+              <a:spcBef>
+                <a:spcPts val="0"/>
+              </a:spcBef>
+              <a:spcAft>
+                <a:spcPts val="0"/>
+              </a:spcAft>
+              <a:buClrTx/>
+              <a:buSzTx/>
               <a:buFontTx/>
-              <a:buChar char="-"/>
-            </a:pPr>
+              <a:buNone/>
+              <a:tabLst/>
+              <a:defRPr/>
+            </a:pPr>
+            <a:r>
+              <a:rPr lang="de-DE" i="1" dirty="0" err="1"/>
+              <a:t>Social</a:t>
+            </a:r>
+            <a:r>
+              <a:rPr lang="de-DE" i="1" dirty="0"/>
+              <a:t> Engagement Skills :=</a:t>
+            </a:r>
             <a:r>
               <a:rPr lang="de-DE" dirty="0"/>
-              <a:t>Leadership </a:t>
+              <a:t> Kapazität(en), sich aktiv mit anderen Menschen auseinanderzusetzen</a:t>
+            </a:r>
+          </a:p>
+          <a:p>
+            <a:pPr marL="0" indent="0">
+              <a:buFontTx/>
+              <a:buNone/>
+            </a:pPr>
+            <a:endParaRPr lang="de-DE" dirty="0"/>
+          </a:p>
+          <a:p>
+            <a:pPr marL="0" indent="0">
+              <a:buFontTx/>
+              <a:buNone/>
+            </a:pPr>
+            <a:r>
+              <a:rPr lang="de-DE" dirty="0"/>
+              <a:t>Beispiel vorlesen</a:t>
+            </a:r>
+          </a:p>
+          <a:p>
+            <a:pPr marL="0" indent="0">
+              <a:buFontTx/>
+              <a:buNone/>
+            </a:pPr>
+            <a:endParaRPr lang="de-DE" dirty="0"/>
+          </a:p>
+          <a:p>
+            <a:pPr marL="0" indent="0">
+              <a:buFontTx/>
+              <a:buNone/>
+            </a:pPr>
+            <a:r>
+              <a:rPr lang="de-DE" dirty="0"/>
+              <a:t>d.h.: Leadership &amp; </a:t>
+            </a:r>
+            <a:r>
+              <a:rPr lang="de-DE" dirty="0" err="1"/>
+              <a:t>Conversation</a:t>
+            </a:r>
+            <a:r>
+              <a:rPr lang="de-DE" dirty="0"/>
+              <a:t> </a:t>
+            </a:r>
+            <a:r>
+              <a:rPr lang="de-DE" dirty="0" err="1"/>
+              <a:t>Skill</a:t>
+            </a:r>
+            <a:r>
+              <a:rPr lang="de-DE" dirty="0"/>
+              <a:t> ~+ Extraversion</a:t>
+            </a:r>
+          </a:p>
+          <a:p>
+            <a:pPr marL="0" indent="0">
+              <a:buFontTx/>
+              <a:buNone/>
+            </a:pPr>
+            <a:r>
+              <a:rPr lang="de-DE" dirty="0"/>
+              <a:t>d.h. Persuasive </a:t>
             </a:r>
             <a:r>
               <a:rPr lang="de-DE" dirty="0" err="1"/>
@@ -3113,71 +3593,29 @@
             </a:r>
             <a:r>
               <a:rPr lang="de-DE" dirty="0"/>
-              <a:t>: Kapazitäten, um die eigene Meinung zu vertreten und vor einer Gruppe zu sprechen</a:t>
-            </a:r>
-          </a:p>
-          <a:p>
-            <a:pPr marL="171450" indent="-171450">
+              <a:t> ~- </a:t>
+            </a:r>
+            <a:r>
+              <a:rPr lang="de-DE" dirty="0" err="1"/>
+              <a:t>Agreeableness</a:t>
+            </a:r>
+            <a:endParaRPr lang="de-DE" dirty="0"/>
+          </a:p>
+          <a:p>
+            <a:pPr marL="0" indent="0">
               <a:buFontTx/>
-              <a:buChar char="-"/>
-            </a:pPr>
-            <a:r>
-              <a:rPr lang="de-DE" dirty="0" err="1"/>
-              <a:t>Conversational</a:t>
-            </a:r>
+              <a:buNone/>
+            </a:pPr>
+            <a:endParaRPr lang="de-DE" dirty="0"/>
+          </a:p>
+          <a:p>
+            <a:pPr marL="0" indent="0">
+              <a:buFontTx/>
+              <a:buNone/>
+            </a:pPr>
             <a:r>
               <a:rPr lang="de-DE" dirty="0"/>
-              <a:t> </a:t>
-            </a:r>
-            <a:r>
-              <a:rPr lang="de-DE" dirty="0" err="1"/>
-              <a:t>skill</a:t>
-            </a:r>
-            <a:r>
-              <a:rPr lang="de-DE" dirty="0"/>
-              <a:t>: Kapazitäten, um soziale Interaktionen zu initiieren und aufrechtzuerhalten</a:t>
-            </a:r>
-          </a:p>
-          <a:p>
-            <a:pPr marL="171450" indent="-171450">
-              <a:buFontTx/>
-              <a:buChar char="-"/>
-            </a:pPr>
-            <a:r>
-              <a:rPr lang="de-DE" dirty="0"/>
-              <a:t>Persuasive </a:t>
-            </a:r>
-            <a:r>
-              <a:rPr lang="de-DE" dirty="0" err="1"/>
-              <a:t>skill</a:t>
-            </a:r>
-            <a:r>
-              <a:rPr lang="de-DE" dirty="0"/>
-              <a:t>: Kapazitäten, Argumente effektiv zu präsentieren</a:t>
-            </a:r>
-          </a:p>
-          <a:p>
-            <a:pPr marL="171450" indent="-171450">
-              <a:buFontTx/>
-              <a:buChar char="-"/>
-            </a:pPr>
-            <a:r>
-              <a:rPr lang="de-DE" dirty="0"/>
-              <a:t>Extraversion: z.B. Tendenz dazu, das Erleben und Verhalten in erster Linie an der Außenwelt zu orientieren; Merkmale bei einer hohen Ausprägung: Aktivität, Abenteuerlust, Fröhlichkeit, Herzlichkeit, Geselligkeit und Dominanz</a:t>
-            </a:r>
-          </a:p>
-          <a:p>
-            <a:pPr marL="171450" indent="-171450">
-              <a:buFontTx/>
-              <a:buChar char="-"/>
-            </a:pPr>
-            <a:r>
-              <a:rPr lang="de-DE" dirty="0" err="1"/>
-              <a:t>Agreeablenss</a:t>
-            </a:r>
-            <a:r>
-              <a:rPr lang="de-DE" dirty="0"/>
-              <a:t>/Verträglichkeit: Tendenz, </a:t>
+              <a:t>-&gt; das (ist ein Teil) </a:t>
             </a:r>
             <a:r>
               <a:rPr lang="de-DE" sz="1200" b="0" i="0" u="none" strike="noStrike" kern="1200" dirty="0">
@@ -3189,14 +3627,20 @@
                 <a:ea typeface="+mn-ea"/>
                 <a:cs typeface="+mn-cs"/>
               </a:rPr>
-              <a:t>freundlich, sympathisch, kooperativ, warm und rücksichtsvoll zu sein</a:t>
-            </a:r>
-          </a:p>
-          <a:p>
-            <a:pPr marL="171450" indent="-171450">
-              <a:buFontTx/>
-              <a:buChar char="-"/>
-            </a:pPr>
+              <a:t>der theoretisch-vermuteten Zusammenhänge (</a:t>
+            </a:r>
+            <a:r>
+              <a:rPr lang="de-DE" sz="1200" b="0" i="1" u="none" strike="noStrike" kern="1200" dirty="0">
+                <a:solidFill>
+                  <a:schemeClr val="tx1"/>
+                </a:solidFill>
+                <a:effectLst/>
+                <a:latin typeface="+mn-lt"/>
+                <a:ea typeface="+mn-ea"/>
+                <a:cs typeface="+mn-cs"/>
+              </a:rPr>
+              <a:t>Interdependenzen</a:t>
+            </a:r>
             <a:r>
               <a:rPr lang="de-DE" sz="1200" b="0" i="0" u="none" strike="noStrike" kern="1200" dirty="0">
                 <a:solidFill>
@@ -3207,14 +3651,143 @@
                 <a:ea typeface="+mn-ea"/>
                 <a:cs typeface="+mn-cs"/>
               </a:rPr>
-              <a:t>Hier sind die Interdependenzen eingezeichnet, die angenommen werden</a:t>
-            </a:r>
+              <a:t>)</a:t>
+            </a:r>
+          </a:p>
+          <a:p>
+            <a:pPr marL="0" indent="0">
+              <a:buFontTx/>
+              <a:buNone/>
+            </a:pPr>
+            <a:endParaRPr lang="de-DE" dirty="0"/>
+          </a:p>
+          <a:p>
+            <a:pPr marL="0" indent="0">
+              <a:buFontTx/>
+              <a:buNone/>
+            </a:pPr>
+            <a:r>
+              <a:rPr lang="de-DE" dirty="0"/>
+              <a:t>---</a:t>
+            </a:r>
+          </a:p>
+          <a:p>
+            <a:pPr marL="0" indent="0">
+              <a:buFontTx/>
+              <a:buNone/>
+            </a:pPr>
+            <a:r>
+              <a:rPr lang="de-DE" dirty="0"/>
+              <a:t>Bei Interesse:</a:t>
+            </a:r>
+          </a:p>
+          <a:p>
+            <a:pPr marL="0" indent="0">
+              <a:buFontTx/>
+              <a:buNone/>
+            </a:pPr>
+            <a:endParaRPr lang="de-DE" dirty="0"/>
+          </a:p>
+          <a:p>
+            <a:pPr marL="0" indent="0">
+              <a:buFontTx/>
+              <a:buNone/>
+            </a:pPr>
+            <a:endParaRPr lang="de-DE" dirty="0"/>
           </a:p>
           <a:p>
             <a:pPr marL="171450" indent="-171450">
-              <a:buFontTx/>
-              <a:buChar char="-"/>
-            </a:pPr>
+              <a:buFont typeface="Arial" panose="020B0604020202020204" pitchFamily="34" charset="0"/>
+              <a:buChar char="•"/>
+            </a:pPr>
+            <a:r>
+              <a:rPr lang="de-DE" i="1" dirty="0"/>
+              <a:t>Leadership </a:t>
+            </a:r>
+            <a:r>
+              <a:rPr lang="de-DE" i="1" dirty="0" err="1"/>
+              <a:t>skill</a:t>
+            </a:r>
+            <a:r>
+              <a:rPr lang="de-DE" dirty="0"/>
+              <a:t>: Kapazitäten, um die eigene Meinung zu vertreten und vor einer Gruppe zu sprechen</a:t>
+            </a:r>
+          </a:p>
+          <a:p>
+            <a:pPr marL="171450" indent="-171450">
+              <a:buFont typeface="Arial" panose="020B0604020202020204" pitchFamily="34" charset="0"/>
+              <a:buChar char="•"/>
+            </a:pPr>
+            <a:r>
+              <a:rPr lang="de-DE" i="1" dirty="0" err="1"/>
+              <a:t>Conversational</a:t>
+            </a:r>
+            <a:r>
+              <a:rPr lang="de-DE" i="1" dirty="0"/>
+              <a:t> </a:t>
+            </a:r>
+            <a:r>
+              <a:rPr lang="de-DE" i="1" dirty="0" err="1"/>
+              <a:t>skill</a:t>
+            </a:r>
+            <a:r>
+              <a:rPr lang="de-DE" dirty="0"/>
+              <a:t>: Kapazitäten, um soziale Interaktionen zu initiieren und aufrechtzuerhalten</a:t>
+            </a:r>
+          </a:p>
+          <a:p>
+            <a:pPr marL="171450" indent="-171450">
+              <a:buFont typeface="Arial" panose="020B0604020202020204" pitchFamily="34" charset="0"/>
+              <a:buChar char="•"/>
+            </a:pPr>
+            <a:r>
+              <a:rPr lang="de-DE" i="1" dirty="0"/>
+              <a:t>Persuasive </a:t>
+            </a:r>
+            <a:r>
+              <a:rPr lang="de-DE" i="1" dirty="0" err="1"/>
+              <a:t>skill</a:t>
+            </a:r>
+            <a:r>
+              <a:rPr lang="de-DE" i="1" dirty="0"/>
+              <a:t>:</a:t>
+            </a:r>
+            <a:r>
+              <a:rPr lang="de-DE" dirty="0"/>
+              <a:t> Kapazitäten, Argumente effektiv zu präsentieren</a:t>
+            </a:r>
+          </a:p>
+          <a:p>
+            <a:pPr marL="171450" indent="-171450">
+              <a:buFont typeface="Arial" panose="020B0604020202020204" pitchFamily="34" charset="0"/>
+              <a:buChar char="•"/>
+            </a:pPr>
+            <a:r>
+              <a:rPr lang="de-DE" i="1" dirty="0"/>
+              <a:t>Extraversion:</a:t>
+            </a:r>
+            <a:r>
+              <a:rPr lang="de-DE" dirty="0"/>
+              <a:t> z.B. Tendenz dazu, das Erleben und Verhalten in erster Linie an der Außenwelt zu orientieren; Merkmale bei einer hohen Ausprägung: Aktivität, Abenteuerlust, Fröhlichkeit, Herzlichkeit, Geselligkeit und Dominanz</a:t>
+            </a:r>
+          </a:p>
+          <a:p>
+            <a:pPr marL="171450" indent="-171450">
+              <a:buFont typeface="Arial" panose="020B0604020202020204" pitchFamily="34" charset="0"/>
+              <a:buChar char="•"/>
+            </a:pPr>
+            <a:r>
+              <a:rPr lang="de-DE" i="1" dirty="0" err="1"/>
+              <a:t>Agreeablenss</a:t>
+            </a:r>
+            <a:r>
+              <a:rPr lang="de-DE" i="1" dirty="0"/>
+              <a:t>/Verträglichkeit</a:t>
+            </a:r>
+            <a:r>
+              <a:rPr lang="de-DE" dirty="0"/>
+              <a:t>: Tendenz, </a:t>
+            </a:r>
             <a:r>
               <a:rPr lang="de-DE" sz="1200" b="0" i="0" u="none" strike="noStrike" kern="1200" dirty="0">
                 <a:solidFill>
@@ -3225,81 +3798,8 @@
                 <a:ea typeface="+mn-ea"/>
                 <a:cs typeface="+mn-cs"/>
               </a:rPr>
-              <a:t>Dass die 3 </a:t>
-            </a:r>
-            <a:r>
-              <a:rPr lang="de-DE" sz="1200" b="0" i="0" u="none" strike="noStrike" kern="1200" dirty="0" err="1">
-                <a:solidFill>
-                  <a:schemeClr val="tx1"/>
-                </a:solidFill>
-                <a:effectLst/>
-                <a:latin typeface="+mn-lt"/>
-                <a:ea typeface="+mn-ea"/>
-                <a:cs typeface="+mn-cs"/>
-              </a:rPr>
-              <a:t>Social</a:t>
-            </a:r>
-            <a:r>
-              <a:rPr lang="de-DE" sz="1200" b="0" i="0" u="none" strike="noStrike" kern="1200" dirty="0">
-                <a:solidFill>
-                  <a:schemeClr val="tx1"/>
-                </a:solidFill>
-                <a:effectLst/>
-                <a:latin typeface="+mn-lt"/>
-                <a:ea typeface="+mn-ea"/>
-                <a:cs typeface="+mn-cs"/>
-              </a:rPr>
-              <a:t> </a:t>
-            </a:r>
-            <a:r>
-              <a:rPr lang="de-DE" sz="1200" b="0" i="0" u="none" strike="noStrike" kern="1200" dirty="0" err="1">
-                <a:solidFill>
-                  <a:schemeClr val="tx1"/>
-                </a:solidFill>
-                <a:effectLst/>
-                <a:latin typeface="+mn-lt"/>
-                <a:ea typeface="+mn-ea"/>
-                <a:cs typeface="+mn-cs"/>
-              </a:rPr>
-              <a:t>engagement</a:t>
-            </a:r>
-            <a:r>
-              <a:rPr lang="de-DE" sz="1200" b="0" i="0" u="none" strike="noStrike" kern="1200" dirty="0">
-                <a:solidFill>
-                  <a:schemeClr val="tx1"/>
-                </a:solidFill>
-                <a:effectLst/>
-                <a:latin typeface="+mn-lt"/>
-                <a:ea typeface="+mn-ea"/>
-                <a:cs typeface="+mn-cs"/>
-              </a:rPr>
-              <a:t> </a:t>
-            </a:r>
-            <a:r>
-              <a:rPr lang="de-DE" sz="1200" b="0" i="0" u="none" strike="noStrike" kern="1200" dirty="0" err="1">
-                <a:solidFill>
-                  <a:schemeClr val="tx1"/>
-                </a:solidFill>
-                <a:effectLst/>
-                <a:latin typeface="+mn-lt"/>
-                <a:ea typeface="+mn-ea"/>
-                <a:cs typeface="+mn-cs"/>
-              </a:rPr>
-              <a:t>skills</a:t>
-            </a:r>
-            <a:r>
-              <a:rPr lang="de-DE" sz="1200" b="0" i="0" u="none" strike="noStrike" kern="1200" dirty="0">
-                <a:solidFill>
-                  <a:schemeClr val="tx1"/>
-                </a:solidFill>
-                <a:effectLst/>
-                <a:latin typeface="+mn-lt"/>
-                <a:ea typeface="+mn-ea"/>
-                <a:cs typeface="+mn-cs"/>
-              </a:rPr>
-              <a:t> miteinander zusammenhängen ist klar und ist hier nicht mit eingezeichnet</a:t>
-            </a:r>
-            <a:endParaRPr lang="de-DE" dirty="0"/>
+              <a:t>freundlich, sympathisch, kooperativ, warm und rücksichtsvoll zu sein</a:t>
+            </a:r>
           </a:p>
         </p:txBody>
       </p:sp>
@@ -3383,13 +3883,47 @@
           <a:bodyPr/>
           <a:lstStyle/>
           <a:p>
-            <a:pPr marL="171450" indent="-171450">
+            <a:pPr marL="0" indent="0">
+              <a:buFont typeface="Arial" panose="020B0604020202020204" pitchFamily="34" charset="0"/>
+              <a:buNone/>
+            </a:pPr>
+            <a:r>
+              <a:rPr lang="de-DE" dirty="0"/>
+              <a:t>Kommen wir zu Korrespondenzregel:</a:t>
+            </a:r>
+          </a:p>
+          <a:p>
+            <a:pPr marL="0" indent="0">
               <a:buFontTx/>
-              <a:buChar char="-"/>
+              <a:buNone/>
+            </a:pPr>
+            <a:endParaRPr lang="de-DE" dirty="0"/>
+          </a:p>
+          <a:p>
+            <a:pPr marL="0" indent="0">
+              <a:buFontTx/>
+              <a:buNone/>
             </a:pPr>
             <a:r>
               <a:rPr lang="de-DE" dirty="0"/>
-              <a:t>Aus den theoretischen Annahmen werden Annahmen gemacht, welche latenten Konstrukte mit welchen beobachtbaren Testwerten stehen, d.h. z.B. mit welchem Skalenscore aus welchen Items </a:t>
+              <a:t>Idee: Aus den theoretischen Annahmen machen wir nun Annahmen, für welchen latenten welchen beobachtbaren Testwerten stehen/korrespondieren</a:t>
+            </a:r>
+          </a:p>
+          <a:p>
+            <a:pPr marL="0" indent="0">
+              <a:buFontTx/>
+              <a:buNone/>
+            </a:pPr>
+            <a:endParaRPr lang="de-DE" dirty="0"/>
+          </a:p>
+          <a:p>
+            <a:pPr marL="0" indent="0">
+              <a:buFontTx/>
+              <a:buNone/>
+            </a:pPr>
+            <a:r>
+              <a:rPr lang="de-DE" dirty="0"/>
+              <a:t>z.B. mit welchem Skalenscore aus welchen Items von </a:t>
             </a:r>
             <a:r>
               <a:rPr lang="de-DE" dirty="0" err="1"/>
@@ -3415,20 +3949,16 @@
               <a:rPr lang="de-DE" dirty="0"/>
               <a:t> sind </a:t>
             </a:r>
-            <a:r>
-              <a:rPr lang="de-DE" dirty="0">
-                <a:sym typeface="Wingdings" pitchFamily="2" charset="2"/>
-              </a:rPr>
-              <a:t> Korrespondenzregeln</a:t>
-            </a:r>
-            <a:endParaRPr lang="de-DE" dirty="0"/>
-          </a:p>
-          <a:p>
-            <a:pPr marL="171450" indent="-171450">
+          </a:p>
+          <a:p>
+            <a:pPr marL="0" indent="0">
               <a:buFontTx/>
-              <a:buChar char="-"/>
-            </a:pPr>
-            <a:endParaRPr lang="de-DE" dirty="0"/>
+              <a:buNone/>
+            </a:pPr>
+            <a:r>
+              <a:rPr lang="de-DE" dirty="0"/>
+              <a:t>(Pfeile nach unten)</a:t>
+            </a:r>
           </a:p>
         </p:txBody>
       </p:sp>
@@ -3578,23 +4108,64 @@
           <a:bodyPr/>
           <a:lstStyle/>
           <a:p>
-            <a:pPr marL="171450" indent="-171450">
+            <a:pPr marL="0" indent="0">
               <a:buFontTx/>
-              <a:buChar char="-"/>
+              <a:buNone/>
             </a:pPr>
             <a:r>
               <a:rPr lang="de-DE" dirty="0"/>
-              <a:t>Und aus unseren theoretischen Annahmen bzw. angenommenen Interdependenzen und unseren Korrespondenzregeln leiten wir Vorhersagen ab, welche unserer beobachteten Werte wie miteinander zusammenhängen sollten</a:t>
-            </a:r>
-          </a:p>
-          <a:p>
-            <a:pPr marL="171450" indent="-171450">
+              <a:t>Aus den theor. Annahmen, d.h. Interdependenzen &amp; Korrespondenzen leiten wir Vorhersagen ab!</a:t>
+            </a:r>
+          </a:p>
+          <a:p>
+            <a:pPr marL="0" indent="0">
               <a:buFontTx/>
-              <a:buChar char="-"/>
+              <a:buNone/>
+            </a:pPr>
+            <a:endParaRPr lang="de-DE" dirty="0"/>
+          </a:p>
+          <a:p>
+            <a:pPr marL="0" indent="0">
+              <a:buFontTx/>
+              <a:buNone/>
             </a:pPr>
             <a:r>
               <a:rPr lang="de-DE" dirty="0"/>
-              <a:t>Anschließend wird es empirisch überprüft; wir schauen uns an, wie die Ergebnisse bei Soto </a:t>
+              <a:t>d.h. Vorhersagen, welche unserer beobachteten Werte – wie (+/-)  --miteinander zusammenhängen sollten</a:t>
+            </a:r>
+          </a:p>
+          <a:p>
+            <a:pPr marL="0" indent="0">
+              <a:buFontTx/>
+              <a:buNone/>
+            </a:pPr>
+            <a:endParaRPr lang="de-DE" dirty="0"/>
+          </a:p>
+          <a:p>
+            <a:pPr marL="0" indent="0">
+              <a:buFontTx/>
+              <a:buNone/>
+            </a:pPr>
+            <a:r>
+              <a:rPr lang="de-DE" dirty="0"/>
+              <a:t>Abschließend: empirische Überprüfung!</a:t>
+            </a:r>
+          </a:p>
+          <a:p>
+            <a:pPr marL="0" indent="0">
+              <a:buFontTx/>
+              <a:buNone/>
+            </a:pPr>
+            <a:endParaRPr lang="de-DE" dirty="0"/>
+          </a:p>
+          <a:p>
+            <a:pPr marL="0" indent="0">
+              <a:buFontTx/>
+              <a:buNone/>
+            </a:pPr>
+            <a:r>
+              <a:rPr lang="de-DE" dirty="0"/>
+              <a:t>d.h. wir schauen uns an, wie die Ergebnisse bei Soto </a:t>
             </a:r>
             <a:r>
               <a:rPr lang="de-DE" dirty="0" err="1"/>
@@ -3610,17 +4181,28 @@
             </a:r>
             <a:r>
               <a:rPr lang="de-DE" dirty="0"/>
-              <a:t> aussahen und ob sie diesen Annahmen entspricht</a:t>
-            </a:r>
-          </a:p>
-          <a:p>
-            <a:pPr marL="171450" indent="-171450">
+              <a:t> aussahen und ob sie unserer Formalisierung entsprechen.</a:t>
+            </a:r>
+          </a:p>
+          <a:p>
+            <a:pPr marL="0" indent="0">
               <a:buFontTx/>
-              <a:buChar char="-"/>
-            </a:pPr>
+              <a:buNone/>
+            </a:pPr>
+            <a:endParaRPr lang="de-DE" dirty="0"/>
+          </a:p>
+          <a:p>
+            <a:pPr marL="0" indent="0">
+              <a:buFontTx/>
+              <a:buNone/>
+            </a:pPr>
+            <a:r>
+              <a:rPr lang="de-DE" u="sng" dirty="0"/>
+              <a:t>Rückfrage</a:t>
+            </a:r>
             <a:r>
               <a:rPr lang="de-DE" dirty="0"/>
-              <a:t>Ideal von </a:t>
+              <a:t>: Für wie „praktisch  realisierbar“ halten Sie die Systematisierung von </a:t>
             </a:r>
             <a:r>
               <a:rPr lang="de-DE" dirty="0" err="1"/>
@@ -3636,7 +4218,70 @@
             </a:r>
             <a:r>
               <a:rPr lang="de-DE" dirty="0"/>
-              <a:t> in der Realität kaum umzusetzen, denn psycholog. Theorie sind heute kaum bis wenig formalisiert, weshalb ein </a:t>
+              <a:t> </a:t>
+            </a:r>
+          </a:p>
+          <a:p>
+            <a:pPr marL="0" indent="0">
+              <a:buFontTx/>
+              <a:buNone/>
+            </a:pPr>
+            <a:r>
+              <a:rPr lang="de-DE" dirty="0"/>
+              <a:t>-&gt; in der </a:t>
+            </a:r>
+            <a:r>
+              <a:rPr lang="de-DE" dirty="0" err="1"/>
+              <a:t>Realitität</a:t>
+            </a:r>
+            <a:r>
+              <a:rPr lang="de-DE" dirty="0"/>
+              <a:t> kaum umzusetzen.</a:t>
+            </a:r>
+          </a:p>
+          <a:p>
+            <a:pPr marL="0" indent="0">
+              <a:buFontTx/>
+              <a:buNone/>
+            </a:pPr>
+            <a:endParaRPr lang="de-DE" dirty="0"/>
+          </a:p>
+          <a:p>
+            <a:pPr marL="0" indent="0">
+              <a:buFontTx/>
+              <a:buNone/>
+            </a:pPr>
+            <a:r>
+              <a:rPr lang="de-DE" dirty="0"/>
+              <a:t>Warum?</a:t>
+            </a:r>
+          </a:p>
+          <a:p>
+            <a:pPr marL="0" indent="0">
+              <a:buFontTx/>
+              <a:buNone/>
+            </a:pPr>
+            <a:r>
+              <a:rPr lang="de-DE" dirty="0"/>
+              <a:t>-&gt; </a:t>
+            </a:r>
+            <a:r>
+              <a:rPr lang="de-DE" dirty="0" err="1"/>
+              <a:t>psycho</a:t>
+            </a:r>
+            <a:r>
+              <a:rPr lang="de-DE" dirty="0"/>
+              <a:t>. Theorie oft bis kaum ausreichend formalisiert.</a:t>
+            </a:r>
+          </a:p>
+          <a:p>
+            <a:pPr marL="0" indent="0">
+              <a:buFontTx/>
+              <a:buNone/>
+            </a:pPr>
+            <a:r>
+              <a:rPr lang="de-DE" dirty="0"/>
+              <a:t>-&gt; </a:t>
             </a:r>
             <a:r>
               <a:rPr lang="de-DE" dirty="0" err="1"/>
@@ -3644,22 +4289,91 @@
             </a:r>
             <a:r>
               <a:rPr lang="de-DE" dirty="0"/>
-              <a:t> Netzwerk auch selten begründet werden kann: deshalb wurde später zwischen einem starken und schwachen Ansatz der Konstruktvalidierung unterschieden </a:t>
-            </a:r>
+              <a:t> Netzwerk in den seltensten Fällen begründet werden kann.</a:t>
+            </a:r>
+          </a:p>
+          <a:p>
+            <a:pPr marL="0" indent="0">
+              <a:buFontTx/>
+              <a:buNone/>
+            </a:pPr>
+            <a:endParaRPr lang="de-DE" dirty="0"/>
+          </a:p>
+          <a:p>
+            <a:pPr marL="0" indent="0">
+              <a:buFontTx/>
+              <a:buNone/>
+            </a:pPr>
+            <a:r>
+              <a:rPr lang="de-DE" dirty="0"/>
+              <a:t>---</a:t>
+            </a:r>
+          </a:p>
+          <a:p>
+            <a:pPr marL="0" indent="0">
+              <a:buFontTx/>
+              <a:buNone/>
+            </a:pPr>
+            <a:endParaRPr lang="de-DE" dirty="0"/>
+          </a:p>
+          <a:p>
+            <a:pPr marL="0" indent="0">
+              <a:buFontTx/>
+              <a:buNone/>
+            </a:pPr>
+            <a:r>
+              <a:rPr lang="de-DE" dirty="0"/>
+              <a:t>Exkurs: spätere Unterscheidung „starker“ und „schwacher Ansatz der </a:t>
+            </a:r>
+            <a:r>
+              <a:rPr lang="de-DE" dirty="0" err="1"/>
+              <a:t>Konstruktvalidierung</a:t>
+            </a:r>
+            <a:r>
+              <a:rPr lang="de-DE" dirty="0"/>
+              <a:t>“</a:t>
+            </a:r>
+          </a:p>
+          <a:p>
+            <a:pPr marL="171450" indent="-171450">
+              <a:buFont typeface="Wingdings" pitchFamily="2" charset="2"/>
+              <a:buChar char="à"/>
+            </a:pPr>
             <a:r>
               <a:rPr lang="de-DE" dirty="0">
                 <a:sym typeface="Wingdings" pitchFamily="2" charset="2"/>
               </a:rPr>
-              <a:t> stark, wenn das ursprüngliche Ideal durchgeführt wird und schwach, wenn eine Validierung ohne formale Theorie erfolgt</a:t>
-            </a:r>
+              <a:t>„stark“, wenn das ursprüngliche Ideal durchgeführt wird</a:t>
+            </a:r>
+          </a:p>
+          <a:p>
+            <a:pPr marL="171450" indent="-171450">
+              <a:buFont typeface="Wingdings" pitchFamily="2" charset="2"/>
+              <a:buChar char="à"/>
+            </a:pPr>
+            <a:r>
+              <a:rPr lang="de-DE" dirty="0">
+                <a:sym typeface="Wingdings" pitchFamily="2" charset="2"/>
+              </a:rPr>
+              <a:t>„schwach“, wenn eine Validierung ohne formale Theorie erfolgt</a:t>
+            </a:r>
+          </a:p>
+          <a:p>
+            <a:pPr marL="171450" indent="-171450">
+              <a:buFont typeface="Wingdings" pitchFamily="2" charset="2"/>
+              <a:buChar char="à"/>
+            </a:pPr>
             <a:endParaRPr lang="de-DE" dirty="0"/>
           </a:p>
           <a:p>
-            <a:pPr marL="171450" indent="-171450">
+            <a:pPr marL="0" indent="0">
               <a:buFontTx/>
-              <a:buChar char="-"/>
-            </a:pPr>
-            <a:endParaRPr lang="de-DE" dirty="0"/>
+              <a:buNone/>
+            </a:pPr>
+            <a:r>
+              <a:rPr lang="de-DE" dirty="0"/>
+              <a:t>…die genaue Diskussion sprengt allerdings den heutigen Rahmen</a:t>
+            </a:r>
           </a:p>
         </p:txBody>
       </p:sp>
@@ -3743,13 +4457,47 @@
           <a:bodyPr/>
           <a:lstStyle/>
           <a:p>
-            <a:pPr marL="171450" indent="-171450">
-              <a:buFontTx/>
-              <a:buChar char="-"/>
+            <a:pPr marL="0" indent="0">
+              <a:buFont typeface="Arial" panose="020B0604020202020204" pitchFamily="34" charset="0"/>
+              <a:buNone/>
             </a:pPr>
             <a:r>
               <a:rPr lang="de-DE" dirty="0"/>
-              <a:t> Wir sehen, dass die Leadership </a:t>
+              <a:t>Nun (endlich) die empirische Überprüfung</a:t>
+            </a:r>
+          </a:p>
+          <a:p>
+            <a:pPr marL="0" indent="0">
+              <a:buFont typeface="Arial" panose="020B0604020202020204" pitchFamily="34" charset="0"/>
+              <a:buNone/>
+            </a:pPr>
+            <a:endParaRPr lang="de-DE" dirty="0"/>
+          </a:p>
+          <a:p>
+            <a:pPr marL="0" indent="0">
+              <a:buFont typeface="Arial" panose="020B0604020202020204" pitchFamily="34" charset="0"/>
+              <a:buNone/>
+            </a:pPr>
+            <a:r>
+              <a:rPr lang="de-DE" dirty="0"/>
+              <a:t>z.B. über einen korrelativen Ansatz</a:t>
+            </a:r>
+          </a:p>
+          <a:p>
+            <a:pPr marL="0" indent="0">
+              <a:buFont typeface="Arial" panose="020B0604020202020204" pitchFamily="34" charset="0"/>
+              <a:buNone/>
+            </a:pPr>
+            <a:endParaRPr lang="de-DE" dirty="0"/>
+          </a:p>
+          <a:p>
+            <a:pPr marL="0" indent="0">
+              <a:buFont typeface="Arial" panose="020B0604020202020204" pitchFamily="34" charset="0"/>
+              <a:buNone/>
+            </a:pPr>
+            <a:r>
+              <a:rPr lang="de-DE" dirty="0"/>
+              <a:t>Leadership </a:t>
             </a:r>
             <a:r>
               <a:rPr lang="de-DE" dirty="0" err="1"/>
@@ -3757,7 +4505,7 @@
             </a:r>
             <a:r>
               <a:rPr lang="de-DE" dirty="0"/>
-              <a:t> und </a:t>
+              <a:t> &amp; </a:t>
             </a:r>
             <a:r>
               <a:rPr lang="de-DE" dirty="0" err="1"/>
@@ -3773,7 +4521,17 @@
             </a:r>
             <a:r>
               <a:rPr lang="de-DE" dirty="0"/>
-              <a:t> mit der Extraversion positiv zusammenhängen und die persuasive </a:t>
+              <a:t> ~+ Extraversion </a:t>
+            </a:r>
+          </a:p>
+          <a:p>
+            <a:pPr marL="0" indent="0">
+              <a:buFont typeface="Arial" panose="020B0604020202020204" pitchFamily="34" charset="0"/>
+              <a:buNone/>
+            </a:pPr>
+            <a:r>
+              <a:rPr lang="de-DE" dirty="0"/>
+              <a:t>Persuasive </a:t>
             </a:r>
             <a:r>
               <a:rPr lang="de-DE" dirty="0" err="1"/>
@@ -3781,17 +4539,24 @@
             </a:r>
             <a:r>
               <a:rPr lang="de-DE" dirty="0"/>
-              <a:t> mit der Verträglichkeit negativ zusammenhängt wie angenommen</a:t>
-            </a:r>
-          </a:p>
-          <a:p>
-            <a:pPr marL="171450" indent="-171450">
-              <a:buFontTx/>
-              <a:buChar char="-"/>
+              <a:t>  ~- Verträglichkeit</a:t>
+            </a:r>
+          </a:p>
+          <a:p>
+            <a:pPr marL="0" indent="0">
+              <a:buFont typeface="Arial" panose="020B0604020202020204" pitchFamily="34" charset="0"/>
+              <a:buNone/>
+            </a:pPr>
+            <a:endParaRPr lang="de-DE" dirty="0"/>
+          </a:p>
+          <a:p>
+            <a:pPr marL="0" indent="0">
+              <a:buFont typeface="Arial" panose="020B0604020202020204" pitchFamily="34" charset="0"/>
+              <a:buNone/>
             </a:pPr>
             <a:r>
               <a:rPr lang="de-DE" dirty="0"/>
-              <a:t>Damit wären die Annahmen aus dem </a:t>
+              <a:t>-&gt; theoriegemäß! </a:t>
             </a:r>
             <a:r>
               <a:rPr lang="de-DE" dirty="0" err="1"/>
@@ -3799,61 +4564,70 @@
             </a:r>
             <a:r>
               <a:rPr lang="de-DE" dirty="0"/>
-              <a:t> Netz bestätigt; Signifikanzen hier nicht mit angegeben, diese wären aber auch relevant</a:t>
-            </a:r>
-          </a:p>
-          <a:p>
-            <a:pPr marL="171450" indent="-171450">
-              <a:buFontTx/>
-              <a:buChar char="-"/>
-            </a:pPr>
+              <a:t> Netz bestätigt</a:t>
+            </a:r>
+          </a:p>
+          <a:p>
+            <a:pPr marL="0" indent="0">
+              <a:buFont typeface="Arial" panose="020B0604020202020204" pitchFamily="34" charset="0"/>
+              <a:buNone/>
+            </a:pPr>
+            <a:endParaRPr lang="de-DE" dirty="0"/>
+          </a:p>
+          <a:p>
+            <a:pPr marL="0" indent="0">
+              <a:buFont typeface="Arial" panose="020B0604020202020204" pitchFamily="34" charset="0"/>
+              <a:buNone/>
+            </a:pPr>
+            <a:r>
+              <a:rPr lang="de-DE" u="sng" dirty="0"/>
+              <a:t>Rückfrage</a:t>
+            </a:r>
             <a:r>
               <a:rPr lang="de-DE" dirty="0"/>
-              <a:t>Ergebnis würde dafür sprechen, dass die Testwerte für Leadership, Persuasive u. </a:t>
-            </a:r>
-            <a:r>
-              <a:rPr lang="de-DE" dirty="0" err="1"/>
-              <a:t>Conversational</a:t>
-            </a:r>
+              <a:t>: Warum könnte ein Messung mittels Korrelation problematisch sein?</a:t>
+            </a:r>
+          </a:p>
+          <a:p>
+            <a:pPr marL="0" indent="0">
+              <a:buFont typeface="Arial" panose="020B0604020202020204" pitchFamily="34" charset="0"/>
+              <a:buNone/>
+            </a:pPr>
             <a:r>
               <a:rPr lang="de-DE" dirty="0"/>
-              <a:t> </a:t>
-            </a:r>
-            <a:r>
-              <a:rPr lang="de-DE" dirty="0" err="1"/>
-              <a:t>skills</a:t>
-            </a:r>
+              <a:t>-&gt; Korrelation = sehr eingeschränktes Maß für Zusammenhänge – Linearität.</a:t>
+            </a:r>
+          </a:p>
+          <a:p>
+            <a:pPr marL="0" indent="0">
+              <a:buFont typeface="Arial" panose="020B0604020202020204" pitchFamily="34" charset="0"/>
+              <a:buNone/>
+            </a:pPr>
+            <a:endParaRPr lang="de-DE" dirty="0"/>
+          </a:p>
+          <a:p>
+            <a:pPr marL="0" indent="0">
+              <a:buFont typeface="Arial" panose="020B0604020202020204" pitchFamily="34" charset="0"/>
+              <a:buNone/>
+            </a:pPr>
             <a:r>
               <a:rPr lang="de-DE" dirty="0"/>
-              <a:t> tatsächlich die Konstrukte auf latenter Ebene messen</a:t>
-            </a:r>
-          </a:p>
-          <a:p>
-            <a:pPr marL="171450" indent="-171450">
-              <a:buFontTx/>
-              <a:buChar char="-"/>
+              <a:t>d.h.: Konstrukte können auf viel komplexere Arten und Weisen zusammenhängen</a:t>
+            </a:r>
+          </a:p>
+          <a:p>
+            <a:pPr marL="0" indent="0">
+              <a:buFont typeface="Arial" panose="020B0604020202020204" pitchFamily="34" charset="0"/>
+              <a:buNone/>
             </a:pPr>
             <a:endParaRPr lang="de-DE" dirty="0"/>
           </a:p>
           <a:p>
-            <a:pPr marL="171450" indent="-171450">
-              <a:buFontTx/>
-              <a:buChar char="-"/>
-            </a:pPr>
-            <a:r>
-              <a:rPr lang="de-DE" dirty="0"/>
-              <a:t>---- Hinweis ----</a:t>
-            </a:r>
-          </a:p>
-          <a:p>
-            <a:pPr marL="171450" indent="-171450">
-              <a:buFontTx/>
-              <a:buChar char="-"/>
-            </a:pPr>
-            <a:r>
-              <a:rPr lang="de-DE" dirty="0"/>
-              <a:t>Korrelationskoeffizienten sind dick, wenn sie &gt; .50 sind</a:t>
-            </a:r>
+            <a:pPr marL="0" indent="0">
+              <a:buFont typeface="Arial" panose="020B0604020202020204" pitchFamily="34" charset="0"/>
+              <a:buNone/>
+            </a:pPr>
+            <a:endParaRPr lang="de-DE" dirty="0"/>
           </a:p>
         </p:txBody>
       </p:sp>
@@ -3937,71 +4711,99 @@
           <a:bodyPr/>
           <a:lstStyle/>
           <a:p>
-            <a:pPr marL="171450" indent="-171450">
+            <a:pPr marL="0" indent="0">
               <a:buFontTx/>
-              <a:buChar char="-"/>
+              <a:buNone/>
             </a:pPr>
             <a:r>
               <a:rPr lang="de-DE" dirty="0"/>
-              <a:t>Neben der Überprüfung des nomologischen Netzwerkes werden noch weitere Methoden unterschieden, mit denen die Konstruktvalidierung auf der Testebene vorgenommen werden können</a:t>
-            </a:r>
-          </a:p>
-          <a:p>
-            <a:pPr marL="171450" indent="-171450">
+              <a:t>Neben der Überprüfung des nomologischen Netzwerkes </a:t>
+            </a:r>
+          </a:p>
+          <a:p>
+            <a:pPr marL="0" indent="0">
               <a:buFontTx/>
-              <a:buChar char="-"/>
+              <a:buNone/>
             </a:pPr>
             <a:r>
               <a:rPr lang="de-DE" dirty="0"/>
-              <a:t>Unterscheidung zwischen experimentellen und korrelativen Ansätzen</a:t>
-            </a:r>
-          </a:p>
-          <a:p>
-            <a:pPr marL="171450" indent="-171450">
+              <a:t>(weitere Methoden zur </a:t>
+            </a:r>
+            <a:r>
+              <a:rPr lang="de-DE" dirty="0" err="1"/>
+              <a:t>Konstruktvalidierung</a:t>
+            </a:r>
+            <a:r>
+              <a:rPr lang="de-DE" dirty="0"/>
+              <a:t>): experimentell &amp; korrelativ</a:t>
+            </a:r>
+          </a:p>
+          <a:p>
+            <a:pPr marL="0" indent="0">
               <a:buFontTx/>
-              <a:buChar char="-"/>
+              <a:buNone/>
+            </a:pPr>
+            <a:endParaRPr lang="de-DE" dirty="0"/>
+          </a:p>
+          <a:p>
+            <a:pPr marL="0" indent="0">
+              <a:buFontTx/>
+              <a:buNone/>
             </a:pPr>
             <a:r>
               <a:rPr lang="de-DE" dirty="0"/>
-              <a:t>D.h. wir setzen Methoden ein, bei denen ein hypothetisch deduktives Vorgehen möglich ist</a:t>
-            </a:r>
-          </a:p>
-          <a:p>
-            <a:pPr marL="171450" indent="-171450">
+              <a:t>Nur kurz die Idee (experimentell): </a:t>
+            </a:r>
+          </a:p>
+          <a:p>
+            <a:pPr marL="0" indent="0">
               <a:buFontTx/>
-              <a:buChar char="-"/>
+              <a:buNone/>
             </a:pPr>
             <a:r>
               <a:rPr lang="de-DE" dirty="0"/>
-              <a:t>Z.B. könnten wir aus Theorien Hypothesen ableiten über das interessierende Konstrukt, die experimentell zu prüfen sind</a:t>
-            </a:r>
-          </a:p>
-          <a:p>
-            <a:pPr marL="171450" indent="-171450">
+              <a:t>Wir könnten aus unseren Theorien Hypothesen über das interessierende Konstrukt ableiten, die wir experimentell überprüfen können.</a:t>
+            </a:r>
+          </a:p>
+          <a:p>
+            <a:pPr marL="0" indent="0">
               <a:buFontTx/>
-              <a:buChar char="-"/>
+              <a:buNone/>
             </a:pPr>
             <a:endParaRPr lang="de-DE" dirty="0"/>
           </a:p>
           <a:p>
-            <a:pPr marL="171450" indent="-171450">
+            <a:pPr marL="0" indent="0">
               <a:buFontTx/>
-              <a:buChar char="-"/>
+              <a:buNone/>
             </a:pPr>
             <a:r>
               <a:rPr lang="de-DE" dirty="0"/>
-              <a:t>Konstrukt als UV:</a:t>
-            </a:r>
-          </a:p>
-          <a:p>
-            <a:pPr marL="171450" indent="-171450">
+              <a:t>Hinweis: Einzelheiten würden heute zu weit führen (siehe: </a:t>
+            </a:r>
+            <a:r>
+              <a:rPr lang="de-DE" dirty="0" err="1"/>
+              <a:t>Moosbrugger</a:t>
+            </a:r>
+            <a:r>
+              <a:rPr lang="de-DE" dirty="0"/>
+              <a:t> &amp; </a:t>
+            </a:r>
+            <a:r>
+              <a:rPr lang="de-DE" dirty="0" err="1"/>
+              <a:t>Kelava</a:t>
+            </a:r>
+            <a:r>
+              <a:rPr lang="de-DE" dirty="0"/>
+              <a:t>)</a:t>
+            </a:r>
+          </a:p>
+          <a:p>
+            <a:pPr marL="0" indent="0">
               <a:buFontTx/>
-              <a:buChar char="-"/>
-            </a:pPr>
-            <a:r>
-              <a:rPr lang="de-DE" dirty="0"/>
-              <a:t>Das Konstrukt würde manipuliert werden in dem zweiten Fall (Konstrukt als UV). Wenn eine Theorie beispielsweise aussagen würde, dass extravertiertes Verhalten von extravertierten Personen als angenehmer/aktivierender empfunden (BAS) wird als von Personen, die weniger extravertiert sind, könnte man erstmal die Extraversion messen und Personen in hoch- und niedrig Extravertierte einteilen (UV). Außerdem würden vor der Manipulation die aktuelle Stimmung gemessen werden, wie "angenehm" z.B. fünf Minuten empfunden werden, in denen man nichts zu tun hat über die Messung von Stimmung  Anschließend sollen sich die Probanden "extravertiert verhalten" und danach wird wieder die Stimmung gemessen. Hier sollte sich nun zeigen, dass Personen der Gruppe "hoch extravertiert" einem stärkeren Anstieg in ihrer positiven Stimmung haben. </a:t>
-            </a:r>
+              <a:buNone/>
+            </a:pPr>
+            <a:endParaRPr lang="de-DE" dirty="0"/>
           </a:p>
         </p:txBody>
       </p:sp>
@@ -4380,42 +5182,181 @@
           <a:bodyPr/>
           <a:lstStyle/>
           <a:p>
-            <a:pPr marL="171450" indent="-171450">
+            <a:pPr marL="0" indent="0">
               <a:buFontTx/>
-              <a:buChar char="-"/>
+              <a:buNone/>
             </a:pPr>
             <a:r>
               <a:rPr lang="de-DE" dirty="0"/>
-              <a:t>Neben den experimentellen Ansätzen gibt es noch die korrelativen Ansätze:</a:t>
-            </a:r>
-          </a:p>
-          <a:p>
-            <a:pPr marL="171450" indent="-171450">
+              <a:t>Neben den experimentellen Ansätzen gibt es noch korrelative Ansätze</a:t>
+            </a:r>
+          </a:p>
+          <a:p>
+            <a:pPr marL="0" indent="0">
               <a:buFontTx/>
-              <a:buChar char="-"/>
+              <a:buNone/>
+            </a:pPr>
+            <a:endParaRPr lang="de-DE" dirty="0"/>
+          </a:p>
+          <a:p>
+            <a:pPr marL="0" indent="0">
+              <a:buFontTx/>
+              <a:buNone/>
             </a:pPr>
             <a:r>
               <a:rPr lang="de-DE" dirty="0"/>
-              <a:t>Hier werden aus Theorien Hypothesen dazu aufgestellt, dass das interessierende Konstrukt mit einem anderen Konstrukt oder einer anderen Variable zusammenhängt </a:t>
-            </a:r>
+              <a:t>Nur kurz die Idee: Man versucht aus Theorien Hypothesen über plausible (empirischen) Zusammenhang zu generieren</a:t>
+            </a:r>
+          </a:p>
+          <a:p>
+            <a:pPr marL="0" indent="0">
+              <a:buFontTx/>
+              <a:buNone/>
+            </a:pPr>
+            <a:r>
+              <a:rPr lang="de-DE" dirty="0"/>
+              <a:t>(z.B. Korrelation mit einem Außenkriterium; z.B. Religiosität &amp; Kirchganshäufigkeit)</a:t>
+            </a:r>
+          </a:p>
+          <a:p>
+            <a:pPr marL="0" marR="0" lvl="0" indent="0" algn="l" defTabSz="914400" rtl="0" eaLnBrk="1" fontAlgn="auto" latinLnBrk="0" hangingPunct="1">
+              <a:lnSpc>
+                <a:spcPct val="100000"/>
+              </a:lnSpc>
+              <a:spcBef>
+                <a:spcPts val="0"/>
+              </a:spcBef>
+              <a:spcAft>
+                <a:spcPts val="0"/>
+              </a:spcAft>
+              <a:buClrTx/>
+              <a:buSzTx/>
+              <a:buFontTx/>
+              <a:buNone/>
+              <a:tabLst/>
+              <a:defRPr/>
+            </a:pPr>
             <a:r>
               <a:rPr lang="de-DE" dirty="0">
                 <a:sym typeface="Wingdings" pitchFamily="2" charset="2"/>
               </a:rPr>
-              <a:t> Richtung und Höhe des Zusammenhangs sollte aus der Theorie ableitbar sein</a:t>
-            </a:r>
-          </a:p>
-          <a:p>
-            <a:pPr marL="171450" indent="-171450">
+              <a:t>-&gt; Stimmen Korrelationen und postulierten Zusammenhängen überein, spricht das für die Konstruktvalidität der Testwerte</a:t>
+            </a:r>
+            <a:endParaRPr lang="de-DE" dirty="0"/>
+          </a:p>
+          <a:p>
+            <a:pPr marL="0" marR="0" lvl="0" indent="0" algn="l" defTabSz="914400" rtl="0" eaLnBrk="1" fontAlgn="auto" latinLnBrk="0" hangingPunct="1">
+              <a:lnSpc>
+                <a:spcPct val="100000"/>
+              </a:lnSpc>
+              <a:spcBef>
+                <a:spcPts val="0"/>
+              </a:spcBef>
+              <a:spcAft>
+                <a:spcPts val="0"/>
+              </a:spcAft>
+              <a:buClrTx/>
+              <a:buSzTx/>
               <a:buFontTx/>
-              <a:buChar char="-"/>
-            </a:pPr>
-            <a:r>
-              <a:rPr lang="de-DE" dirty="0">
-                <a:sym typeface="Wingdings" pitchFamily="2" charset="2"/>
-              </a:rPr>
-              <a:t>Wenn die empirisch ermittelten Korrelationen mit den postulierten Zusammenhängen übereinstimmen, spricht das für die Konstruktvalidität der Testwerte</a:t>
-            </a:r>
+              <a:buNone/>
+              <a:tabLst/>
+              <a:defRPr/>
+            </a:pPr>
+            <a:endParaRPr lang="de-DE" dirty="0"/>
+          </a:p>
+          <a:p>
+            <a:pPr marL="0" marR="0" lvl="0" indent="0" algn="l" defTabSz="914400" rtl="0" eaLnBrk="1" fontAlgn="auto" latinLnBrk="0" hangingPunct="1">
+              <a:lnSpc>
+                <a:spcPct val="100000"/>
+              </a:lnSpc>
+              <a:spcBef>
+                <a:spcPts val="0"/>
+              </a:spcBef>
+              <a:spcAft>
+                <a:spcPts val="0"/>
+              </a:spcAft>
+              <a:buClrTx/>
+              <a:buSzTx/>
+              <a:buFontTx/>
+              <a:buNone/>
+              <a:tabLst/>
+              <a:defRPr/>
+            </a:pPr>
+            <a:r>
+              <a:rPr lang="de-DE" i="1" dirty="0"/>
+              <a:t>Hinweis</a:t>
+            </a:r>
+            <a:r>
+              <a:rPr lang="de-DE" dirty="0"/>
+              <a:t>: Hier gelten die vorherigen Einschränkungen ebenfalls!</a:t>
+            </a:r>
+          </a:p>
+          <a:p>
+            <a:pPr marL="0" indent="0">
+              <a:buFontTx/>
+              <a:buNone/>
+            </a:pPr>
+            <a:endParaRPr lang="de-DE" dirty="0"/>
+          </a:p>
+          <a:p>
+            <a:pPr marL="0" indent="0">
+              <a:buFontTx/>
+              <a:buNone/>
+            </a:pPr>
+            <a:r>
+              <a:rPr lang="de-DE" dirty="0"/>
+              <a:t>--</a:t>
+            </a:r>
+          </a:p>
+          <a:p>
+            <a:pPr marL="0" indent="0">
+              <a:buFontTx/>
+              <a:buNone/>
+            </a:pPr>
+            <a:r>
+              <a:rPr lang="de-DE" dirty="0"/>
+              <a:t>Predigt: d.h. es reicht nicht ein guter </a:t>
+            </a:r>
+            <a:r>
+              <a:rPr lang="de-DE" i="1" dirty="0"/>
+              <a:t>Statistiker</a:t>
+            </a:r>
+            <a:r>
+              <a:rPr lang="de-DE" dirty="0"/>
+              <a:t> zu sein (und die Korrelationen berechnen zu können); </a:t>
+            </a:r>
+          </a:p>
+          <a:p>
+            <a:pPr marL="0" indent="0">
+              <a:buFontTx/>
+              <a:buNone/>
+            </a:pPr>
+            <a:r>
+              <a:rPr lang="de-DE" dirty="0"/>
+              <a:t>sie müssen ebenfalls ein guter </a:t>
+            </a:r>
+            <a:r>
+              <a:rPr lang="de-DE" i="1" dirty="0"/>
+              <a:t>Wissenschaftler</a:t>
+            </a:r>
+            <a:r>
+              <a:rPr lang="de-DE" dirty="0"/>
+              <a:t> sein (um die zugrundliegenden theoretischen Zusammenhange zu verstehen – und anschließend adäquat [statistisch] zu modellieren): Science </a:t>
+            </a:r>
+            <a:r>
+              <a:rPr lang="de-DE" dirty="0" err="1"/>
+              <a:t>first</a:t>
+            </a:r>
+            <a:r>
+              <a:rPr lang="de-DE" dirty="0"/>
+              <a:t>!</a:t>
+            </a:r>
+          </a:p>
+          <a:p>
+            <a:pPr marL="0" indent="0">
+              <a:buFontTx/>
+              <a:buNone/>
+            </a:pPr>
             <a:endParaRPr lang="de-DE" dirty="0"/>
           </a:p>
         </p:txBody>
@@ -4500,24 +5441,210 @@
           <a:bodyPr/>
           <a:lstStyle/>
           <a:p>
-            <a:pPr marL="171450" indent="-171450">
+            <a:pPr marL="0" indent="0">
               <a:buFontTx/>
-              <a:buChar char="-"/>
-            </a:pPr>
+              <a:buNone/>
+            </a:pPr>
+            <a:r>
+              <a:rPr lang="de-DE" u="none" dirty="0"/>
+              <a:t>Hier: </a:t>
+            </a:r>
             <a:r>
               <a:rPr lang="de-DE" dirty="0"/>
-              <a:t>Hier Fokus aus deskriptive/korrelationsbasierte MTMM-Analyse-Methode; es gibt aber inzwischen Faktorenanalytische Ansätze</a:t>
-            </a:r>
-          </a:p>
-          <a:p>
-            <a:pPr marL="171450" indent="-171450">
+              <a:t>Fokus aus deskriptive/korrelationsbasierte MTMM-Analyse-Methode</a:t>
+            </a:r>
+          </a:p>
+          <a:p>
+            <a:pPr marL="0" indent="0">
               <a:buFontTx/>
-              <a:buChar char="-"/>
-            </a:pPr>
+              <a:buNone/>
+            </a:pPr>
+            <a:r>
+              <a:rPr lang="de-DE" u="none" dirty="0"/>
+              <a:t>(inzwischen aber auch faktoranalytische Ansätze)</a:t>
+            </a:r>
+          </a:p>
+          <a:p>
+            <a:pPr marL="0" indent="0">
+              <a:buFontTx/>
+              <a:buNone/>
+            </a:pPr>
+            <a:endParaRPr lang="de-DE" u="sng" dirty="0"/>
+          </a:p>
+          <a:p>
+            <a:pPr marL="0" indent="0">
+              <a:buFontTx/>
+              <a:buNone/>
+            </a:pPr>
+            <a:r>
+              <a:rPr lang="de-DE" u="sng" dirty="0"/>
+              <a:t>Rückfrage (1)</a:t>
+            </a:r>
             <a:r>
               <a:rPr lang="de-DE" dirty="0"/>
-              <a:t>Hier könnte man vorher abfragen, was konvergente und diskriminante Validität sind, weil wir uns zu Beginn mal damit beschäftigt haben</a:t>
-            </a:r>
+              <a:t> : Was ist </a:t>
+            </a:r>
+            <a:r>
+              <a:rPr lang="de-DE" i="1" dirty="0"/>
+              <a:t>konvergente</a:t>
+            </a:r>
+            <a:r>
+              <a:rPr lang="de-DE" dirty="0"/>
+              <a:t> Validität?</a:t>
+            </a:r>
+          </a:p>
+          <a:p>
+            <a:pPr marL="0" marR="0" lvl="0" indent="0" algn="l" defTabSz="914400" rtl="0" eaLnBrk="1" fontAlgn="auto" latinLnBrk="0" hangingPunct="1">
+              <a:lnSpc>
+                <a:spcPct val="100000"/>
+              </a:lnSpc>
+              <a:spcBef>
+                <a:spcPts val="0"/>
+              </a:spcBef>
+              <a:spcAft>
+                <a:spcPts val="0"/>
+              </a:spcAft>
+              <a:buClrTx/>
+              <a:buSzTx/>
+              <a:buFontTx/>
+              <a:buNone/>
+              <a:tabLst/>
+              <a:defRPr/>
+            </a:pPr>
+            <a:r>
+              <a:rPr lang="de-DE" dirty="0">
+                <a:sym typeface="Symbol" pitchFamily="2" charset="2"/>
+              </a:rPr>
+              <a:t>-&gt; Annahme, dass es </a:t>
+            </a:r>
+            <a:r>
+              <a:rPr lang="de-DE" i="1" dirty="0">
+                <a:sym typeface="Symbol" pitchFamily="2" charset="2"/>
+              </a:rPr>
+              <a:t>hohe</a:t>
+            </a:r>
+            <a:r>
+              <a:rPr lang="de-DE" dirty="0">
+                <a:sym typeface="Symbol" pitchFamily="2" charset="2"/>
+              </a:rPr>
+              <a:t> Zusammenhänge zwischen unserem Konstrukt und </a:t>
+            </a:r>
+            <a:r>
+              <a:rPr lang="de-DE" i="1" dirty="0">
+                <a:sym typeface="Symbol" pitchFamily="2" charset="2"/>
+              </a:rPr>
+              <a:t>verwandten</a:t>
+            </a:r>
+            <a:r>
+              <a:rPr lang="de-DE" dirty="0">
+                <a:sym typeface="Symbol" pitchFamily="2" charset="2"/>
+              </a:rPr>
+              <a:t> Konstrukten gibt</a:t>
+            </a:r>
+          </a:p>
+          <a:p>
+            <a:pPr marL="0" indent="0">
+              <a:buFontTx/>
+              <a:buNone/>
+            </a:pPr>
+            <a:endParaRPr lang="de-DE" dirty="0"/>
+          </a:p>
+          <a:p>
+            <a:pPr marL="0" indent="0">
+              <a:buFontTx/>
+              <a:buNone/>
+            </a:pPr>
+            <a:r>
+              <a:rPr lang="de-DE" u="sng" dirty="0"/>
+              <a:t>Rückfrage (2): </a:t>
+            </a:r>
+            <a:r>
+              <a:rPr lang="de-DE" u="none" dirty="0"/>
+              <a:t> Was ist </a:t>
+            </a:r>
+            <a:r>
+              <a:rPr lang="de-DE" i="1" u="none" dirty="0" err="1"/>
+              <a:t>diskriminante</a:t>
+            </a:r>
+            <a:r>
+              <a:rPr lang="de-DE" i="1" u="none" dirty="0"/>
+              <a:t> </a:t>
+            </a:r>
+            <a:r>
+              <a:rPr lang="de-DE" i="0" u="none" dirty="0"/>
+              <a:t>Validität?</a:t>
+            </a:r>
+          </a:p>
+          <a:p>
+            <a:pPr marL="0" marR="0" lvl="0" indent="0" algn="l" defTabSz="914400" rtl="0" eaLnBrk="1" fontAlgn="auto" latinLnBrk="0" hangingPunct="1">
+              <a:lnSpc>
+                <a:spcPct val="100000"/>
+              </a:lnSpc>
+              <a:spcBef>
+                <a:spcPts val="0"/>
+              </a:spcBef>
+              <a:spcAft>
+                <a:spcPts val="0"/>
+              </a:spcAft>
+              <a:buClrTx/>
+              <a:buSzTx/>
+              <a:buFontTx/>
+              <a:buNone/>
+              <a:tabLst/>
+              <a:defRPr/>
+            </a:pPr>
+            <a:r>
+              <a:rPr lang="de-DE" dirty="0">
+                <a:sym typeface="Symbol" pitchFamily="2" charset="2"/>
+              </a:rPr>
+              <a:t>-&gt; Annahme, dass es </a:t>
+            </a:r>
+            <a:r>
+              <a:rPr lang="de-DE" i="1" dirty="0">
+                <a:sym typeface="Symbol" pitchFamily="2" charset="2"/>
+              </a:rPr>
+              <a:t>niedrige (extrem: 0) </a:t>
+            </a:r>
+            <a:r>
+              <a:rPr lang="de-DE" dirty="0">
+                <a:sym typeface="Symbol" pitchFamily="2" charset="2"/>
+              </a:rPr>
+              <a:t> Zusammenhänge zwischen unserem Konstrukt und </a:t>
+            </a:r>
+            <a:r>
+              <a:rPr lang="de-DE" i="1" dirty="0">
+                <a:sym typeface="Symbol" pitchFamily="2" charset="2"/>
+              </a:rPr>
+              <a:t>nicht-verwandten</a:t>
+            </a:r>
+            <a:r>
+              <a:rPr lang="de-DE" dirty="0">
+                <a:sym typeface="Symbol" pitchFamily="2" charset="2"/>
+              </a:rPr>
+              <a:t> Konstrukten gibt</a:t>
+            </a:r>
+          </a:p>
+          <a:p>
+            <a:pPr marL="0" marR="0" lvl="0" indent="0" algn="l" defTabSz="914400" rtl="0" eaLnBrk="1" fontAlgn="auto" latinLnBrk="0" hangingPunct="1">
+              <a:lnSpc>
+                <a:spcPct val="100000"/>
+              </a:lnSpc>
+              <a:spcBef>
+                <a:spcPts val="0"/>
+              </a:spcBef>
+              <a:spcAft>
+                <a:spcPts val="0"/>
+              </a:spcAft>
+              <a:buClrTx/>
+              <a:buSzTx/>
+              <a:buFontTx/>
+              <a:buNone/>
+              <a:tabLst/>
+              <a:defRPr/>
+            </a:pPr>
+            <a:endParaRPr lang="de-DE" dirty="0">
+              <a:sym typeface="Symbol" pitchFamily="2" charset="2"/>
+            </a:endParaRPr>
           </a:p>
         </p:txBody>
       </p:sp>
@@ -4601,324 +5728,869 @@
           <a:bodyPr/>
           <a:lstStyle/>
           <a:p>
-            <a:pPr marL="171450" indent="-171450">
+            <a:pPr marL="0" indent="0">
               <a:buFontTx/>
-              <a:buChar char="-"/>
-            </a:pPr>
+              <a:buNone/>
+            </a:pPr>
+            <a:r>
+              <a:rPr lang="de-DE" dirty="0"/>
+              <a:t>Eine korrelative Methode zur Überprüfung der Konstruktvalidität: </a:t>
+            </a:r>
+          </a:p>
+          <a:p>
+            <a:pPr marL="0" indent="0">
+              <a:buFontTx/>
+              <a:buNone/>
+            </a:pPr>
+            <a:r>
+              <a:rPr lang="de-DE" i="1" dirty="0" err="1"/>
+              <a:t>Multitrait</a:t>
+            </a:r>
+            <a:r>
+              <a:rPr lang="de-DE" i="1" dirty="0"/>
+              <a:t>-</a:t>
+            </a:r>
+            <a:r>
+              <a:rPr lang="de-DE" i="1" dirty="0" err="1"/>
+              <a:t>Multimethod</a:t>
+            </a:r>
+            <a:r>
+              <a:rPr lang="de-DE" i="1" dirty="0"/>
+              <a:t>-Matrix</a:t>
+            </a:r>
+            <a:r>
+              <a:rPr lang="de-DE" dirty="0"/>
+              <a:t> (Campbell &amp; Fiske, 1959)</a:t>
+            </a:r>
+          </a:p>
+          <a:p>
+            <a:pPr marL="0" indent="0">
+              <a:buFontTx/>
+              <a:buNone/>
+            </a:pPr>
+            <a:endParaRPr lang="de-DE" dirty="0"/>
+          </a:p>
+          <a:p>
+            <a:pPr marL="228600" marR="0" lvl="0" indent="-228600" algn="l" defTabSz="914400" rtl="0" eaLnBrk="1" fontAlgn="auto" latinLnBrk="0" hangingPunct="1">
+              <a:lnSpc>
+                <a:spcPct val="100000"/>
+              </a:lnSpc>
+              <a:spcBef>
+                <a:spcPts val="0"/>
+              </a:spcBef>
+              <a:spcAft>
+                <a:spcPts val="0"/>
+              </a:spcAft>
+              <a:buClrTx/>
+              <a:buSzTx/>
+              <a:buFontTx/>
+              <a:buAutoNum type="arabicParenR"/>
+              <a:tabLst/>
+              <a:defRPr/>
+            </a:pPr>
+            <a:r>
+              <a:rPr lang="de-DE" u="sng" dirty="0"/>
+              <a:t>"Erweiterte" Hauptdiagonale:</a:t>
+            </a:r>
+            <a:r>
+              <a:rPr lang="de-DE" dirty="0"/>
+              <a:t> </a:t>
+            </a:r>
+            <a:r>
+              <a:rPr lang="de-DE" i="1" dirty="0" err="1"/>
+              <a:t>Monomethod-Blöck</a:t>
+            </a:r>
+            <a:endParaRPr lang="de-DE" i="1" dirty="0"/>
+          </a:p>
+          <a:p>
+            <a:pPr marL="0" marR="0" lvl="0" indent="0" algn="l" defTabSz="914400" rtl="0" eaLnBrk="1" fontAlgn="auto" latinLnBrk="0" hangingPunct="1">
+              <a:lnSpc>
+                <a:spcPct val="100000"/>
+              </a:lnSpc>
+              <a:spcBef>
+                <a:spcPts val="0"/>
+              </a:spcBef>
+              <a:spcAft>
+                <a:spcPts val="0"/>
+              </a:spcAft>
+              <a:buClrTx/>
+              <a:buSzTx/>
+              <a:buFontTx/>
+              <a:buNone/>
+              <a:tabLst/>
+              <a:defRPr/>
+            </a:pPr>
+            <a:r>
+              <a:rPr lang="de-DE" dirty="0"/>
+              <a:t>:= Korrelationen zwischen </a:t>
+            </a:r>
             <a:r>
               <a:rPr lang="de-DE" dirty="0" err="1"/>
+              <a:t>Traits</a:t>
+            </a:r>
+            <a:r>
+              <a:rPr lang="de-DE" dirty="0"/>
+              <a:t>, die mit </a:t>
+            </a:r>
+            <a:r>
+              <a:rPr lang="de-DE" i="1" dirty="0"/>
+              <a:t>derselben</a:t>
+            </a:r>
+            <a:r>
+              <a:rPr lang="de-DE" dirty="0"/>
+              <a:t> Methode erfasst wurden</a:t>
+            </a:r>
+          </a:p>
+          <a:p>
+            <a:pPr marL="228600" marR="0" lvl="0" indent="-228600" algn="l" defTabSz="914400" rtl="0" eaLnBrk="1" fontAlgn="auto" latinLnBrk="0" hangingPunct="1">
+              <a:lnSpc>
+                <a:spcPct val="100000"/>
+              </a:lnSpc>
+              <a:spcBef>
+                <a:spcPts val="0"/>
+              </a:spcBef>
+              <a:spcAft>
+                <a:spcPts val="0"/>
+              </a:spcAft>
+              <a:buClrTx/>
+              <a:buSzTx/>
+              <a:buFontTx/>
+              <a:buAutoNum type="arabicParenR"/>
+              <a:tabLst/>
+              <a:defRPr/>
+            </a:pPr>
+            <a:endParaRPr lang="de-DE" dirty="0"/>
+          </a:p>
+          <a:p>
+            <a:pPr marL="0" indent="0">
+              <a:buFontTx/>
+              <a:buNone/>
+            </a:pPr>
+            <a:r>
+              <a:rPr lang="de-DE" dirty="0"/>
+              <a:t>2) </a:t>
+            </a:r>
+            <a:r>
+              <a:rPr lang="de-DE" u="sng" dirty="0"/>
+              <a:t>Hauptdiagonale:  </a:t>
+            </a:r>
+            <a:r>
+              <a:rPr lang="de-DE" i="1" dirty="0" err="1"/>
               <a:t>Monotrait</a:t>
             </a:r>
             <a:r>
+              <a:rPr lang="de-DE" i="1" dirty="0"/>
+              <a:t>-</a:t>
+            </a:r>
+            <a:r>
+              <a:rPr lang="de-DE" i="1" dirty="0" err="1"/>
+              <a:t>Monomethod</a:t>
+            </a:r>
+            <a:r>
+              <a:rPr lang="de-DE" i="1" dirty="0"/>
+              <a:t>-Reliabilitätskoeffizienten</a:t>
+            </a:r>
+            <a:r>
               <a:rPr lang="de-DE" dirty="0"/>
-              <a:t>-</a:t>
-            </a:r>
-            <a:r>
-              <a:rPr lang="de-DE" dirty="0" err="1"/>
-              <a:t>Monomethod</a:t>
-            </a:r>
+              <a:t> </a:t>
+            </a:r>
+          </a:p>
+          <a:p>
+            <a:pPr marL="0" indent="0">
+              <a:buFontTx/>
+              <a:buNone/>
+            </a:pPr>
             <a:r>
               <a:rPr lang="de-DE" dirty="0"/>
-              <a:t>-Reliabilitätskoeffizienten sollten möglichst hoch sein und nicht zu unterschiedlich </a:t>
-            </a:r>
-            <a:r>
-              <a:rPr lang="de-DE" dirty="0">
-                <a:sym typeface="Wingdings" pitchFamily="2" charset="2"/>
-              </a:rPr>
-              <a:t> Haupt-Diagonale; obere Grenze für die Korrelation (z.B. Cronbachs Alpha oder </a:t>
-            </a:r>
-            <a:r>
-              <a:rPr lang="de-DE" dirty="0" err="1">
-                <a:sym typeface="Wingdings" pitchFamily="2" charset="2"/>
-              </a:rPr>
-              <a:t>McDonals</a:t>
-            </a:r>
-            <a:r>
-              <a:rPr lang="de-DE" dirty="0">
-                <a:sym typeface="Wingdings" pitchFamily="2" charset="2"/>
-              </a:rPr>
-              <a:t> Omega als Maß für die interne Konsistenz)</a:t>
-            </a:r>
-          </a:p>
-          <a:p>
-            <a:pPr marL="171450" indent="-171450">
+              <a:t>Hinweis: (innerhalb des Blocks) möglichst hoch sein und nicht stark unterscheiden </a:t>
+            </a:r>
+          </a:p>
+          <a:p>
+            <a:pPr marL="0" indent="0">
               <a:buFontTx/>
-              <a:buChar char="-"/>
-            </a:pPr>
-            <a:r>
-              <a:rPr lang="de-DE" dirty="0" err="1">
-                <a:sym typeface="Wingdings" pitchFamily="2" charset="2"/>
-              </a:rPr>
-              <a:t>Monotrait</a:t>
-            </a:r>
-            <a:r>
-              <a:rPr lang="de-DE" dirty="0">
-                <a:sym typeface="Wingdings" pitchFamily="2" charset="2"/>
-              </a:rPr>
-              <a:t>-Heteromethod: Korrelation desselben Konstruktes, welches mit verschiedenen Methoden erfasst wurde  konvergente Koeffizienten, sollten möglichst hoch sein</a:t>
-            </a:r>
-          </a:p>
-          <a:p>
-            <a:pPr marL="171450" indent="-171450">
-              <a:buFontTx/>
-              <a:buChar char="-"/>
-            </a:pPr>
-            <a:r>
-              <a:rPr lang="de-DE" dirty="0">
-                <a:sym typeface="Wingdings" pitchFamily="2" charset="2"/>
-              </a:rPr>
-              <a:t>Alle anderen Koeffizienten in den Nebendiagonalen sind die </a:t>
-            </a:r>
-            <a:r>
-              <a:rPr lang="de-DE" dirty="0" err="1">
-                <a:sym typeface="Wingdings" pitchFamily="2" charset="2"/>
-              </a:rPr>
-              <a:t>diskriminanten</a:t>
-            </a:r>
-            <a:r>
-              <a:rPr lang="de-DE" dirty="0">
-                <a:sym typeface="Wingdings" pitchFamily="2" charset="2"/>
-              </a:rPr>
-              <a:t> Koeffizienten (2 Arten: </a:t>
-            </a:r>
-            <a:r>
-              <a:rPr lang="de-DE" dirty="0" err="1">
-                <a:sym typeface="Wingdings" pitchFamily="2" charset="2"/>
-              </a:rPr>
-              <a:t>Monomethod</a:t>
-            </a:r>
-            <a:r>
-              <a:rPr lang="de-DE" dirty="0">
-                <a:sym typeface="Wingdings" pitchFamily="2" charset="2"/>
-              </a:rPr>
-              <a:t>- und Heteromethod) </a:t>
-            </a:r>
-          </a:p>
-          <a:p>
-            <a:pPr marL="171450" indent="-171450">
-              <a:buFontTx/>
-              <a:buChar char="-"/>
-            </a:pPr>
-            <a:r>
-              <a:rPr lang="de-DE" dirty="0">
-                <a:sym typeface="Wingdings" pitchFamily="2" charset="2"/>
-              </a:rPr>
-              <a:t>Diskriminanten Koeffizienten müssen mit konvergenten Koeffizienten verglichen werden; Ziel: konvergenten Koeffizienten sind höher als die </a:t>
-            </a:r>
-            <a:r>
-              <a:rPr lang="de-DE" dirty="0" err="1">
-                <a:sym typeface="Wingdings" pitchFamily="2" charset="2"/>
-              </a:rPr>
-              <a:t>diskriminanten</a:t>
-            </a:r>
-            <a:r>
-              <a:rPr lang="de-DE" dirty="0">
-                <a:sym typeface="Wingdings" pitchFamily="2" charset="2"/>
-              </a:rPr>
-              <a:t> Koeffizienten </a:t>
-            </a:r>
-          </a:p>
-          <a:p>
-            <a:pPr marL="171450" indent="-171450">
-              <a:buFontTx/>
-              <a:buChar char="-"/>
+              <a:buNone/>
             </a:pPr>
             <a:endParaRPr lang="de-DE" dirty="0">
               <a:sym typeface="Wingdings" pitchFamily="2" charset="2"/>
             </a:endParaRPr>
           </a:p>
           <a:p>
-            <a:pPr marL="171450" indent="-171450">
+            <a:pPr marL="0" indent="0">
+              <a:buFontTx/>
+              <a:buNone/>
+            </a:pPr>
+            <a:r>
+              <a:rPr lang="de-DE" dirty="0">
+                <a:sym typeface="Wingdings" pitchFamily="2" charset="2"/>
+              </a:rPr>
+              <a:t>Rückfrage:  Welche Reliabilitätskoeffizienten fallen Ihnen spontan ein?</a:t>
+            </a:r>
+          </a:p>
+          <a:p>
+            <a:pPr marL="0" indent="0">
+              <a:buFontTx/>
+              <a:buNone/>
+            </a:pPr>
+            <a:r>
+              <a:rPr lang="de-DE" dirty="0">
+                <a:sym typeface="Wingdings" pitchFamily="2" charset="2"/>
+              </a:rPr>
+              <a:t>-&gt; z.B. Cronbachs Alpha / </a:t>
+            </a:r>
+            <a:r>
+              <a:rPr lang="de-DE" dirty="0" err="1">
+                <a:sym typeface="Wingdings" pitchFamily="2" charset="2"/>
+              </a:rPr>
+              <a:t>McDonals</a:t>
+            </a:r>
+            <a:r>
+              <a:rPr lang="de-DE" dirty="0">
+                <a:sym typeface="Wingdings" pitchFamily="2" charset="2"/>
+              </a:rPr>
+              <a:t> Omega</a:t>
+            </a:r>
+          </a:p>
+          <a:p>
+            <a:pPr marL="0" indent="0">
+              <a:buFontTx/>
+              <a:buNone/>
+            </a:pPr>
+            <a:endParaRPr lang="de-DE" dirty="0">
+              <a:sym typeface="Wingdings" pitchFamily="2" charset="2"/>
+            </a:endParaRPr>
+          </a:p>
+          <a:p>
+            <a:pPr marL="0" marR="0" lvl="0" indent="0" algn="l" defTabSz="914400" rtl="0" eaLnBrk="1" fontAlgn="auto" latinLnBrk="0" hangingPunct="1">
+              <a:lnSpc>
+                <a:spcPct val="100000"/>
+              </a:lnSpc>
+              <a:spcBef>
+                <a:spcPts val="0"/>
+              </a:spcBef>
+              <a:spcAft>
+                <a:spcPts val="0"/>
+              </a:spcAft>
+              <a:buClrTx/>
+              <a:buSzTx/>
+              <a:buFontTx/>
+              <a:buNone/>
+              <a:tabLst/>
+              <a:defRPr/>
+            </a:pPr>
+            <a:r>
+              <a:rPr lang="de-DE" dirty="0">
+                <a:sym typeface="Wingdings" pitchFamily="2" charset="2"/>
+              </a:rPr>
+              <a:t>3) Nebendiagonalen: </a:t>
+            </a:r>
+            <a:r>
+              <a:rPr lang="de-DE" i="1" dirty="0">
+                <a:solidFill>
+                  <a:srgbClr val="00B0F0"/>
+                </a:solidFill>
+              </a:rPr>
+              <a:t>Heteromethode-Blöcke</a:t>
+            </a:r>
+            <a:endParaRPr lang="de-DE" i="1" dirty="0"/>
+          </a:p>
+          <a:p>
+            <a:pPr marL="0" marR="0" lvl="0" indent="0" algn="l" defTabSz="914400" rtl="0" eaLnBrk="1" fontAlgn="auto" latinLnBrk="0" hangingPunct="1">
+              <a:lnSpc>
+                <a:spcPct val="100000"/>
+              </a:lnSpc>
+              <a:spcBef>
+                <a:spcPts val="0"/>
+              </a:spcBef>
+              <a:spcAft>
+                <a:spcPts val="0"/>
+              </a:spcAft>
+              <a:buClrTx/>
+              <a:buSzTx/>
+              <a:buFontTx/>
+              <a:buNone/>
+              <a:tabLst/>
+              <a:defRPr/>
+            </a:pPr>
+            <a:r>
+              <a:rPr lang="de-DE" dirty="0"/>
+              <a:t>:= Korrelationen zwischen </a:t>
+            </a:r>
+            <a:r>
+              <a:rPr lang="de-DE" dirty="0" err="1"/>
+              <a:t>Traits</a:t>
+            </a:r>
+            <a:r>
+              <a:rPr lang="de-DE" dirty="0"/>
+              <a:t>, die mit jeweils </a:t>
+            </a:r>
+            <a:r>
+              <a:rPr lang="de-DE" i="1" dirty="0"/>
+              <a:t>verschiedenen</a:t>
+            </a:r>
+            <a:r>
+              <a:rPr lang="de-DE" dirty="0"/>
+              <a:t> Methoden gemessen wurden</a:t>
+            </a:r>
+          </a:p>
+          <a:p>
+            <a:pPr marL="0" indent="0">
+              <a:buFontTx/>
+              <a:buNone/>
+            </a:pPr>
+            <a:endParaRPr lang="de-DE" dirty="0">
+              <a:sym typeface="Wingdings" pitchFamily="2" charset="2"/>
+            </a:endParaRPr>
+          </a:p>
+          <a:p>
+            <a:pPr marL="228600" indent="-228600">
+              <a:buFontTx/>
+              <a:buAutoNum type="arabicParenR" startAt="4"/>
+            </a:pPr>
+            <a:r>
+              <a:rPr lang="de-DE" dirty="0">
+                <a:sym typeface="Wingdings" pitchFamily="2" charset="2"/>
+              </a:rPr>
+              <a:t>„Hauptdiagonalen der Nebendiagonalen“ </a:t>
+            </a:r>
+            <a:r>
+              <a:rPr lang="de-DE" i="1" dirty="0" err="1">
+                <a:sym typeface="Wingdings" pitchFamily="2" charset="2"/>
+              </a:rPr>
+              <a:t>Monotrait-Heteromethod</a:t>
+            </a:r>
+            <a:endParaRPr lang="de-DE" dirty="0">
+              <a:sym typeface="Wingdings" pitchFamily="2" charset="2"/>
+            </a:endParaRPr>
+          </a:p>
+          <a:p>
+            <a:pPr marL="0" indent="0">
+              <a:buFont typeface="+mj-lt"/>
+              <a:buNone/>
+            </a:pPr>
+            <a:r>
+              <a:rPr lang="de-DE" dirty="0">
+                <a:sym typeface="Wingdings" pitchFamily="2" charset="2"/>
+              </a:rPr>
+              <a:t>:= Korrelation desselben Konstruktes, welches mit verschiedenen Methoden erfasst wurde </a:t>
+            </a:r>
+          </a:p>
+          <a:p>
+            <a:pPr marL="0" indent="0">
+              <a:buFont typeface="+mj-lt"/>
+              <a:buNone/>
+            </a:pPr>
+            <a:r>
+              <a:rPr lang="de-DE" dirty="0">
+                <a:sym typeface="Wingdings" pitchFamily="2" charset="2"/>
+              </a:rPr>
+              <a:t>Hinweis: konvergente Koeffizienten, sollten möglichst hoch sein</a:t>
+            </a:r>
+          </a:p>
+          <a:p>
+            <a:pPr marL="0" indent="0">
+              <a:buFontTx/>
+              <a:buNone/>
+            </a:pPr>
+            <a:endParaRPr lang="de-DE" dirty="0">
+              <a:sym typeface="Wingdings" pitchFamily="2" charset="2"/>
+            </a:endParaRPr>
+          </a:p>
+          <a:p>
+            <a:pPr marL="0" marR="0" lvl="0" indent="0" algn="l" defTabSz="914400" rtl="0" eaLnBrk="1" fontAlgn="auto" latinLnBrk="0" hangingPunct="1">
+              <a:lnSpc>
+                <a:spcPct val="100000"/>
+              </a:lnSpc>
+              <a:spcBef>
+                <a:spcPts val="0"/>
+              </a:spcBef>
+              <a:spcAft>
+                <a:spcPts val="0"/>
+              </a:spcAft>
+              <a:buClrTx/>
+              <a:buSzTx/>
+              <a:buFontTx/>
+              <a:buNone/>
+              <a:tabLst/>
+              <a:defRPr/>
+            </a:pPr>
+            <a:r>
+              <a:rPr lang="de-DE" dirty="0">
+                <a:sym typeface="Wingdings" pitchFamily="2" charset="2"/>
+              </a:rPr>
+              <a:t>5) Die anderen Koeffizienten:  </a:t>
+            </a:r>
+          </a:p>
+          <a:p>
+            <a:pPr marL="0" marR="0" lvl="0" indent="0" algn="l" defTabSz="914400" rtl="0" eaLnBrk="1" fontAlgn="auto" latinLnBrk="0" hangingPunct="1">
+              <a:lnSpc>
+                <a:spcPct val="100000"/>
+              </a:lnSpc>
+              <a:spcBef>
+                <a:spcPts val="0"/>
+              </a:spcBef>
+              <a:spcAft>
+                <a:spcPts val="0"/>
+              </a:spcAft>
+              <a:buClrTx/>
+              <a:buSzTx/>
+              <a:buFontTx/>
+              <a:buNone/>
+              <a:tabLst/>
+              <a:defRPr/>
+            </a:pPr>
+            <a:r>
+              <a:rPr lang="de-DE" dirty="0">
+                <a:sym typeface="Wingdings" pitchFamily="2" charset="2"/>
+              </a:rPr>
+              <a:t>-  </a:t>
+            </a:r>
+            <a:r>
+              <a:rPr lang="de-DE" dirty="0" err="1">
+                <a:sym typeface="Wingdings" pitchFamily="2" charset="2"/>
+              </a:rPr>
+              <a:t>Monomethod</a:t>
+            </a:r>
+            <a:r>
+              <a:rPr lang="de-DE" dirty="0">
+                <a:sym typeface="Wingdings" pitchFamily="2" charset="2"/>
+              </a:rPr>
+              <a:t>-Koeffizienten (Mono-</a:t>
+            </a:r>
+            <a:r>
+              <a:rPr lang="de-DE" dirty="0" err="1">
+                <a:sym typeface="Wingdings" pitchFamily="2" charset="2"/>
+              </a:rPr>
+              <a:t>method</a:t>
+            </a:r>
+            <a:r>
+              <a:rPr lang="de-DE" dirty="0">
+                <a:sym typeface="Wingdings" pitchFamily="2" charset="2"/>
+              </a:rPr>
+              <a:t> Blöcke)</a:t>
+            </a:r>
+          </a:p>
+          <a:p>
+            <a:pPr marL="171450" marR="0" lvl="0" indent="-171450" algn="l" defTabSz="914400" rtl="0" eaLnBrk="1" fontAlgn="auto" latinLnBrk="0" hangingPunct="1">
+              <a:lnSpc>
+                <a:spcPct val="100000"/>
+              </a:lnSpc>
+              <a:spcBef>
+                <a:spcPts val="0"/>
+              </a:spcBef>
+              <a:spcAft>
+                <a:spcPts val="0"/>
+              </a:spcAft>
+              <a:buClrTx/>
+              <a:buSzTx/>
               <a:buFontTx/>
               <a:buChar char="-"/>
-            </a:pPr>
+              <a:tabLst/>
+              <a:defRPr/>
+            </a:pPr>
+            <a:r>
+              <a:rPr lang="de-DE" dirty="0" err="1">
+                <a:sym typeface="Wingdings" pitchFamily="2" charset="2"/>
+              </a:rPr>
+              <a:t>Heteromethod</a:t>
+            </a:r>
             <a:r>
               <a:rPr lang="de-DE" dirty="0">
                 <a:sym typeface="Wingdings" pitchFamily="2" charset="2"/>
               </a:rPr>
-              <a:t>Kriterium als Nachweis für die konvergente </a:t>
+              <a:t> (Hetero-</a:t>
             </a:r>
             <a:r>
               <a:rPr lang="de-DE" dirty="0" err="1">
                 <a:sym typeface="Wingdings" pitchFamily="2" charset="2"/>
               </a:rPr>
-              <a:t>Validtät</a:t>
+              <a:t>method</a:t>
             </a:r>
             <a:r>
               <a:rPr lang="de-DE" dirty="0">
                 <a:sym typeface="Wingdings" pitchFamily="2" charset="2"/>
               </a:rPr>
-              <a:t>:</a:t>
-            </a:r>
-          </a:p>
-          <a:p>
-            <a:pPr marL="628650" lvl="1" indent="-171450">
+              <a:t> Blöcke)</a:t>
+            </a:r>
+          </a:p>
+          <a:p>
+            <a:pPr marL="0" marR="0" lvl="0" indent="0" algn="l" defTabSz="914400" rtl="0" eaLnBrk="1" fontAlgn="auto" latinLnBrk="0" hangingPunct="1">
+              <a:lnSpc>
+                <a:spcPct val="100000"/>
+              </a:lnSpc>
+              <a:spcBef>
+                <a:spcPts val="0"/>
+              </a:spcBef>
+              <a:spcAft>
+                <a:spcPts val="0"/>
+              </a:spcAft>
+              <a:buClrTx/>
+              <a:buSzTx/>
               <a:buFontTx/>
-              <a:buChar char="-"/>
+              <a:buNone/>
+              <a:tabLst/>
+              <a:defRPr/>
             </a:pPr>
             <a:r>
               <a:rPr lang="de-DE" dirty="0">
                 <a:sym typeface="Wingdings" pitchFamily="2" charset="2"/>
               </a:rPr>
-              <a:t>Konvergente Koeffizienten sollten statistisch signifikant von Null verschieden sein und hoch sein (kein absolutes Maß für die Höhe von Campbell &amp; Fiske vorgegeben). Falls das nicht der Fall ist, muss man nachdenken, ob die verschiedenen Methoden nicht doch verschiedene Konstrukte messen</a:t>
-            </a:r>
-          </a:p>
-          <a:p>
-            <a:pPr marL="171450" lvl="0" indent="-171450">
-              <a:buFontTx/>
-              <a:buChar char="-"/>
-            </a:pPr>
+              <a:t>Hinweis: </a:t>
+            </a:r>
+            <a:r>
+              <a:rPr lang="de-DE" i="1" dirty="0" err="1">
+                <a:sym typeface="Wingdings" pitchFamily="2" charset="2"/>
+              </a:rPr>
+              <a:t>diskriminante</a:t>
+            </a:r>
             <a:r>
               <a:rPr lang="de-DE" dirty="0">
                 <a:sym typeface="Wingdings" pitchFamily="2" charset="2"/>
               </a:rPr>
-              <a:t>Nachweis diskriminante Validität</a:t>
-            </a:r>
-          </a:p>
-          <a:p>
-            <a:pPr marL="628650" lvl="1" indent="-171450">
+              <a:t>  (nicht konvergente) Koeffizienten</a:t>
+            </a:r>
+          </a:p>
+          <a:p>
+            <a:pPr marL="0" indent="0">
               <a:buFontTx/>
-              <a:buChar char="-"/>
-            </a:pPr>
+              <a:buNone/>
+            </a:pPr>
+            <a:endParaRPr lang="de-DE" dirty="0">
+              <a:sym typeface="Wingdings" pitchFamily="2" charset="2"/>
+            </a:endParaRPr>
+          </a:p>
+          <a:p>
+            <a:pPr marL="0" indent="0">
+              <a:buFontTx/>
+              <a:buNone/>
+            </a:pPr>
+            <a:r>
+              <a:rPr lang="de-DE" u="sng" dirty="0">
+                <a:sym typeface="Wingdings" pitchFamily="2" charset="2"/>
+              </a:rPr>
+              <a:t>Crux</a:t>
+            </a:r>
             <a:r>
               <a:rPr lang="de-DE" dirty="0">
                 <a:sym typeface="Wingdings" pitchFamily="2" charset="2"/>
               </a:rPr>
-              <a:t>HTMM-Koeffizienten sollten kleiner ausfallen als die MTHT (konvergenten Koeffizienten)</a:t>
-            </a:r>
-          </a:p>
-          <a:p>
-            <a:pPr marL="628650" lvl="1" indent="-171450">
-              <a:buFontTx/>
-              <a:buChar char="-"/>
-            </a:pPr>
+              <a:t>: </a:t>
+            </a:r>
+            <a:r>
+              <a:rPr lang="de-DE" dirty="0" err="1">
+                <a:sym typeface="Wingdings" pitchFamily="2" charset="2"/>
+              </a:rPr>
+              <a:t>diskriminante</a:t>
+            </a:r>
             <a:r>
               <a:rPr lang="de-DE" dirty="0">
                 <a:sym typeface="Wingdings" pitchFamily="2" charset="2"/>
               </a:rPr>
-              <a:t>HTHM-Koeffizienten sollten niedriger ausfallen als die konvergenten Koeffizienten). Falls nicht, dann unterscheiden die Messungen nicht zwischen verschiedenen Konstrukten</a:t>
-            </a:r>
-          </a:p>
-          <a:p>
-            <a:pPr marL="628650" lvl="1" indent="-171450">
+              <a:t> mit konvergenten Koeffizienten vergleichen</a:t>
+            </a:r>
+          </a:p>
+          <a:p>
+            <a:pPr marL="0" indent="0">
               <a:buFontTx/>
-              <a:buChar char="-"/>
-            </a:pPr>
+              <a:buNone/>
+            </a:pPr>
+            <a:r>
+              <a:rPr lang="de-DE" u="sng" dirty="0">
+                <a:sym typeface="Wingdings" pitchFamily="2" charset="2"/>
+              </a:rPr>
+              <a:t>Ziel</a:t>
+            </a:r>
             <a:r>
               <a:rPr lang="de-DE" dirty="0">
                 <a:sym typeface="Wingdings" pitchFamily="2" charset="2"/>
               </a:rPr>
-              <a:t>Muster der </a:t>
+              <a:t>: </a:t>
+            </a:r>
+            <a:r>
+              <a:rPr lang="de-DE" i="1" dirty="0">
+                <a:sym typeface="Wingdings" pitchFamily="2" charset="2"/>
+              </a:rPr>
+              <a:t>konvergenten Koeffizienten </a:t>
+            </a:r>
+            <a:r>
+              <a:rPr lang="de-DE" dirty="0">
+                <a:sym typeface="Wingdings" pitchFamily="2" charset="2"/>
+              </a:rPr>
+              <a:t>&gt; </a:t>
+            </a:r>
+            <a:r>
+              <a:rPr lang="de-DE" i="1" dirty="0" err="1">
+                <a:sym typeface="Wingdings" pitchFamily="2" charset="2"/>
+              </a:rPr>
+              <a:t>diskriminanten</a:t>
+            </a:r>
+            <a:r>
+              <a:rPr lang="de-DE" i="1" dirty="0">
+                <a:sym typeface="Wingdings" pitchFamily="2" charset="2"/>
+              </a:rPr>
+              <a:t> Koeffizienten</a:t>
+            </a:r>
+            <a:r>
+              <a:rPr lang="de-DE" dirty="0">
+                <a:sym typeface="Wingdings" pitchFamily="2" charset="2"/>
+              </a:rPr>
+              <a:t> </a:t>
+            </a:r>
+          </a:p>
+          <a:p>
+            <a:pPr marL="0" indent="0">
+              <a:buFontTx/>
+              <a:buNone/>
+            </a:pPr>
+            <a:endParaRPr lang="de-DE" dirty="0">
+              <a:sym typeface="Wingdings" pitchFamily="2" charset="2"/>
+            </a:endParaRPr>
+          </a:p>
+          <a:p>
+            <a:pPr marL="0" indent="0">
+              <a:buFontTx/>
+              <a:buNone/>
+            </a:pPr>
+            <a:r>
+              <a:rPr lang="de-DE" dirty="0">
+                <a:sym typeface="Wingdings" pitchFamily="2" charset="2"/>
+              </a:rPr>
+              <a:t>---</a:t>
+            </a:r>
+          </a:p>
+          <a:p>
+            <a:pPr marL="0" indent="0">
+              <a:buFontTx/>
+              <a:buNone/>
+            </a:pPr>
+            <a:endParaRPr lang="de-DE" dirty="0">
+              <a:sym typeface="Wingdings" pitchFamily="2" charset="2"/>
+            </a:endParaRPr>
+          </a:p>
+          <a:p>
+            <a:pPr marL="0" indent="0">
+              <a:buFontTx/>
+              <a:buNone/>
+            </a:pPr>
+            <a:r>
+              <a:rPr lang="de-DE" dirty="0">
+                <a:sym typeface="Wingdings" pitchFamily="2" charset="2"/>
+              </a:rPr>
+              <a:t>Was ist nun also unser Kriterium zum Nachweis konvergenter Validität?</a:t>
+            </a:r>
+          </a:p>
+          <a:p>
+            <a:pPr marL="0" indent="0">
+              <a:buFontTx/>
+              <a:buNone/>
+            </a:pPr>
+            <a:r>
+              <a:rPr lang="de-DE" dirty="0">
+                <a:sym typeface="Wingdings" pitchFamily="2" charset="2"/>
+              </a:rPr>
+              <a:t>Konvergente Koeffizienten, sollten…</a:t>
+            </a:r>
+          </a:p>
+          <a:p>
+            <a:pPr marL="228600" indent="-228600">
+              <a:buFontTx/>
+              <a:buAutoNum type="arabicParenBoth"/>
+            </a:pPr>
+            <a:r>
+              <a:rPr lang="de-DE" dirty="0">
+                <a:sym typeface="Wingdings" pitchFamily="2" charset="2"/>
+              </a:rPr>
+              <a:t> signifikant von Null verschieden, </a:t>
+            </a:r>
+          </a:p>
+          <a:p>
+            <a:pPr marL="228600" indent="-228600">
+              <a:buFontTx/>
+              <a:buAutoNum type="arabicParenBoth"/>
+            </a:pPr>
+            <a:r>
+              <a:rPr lang="de-DE" dirty="0">
+                <a:sym typeface="Wingdings" pitchFamily="2" charset="2"/>
+              </a:rPr>
+              <a:t> vergleichsweise hoch ("von Campbell &amp; Fiske vorgegeben). </a:t>
+            </a:r>
+          </a:p>
+          <a:p>
+            <a:pPr marL="0" indent="0">
+              <a:buFontTx/>
+              <a:buNone/>
+            </a:pPr>
+            <a:r>
+              <a:rPr lang="de-DE" dirty="0">
+                <a:sym typeface="Wingdings" pitchFamily="2" charset="2"/>
+              </a:rPr>
+              <a:t>Warum? Falls nicht, muss man nachdenken, ob die verschiedenen Methoden nicht doch verschiedene Konstrukte messen</a:t>
+            </a:r>
+          </a:p>
+          <a:p>
+            <a:pPr marL="0" indent="0">
+              <a:buFontTx/>
+              <a:buNone/>
+            </a:pPr>
+            <a:endParaRPr lang="de-DE" dirty="0">
+              <a:sym typeface="Wingdings" pitchFamily="2" charset="2"/>
+            </a:endParaRPr>
+          </a:p>
+          <a:p>
+            <a:pPr marL="0" indent="0">
+              <a:buFontTx/>
+              <a:buNone/>
+            </a:pPr>
+            <a:r>
+              <a:rPr lang="de-DE" dirty="0">
+                <a:sym typeface="Wingdings" pitchFamily="2" charset="2"/>
+              </a:rPr>
+              <a:t>Was ist nun also unser Kriterium zum Nachweis </a:t>
             </a:r>
             <a:r>
               <a:rPr lang="de-DE" dirty="0" err="1">
                 <a:sym typeface="Wingdings" pitchFamily="2" charset="2"/>
               </a:rPr>
-              <a:t>Koeffelationskoefizienten</a:t>
+              <a:t>diskriminanter</a:t>
             </a:r>
             <a:r>
               <a:rPr lang="de-DE" dirty="0">
                 <a:sym typeface="Wingdings" pitchFamily="2" charset="2"/>
               </a:rPr>
-              <a:t> sollten innerhalb einer Methode (unter </a:t>
-            </a:r>
-            <a:r>
-              <a:rPr lang="de-DE" dirty="0" err="1">
-                <a:sym typeface="Wingdings" pitchFamily="2" charset="2"/>
-              </a:rPr>
-              <a:t>Rel</a:t>
-            </a:r>
+              <a:t> Validität?</a:t>
+            </a:r>
+          </a:p>
+          <a:p>
+            <a:pPr marL="0" indent="0">
+              <a:buFontTx/>
+              <a:buNone/>
+            </a:pPr>
             <a:r>
               <a:rPr lang="de-DE" dirty="0">
                 <a:sym typeface="Wingdings" pitchFamily="2" charset="2"/>
               </a:rPr>
-              <a:t>-Diagonale) und zwischen den Methoden (Dreiecksmatrizen unter- und oberhalb der </a:t>
-            </a:r>
-            <a:r>
-              <a:rPr lang="de-DE" dirty="0" err="1">
-                <a:sym typeface="Wingdings" pitchFamily="2" charset="2"/>
-              </a:rPr>
-              <a:t>Validitätsdiagonale</a:t>
-            </a:r>
+              <a:t>HTMM-Koeffizienten &lt; MTHM (konvergenten Koeffizienten)</a:t>
+            </a:r>
+          </a:p>
+          <a:p>
+            <a:pPr marL="0" marR="0" lvl="0" indent="0" algn="l" defTabSz="914400" rtl="0" eaLnBrk="1" fontAlgn="auto" latinLnBrk="0" hangingPunct="1">
+              <a:lnSpc>
+                <a:spcPct val="100000"/>
+              </a:lnSpc>
+              <a:spcBef>
+                <a:spcPts val="0"/>
+              </a:spcBef>
+              <a:spcAft>
+                <a:spcPts val="0"/>
+              </a:spcAft>
+              <a:buClrTx/>
+              <a:buSzTx/>
+              <a:buFontTx/>
+              <a:buNone/>
+              <a:tabLst/>
+              <a:defRPr/>
+            </a:pPr>
             <a:r>
               <a:rPr lang="de-DE" dirty="0">
                 <a:sym typeface="Wingdings" pitchFamily="2" charset="2"/>
               </a:rPr>
-              <a:t>)in etwa gleich sein; exaktes Kriterium für die Übereinstimmung nicht gegeben (</a:t>
-            </a:r>
-            <a:r>
-              <a:rPr lang="de-DE" dirty="0" err="1">
-                <a:sym typeface="Wingdings" pitchFamily="2" charset="2"/>
-              </a:rPr>
-              <a:t>Hint</a:t>
-            </a:r>
+              <a:t>Warum? Falls nicht, unterscheiden unsere Messungen nicht zwischen verschiedenen Konstrukten</a:t>
+            </a:r>
+          </a:p>
+          <a:p>
+            <a:pPr marL="0" indent="0">
+              <a:buFontTx/>
+              <a:buNone/>
+            </a:pPr>
+            <a:endParaRPr lang="de-DE" dirty="0">
+              <a:sym typeface="Wingdings" pitchFamily="2" charset="2"/>
+            </a:endParaRPr>
+          </a:p>
+          <a:p>
+            <a:pPr marL="0" indent="0">
+              <a:buFontTx/>
+              <a:buNone/>
+            </a:pPr>
             <a:r>
               <a:rPr lang="de-DE" dirty="0">
                 <a:sym typeface="Wingdings" pitchFamily="2" charset="2"/>
               </a:rPr>
-              <a:t>: erhöhte Korrelationen innerhalb einer Methode und erhöhte Korrelationen verschiedener Trait zwischen verschiedenen Methoden könnten auf Methodeneffekte hinweisen)</a:t>
-            </a:r>
-          </a:p>
-          <a:p>
-            <a:pPr marL="171450" indent="-171450">
+              <a:t>----</a:t>
+            </a:r>
+          </a:p>
+          <a:p>
+            <a:pPr marL="0" indent="0">
               <a:buFontTx/>
-              <a:buChar char="-"/>
+              <a:buNone/>
+            </a:pPr>
+            <a:endParaRPr lang="de-DE" dirty="0">
+              <a:sym typeface="Wingdings" pitchFamily="2" charset="2"/>
+            </a:endParaRPr>
+          </a:p>
+          <a:p>
+            <a:pPr marL="0" indent="0">
+              <a:buFontTx/>
+              <a:buNone/>
             </a:pPr>
             <a:r>
               <a:rPr lang="de-DE" dirty="0">
                 <a:sym typeface="Wingdings" pitchFamily="2" charset="2"/>
               </a:rPr>
-              <a:t>Wenn einzelne Vergleiche nicht den Annahmen entsprechen oder einzelne Kriterien unerfüllt bleiben, spricht das nicht komplett gegen die Konstruktvalidität  es gibt keine verbindlichen Regeln dafür, ab wann K-Validität gegeben ist; das muss man als Beurteiler selbst vorher festlegt</a:t>
-            </a:r>
-          </a:p>
-          <a:p>
-            <a:pPr marL="171450" indent="-171450">
+              <a:t>Hinweis: sind manche Annahmen nicht erfüllt, spricht das allerdings nicht komplett gegen die Konstruktvalidität!</a:t>
+            </a:r>
+          </a:p>
+          <a:p>
+            <a:pPr marL="0" indent="0">
               <a:buFontTx/>
-              <a:buChar char="-"/>
+              <a:buNone/>
             </a:pPr>
             <a:r>
               <a:rPr lang="de-DE" dirty="0">
                 <a:sym typeface="Wingdings" pitchFamily="2" charset="2"/>
               </a:rPr>
-              <a:t>Verfahren kann kritisiert werden, da Testwerte z.B. messfehlerbehaftet sind; deshalb wurde es erweitert um faktorenanalytische Verfahren</a:t>
-            </a:r>
-          </a:p>
-          <a:p>
-            <a:pPr marL="171450" indent="-171450">
+              <a:t>(z.B. Probleme von Korrelationen)</a:t>
+            </a:r>
+          </a:p>
+          <a:p>
+            <a:pPr marL="0" indent="0">
               <a:buFontTx/>
-              <a:buChar char="-"/>
+              <a:buNone/>
+            </a:pPr>
+            <a:endParaRPr lang="de-DE" dirty="0">
+              <a:sym typeface="Wingdings" pitchFamily="2" charset="2"/>
+            </a:endParaRPr>
+          </a:p>
+          <a:p>
+            <a:pPr marL="0" indent="0">
+              <a:buFontTx/>
+              <a:buNone/>
             </a:pPr>
             <a:r>
               <a:rPr lang="de-DE" dirty="0">
                 <a:sym typeface="Wingdings" pitchFamily="2" charset="2"/>
               </a:rPr>
-              <a:t>Hinweis: MTMM-Methode kann auch zentral sein bei der Überprüfung des nomologischen Netzes (</a:t>
-            </a:r>
-            <a:r>
-              <a:rPr lang="de-DE" dirty="0" err="1">
-                <a:sym typeface="Wingdings" pitchFamily="2" charset="2"/>
-              </a:rPr>
-              <a:t>Moosbrugger</a:t>
-            </a:r>
+              <a:t>Letztlich gibt es keine verbindlichen Regeln dafür, ab wann K-Validität gegeben ist; das müssen sie als Beurteiler selbst vorher festlegen!</a:t>
+            </a:r>
+          </a:p>
+          <a:p>
+            <a:pPr marL="0" indent="0">
+              <a:buFontTx/>
+              <a:buNone/>
+            </a:pPr>
+            <a:endParaRPr lang="de-DE" dirty="0">
+              <a:sym typeface="Wingdings" pitchFamily="2" charset="2"/>
+            </a:endParaRPr>
+          </a:p>
+          <a:p>
+            <a:pPr marL="0" indent="0">
+              <a:buFontTx/>
+              <a:buNone/>
+            </a:pPr>
             <a:r>
               <a:rPr lang="de-DE" dirty="0">
                 <a:sym typeface="Wingdings" pitchFamily="2" charset="2"/>
               </a:rPr>
-              <a:t> &amp; </a:t>
-            </a:r>
-            <a:r>
-              <a:rPr lang="de-DE" dirty="0" err="1">
-                <a:sym typeface="Wingdings" pitchFamily="2" charset="2"/>
-              </a:rPr>
-              <a:t>Kelava</a:t>
-            </a:r>
-            <a:r>
-              <a:rPr lang="de-DE" dirty="0">
-                <a:sym typeface="Wingdings" pitchFamily="2" charset="2"/>
-              </a:rPr>
-              <a:t>, 2020, S. 34)</a:t>
-            </a:r>
-            <a:endParaRPr lang="de-DE" dirty="0"/>
+              <a:t>Wichtig: Auch hier wieder -- Statistik liefert lediglich Indizien (Symptome), die Diagnose stellen SIE!</a:t>
+            </a:r>
           </a:p>
         </p:txBody>
       </p:sp>
@@ -5002,13 +6674,165 @@
           <a:bodyPr/>
           <a:lstStyle/>
           <a:p>
-            <a:pPr marL="171450" indent="-171450">
+            <a:pPr marL="0" indent="0">
               <a:buFontTx/>
-              <a:buChar char="-"/>
+              <a:buNone/>
             </a:pPr>
             <a:r>
               <a:rPr lang="de-DE" dirty="0"/>
-              <a:t>Man spricht dann davon, dass die Test</a:t>
+              <a:t>Abschließend: </a:t>
+            </a:r>
+            <a:r>
+              <a:rPr lang="de-DE" dirty="0" err="1"/>
+              <a:t>Kriteriumsvalitdität</a:t>
+            </a:r>
+            <a:endParaRPr lang="de-DE" dirty="0"/>
+          </a:p>
+          <a:p>
+            <a:pPr marL="0" indent="0">
+              <a:buFontTx/>
+              <a:buNone/>
+            </a:pPr>
+            <a:endParaRPr lang="de-DE" dirty="0"/>
+          </a:p>
+          <a:p>
+            <a:pPr marL="0" indent="0">
+              <a:buFontTx/>
+              <a:buNone/>
+            </a:pPr>
+            <a:r>
+              <a:rPr lang="de-DE" u="sng" dirty="0"/>
+              <a:t>Rückfrage</a:t>
+            </a:r>
+            <a:r>
+              <a:rPr lang="de-DE" dirty="0"/>
+              <a:t>: Wissen Sie noch wann ein Test „Kriteriums-</a:t>
+            </a:r>
+            <a:r>
+              <a:rPr lang="de-DE" dirty="0" err="1"/>
+              <a:t>validie</a:t>
+            </a:r>
+            <a:r>
+              <a:rPr lang="de-DE" dirty="0"/>
+              <a:t>“ ist?</a:t>
+            </a:r>
+          </a:p>
+          <a:p>
+            <a:pPr marL="0" marR="0" lvl="0" indent="0" algn="l" defTabSz="914400" rtl="0" eaLnBrk="1" fontAlgn="auto" latinLnBrk="0" hangingPunct="1">
+              <a:lnSpc>
+                <a:spcPct val="100000"/>
+              </a:lnSpc>
+              <a:spcBef>
+                <a:spcPts val="0"/>
+              </a:spcBef>
+              <a:spcAft>
+                <a:spcPts val="0"/>
+              </a:spcAft>
+              <a:buClrTx/>
+              <a:buSzTx/>
+              <a:buFontTx/>
+              <a:buNone/>
+              <a:tabLst/>
+              <a:defRPr/>
+            </a:pPr>
+            <a:r>
+              <a:rPr lang="de-DE" dirty="0"/>
+              <a:t>-&gt;</a:t>
+            </a:r>
+            <a:r>
+              <a:rPr lang="de-DE" sz="1200" dirty="0">
+                <a:solidFill>
+                  <a:schemeClr val="tx1"/>
+                </a:solidFill>
+                <a:latin typeface="Arial" panose="020B0604020202020204" pitchFamily="34" charset="0"/>
+                <a:cs typeface="Arial" panose="020B0604020202020204" pitchFamily="34" charset="0"/>
+                <a:sym typeface="Symbol" pitchFamily="2" charset="2"/>
+              </a:rPr>
+              <a:t> wenn wir von einem </a:t>
+            </a:r>
+            <a:r>
+              <a:rPr lang="de-DE" sz="1200" dirty="0" err="1">
+                <a:solidFill>
+                  <a:srgbClr val="00727E"/>
+                </a:solidFill>
+                <a:latin typeface="Arial" panose="020B0604020202020204" pitchFamily="34" charset="0"/>
+                <a:cs typeface="Arial" panose="020B0604020202020204" pitchFamily="34" charset="0"/>
+                <a:sym typeface="Symbol" pitchFamily="2" charset="2"/>
+              </a:rPr>
+              <a:t>Testwert</a:t>
+            </a:r>
+            <a:r>
+              <a:rPr lang="de-DE" sz="1200" dirty="0">
+                <a:solidFill>
+                  <a:schemeClr val="tx1"/>
+                </a:solidFill>
+                <a:latin typeface="Arial" panose="020B0604020202020204" pitchFamily="34" charset="0"/>
+                <a:cs typeface="Arial" panose="020B0604020202020204" pitchFamily="34" charset="0"/>
+                <a:sym typeface="Symbol" pitchFamily="2" charset="2"/>
+              </a:rPr>
+              <a:t> […] erfolgreich </a:t>
+            </a:r>
+            <a:r>
+              <a:rPr lang="de-DE" sz="1200" dirty="0">
+                <a:solidFill>
+                  <a:srgbClr val="00727E"/>
+                </a:solidFill>
+                <a:latin typeface="Arial" panose="020B0604020202020204" pitchFamily="34" charset="0"/>
+                <a:cs typeface="Arial" panose="020B0604020202020204" pitchFamily="34" charset="0"/>
+                <a:sym typeface="Symbol" pitchFamily="2" charset="2"/>
+              </a:rPr>
+              <a:t>auf ein ‚Kriterium‘ </a:t>
+            </a:r>
+            <a:r>
+              <a:rPr lang="de-DE" sz="1200" dirty="0">
+                <a:solidFill>
+                  <a:schemeClr val="tx1"/>
+                </a:solidFill>
+                <a:latin typeface="Arial" panose="020B0604020202020204" pitchFamily="34" charset="0"/>
+                <a:cs typeface="Arial" panose="020B0604020202020204" pitchFamily="34" charset="0"/>
+                <a:sym typeface="Symbol" pitchFamily="2" charset="2"/>
+              </a:rPr>
+              <a:t>[…] </a:t>
+            </a:r>
+            <a:r>
+              <a:rPr lang="de-DE" sz="1200" dirty="0">
+                <a:solidFill>
+                  <a:srgbClr val="00727E"/>
+                </a:solidFill>
+                <a:latin typeface="Arial" panose="020B0604020202020204" pitchFamily="34" charset="0"/>
+                <a:cs typeface="Arial" panose="020B0604020202020204" pitchFamily="34" charset="0"/>
+                <a:sym typeface="Symbol" pitchFamily="2" charset="2"/>
+              </a:rPr>
+              <a:t>extrapolieren</a:t>
+            </a:r>
+            <a:r>
+              <a:rPr lang="de-DE" sz="1200" dirty="0">
+                <a:solidFill>
+                  <a:schemeClr val="tx1"/>
+                </a:solidFill>
+                <a:latin typeface="Arial" panose="020B0604020202020204" pitchFamily="34" charset="0"/>
+                <a:cs typeface="Arial" panose="020B0604020202020204" pitchFamily="34" charset="0"/>
+                <a:sym typeface="Symbol" pitchFamily="2" charset="2"/>
+              </a:rPr>
+              <a:t> können kann. </a:t>
+            </a:r>
+            <a:endParaRPr lang="de-DE" dirty="0"/>
+          </a:p>
+          <a:p>
+            <a:pPr marL="0" indent="0">
+              <a:buFontTx/>
+              <a:buNone/>
+            </a:pPr>
+            <a:endParaRPr lang="de-DE" dirty="0"/>
+          </a:p>
+          <a:p>
+            <a:pPr marL="0" indent="0">
+              <a:buFontTx/>
+              <a:buNone/>
+            </a:pPr>
+            <a:r>
+              <a:rPr lang="de-DE" dirty="0"/>
+              <a:t>Wichtige Formulierung: man spricht dann davon, dass die Test</a:t>
             </a:r>
             <a:r>
               <a:rPr lang="de-DE" b="1" dirty="0"/>
@@ -5016,46 +6840,159 @@
             </a:r>
             <a:r>
               <a:rPr lang="de-DE" dirty="0"/>
-              <a:t> valide sind bzgl. des jeweiligen Kriteriums</a:t>
-            </a:r>
-          </a:p>
-          <a:p>
-            <a:pPr marL="171450" indent="-171450">
+              <a:t> valide sind</a:t>
+            </a:r>
+          </a:p>
+          <a:p>
+            <a:pPr marL="0" indent="0">
               <a:buFontTx/>
-              <a:buChar char="-"/>
+              <a:buNone/>
             </a:pPr>
             <a:r>
               <a:rPr lang="de-DE" dirty="0"/>
-              <a:t>Am einfachsten durch die Berechnung von Korrelationen zwischen den Testwerten in der Testsituation mit Verhalten außerhalb der Testsituation (Kriterium)</a:t>
-            </a:r>
-          </a:p>
-          <a:p>
-            <a:pPr marL="171450" indent="-171450">
+              <a:t>– d.h. valide bzgl. des </a:t>
+            </a:r>
+            <a:r>
+              <a:rPr lang="de-DE" i="1" dirty="0"/>
+              <a:t>jeweiligen</a:t>
+            </a:r>
+            <a:r>
+              <a:rPr lang="de-DE" dirty="0"/>
+              <a:t> Kriteriums</a:t>
+            </a:r>
+          </a:p>
+          <a:p>
+            <a:pPr marL="0" indent="0">
               <a:buFontTx/>
-              <a:buChar char="-"/>
+              <a:buNone/>
+            </a:pPr>
+            <a:endParaRPr lang="de-DE" dirty="0"/>
+          </a:p>
+          <a:p>
+            <a:pPr marL="0" indent="0">
+              <a:buFontTx/>
+              <a:buNone/>
             </a:pPr>
             <a:r>
               <a:rPr lang="de-DE" dirty="0"/>
-              <a:t>Obwohl es sinnvoll ist, Hypothesen aus Theorien abzuleiten und die </a:t>
+              <a:t>Wie kann man Sie bestimmen?</a:t>
+            </a:r>
+          </a:p>
+          <a:p>
+            <a:pPr marL="0" indent="0">
+              <a:buFontTx/>
+              <a:buNone/>
+            </a:pPr>
+            <a:r>
+              <a:rPr lang="de-DE" dirty="0"/>
+              <a:t>-&gt; Korrelationen zwischen den Testwerten in der Testsituation mit Verhalten außerhalb der Testsituation (Außenkriterium)</a:t>
+            </a:r>
+          </a:p>
+          <a:p>
+            <a:pPr marL="0" indent="0">
+              <a:buFontTx/>
+              <a:buNone/>
+            </a:pPr>
+            <a:endParaRPr lang="de-DE" dirty="0"/>
+          </a:p>
+          <a:p>
+            <a:pPr marL="0" indent="0">
+              <a:buFontTx/>
+              <a:buNone/>
+            </a:pPr>
+            <a:r>
+              <a:rPr lang="de-DE" u="sng" dirty="0"/>
+              <a:t>Rückfrage</a:t>
+            </a:r>
+            <a:r>
+              <a:rPr lang="de-DE" dirty="0"/>
+              <a:t>: Fällt ihnen ein solches Außenkriterium ein?</a:t>
+            </a:r>
+          </a:p>
+          <a:p>
+            <a:pPr marL="0" indent="0">
+              <a:buFontTx/>
+              <a:buNone/>
+            </a:pPr>
+            <a:r>
+              <a:rPr lang="de-DE" dirty="0"/>
+              <a:t>z.B. Religiosität ~</a:t>
             </a:r>
             <a:r>
               <a:rPr lang="de-DE" dirty="0" err="1"/>
-              <a:t>Dimensionalität</a:t>
+              <a:t>Kirchgangshäufigkeit</a:t>
+            </a:r>
+            <a:endParaRPr lang="de-DE" dirty="0"/>
+          </a:p>
+          <a:p>
+            <a:pPr marL="0" indent="0">
+              <a:buFontTx/>
+              <a:buNone/>
+            </a:pPr>
+            <a:endParaRPr lang="de-DE" dirty="0"/>
+          </a:p>
+          <a:p>
+            <a:pPr marL="0" marR="0" lvl="0" indent="0" algn="l" defTabSz="914400" rtl="0" eaLnBrk="1" fontAlgn="auto" latinLnBrk="0" hangingPunct="1">
+              <a:lnSpc>
+                <a:spcPct val="100000"/>
+              </a:lnSpc>
+              <a:spcBef>
+                <a:spcPts val="0"/>
+              </a:spcBef>
+              <a:spcAft>
+                <a:spcPts val="0"/>
+              </a:spcAft>
+              <a:buClrTx/>
+              <a:buSzTx/>
+              <a:buFontTx/>
+              <a:buNone/>
+              <a:tabLst/>
+              <a:defRPr/>
+            </a:pPr>
+            <a:r>
+              <a:rPr lang="de-DE" u="sng" dirty="0"/>
+              <a:t>Rückfrage</a:t>
             </a:r>
             <a:r>
               <a:rPr lang="de-DE" dirty="0"/>
-              <a:t> genau zu untersuchen vorher, ist die Überprüfung der Kriteriumsvalidität an keine theoretischen Annahmen gebunden</a:t>
-            </a:r>
-          </a:p>
-          <a:p>
-            <a:pPr marL="171450" indent="-171450">
+              <a:t>: Was ist das Problem mit den Außenkriterien?</a:t>
+            </a:r>
+          </a:p>
+          <a:p>
+            <a:pPr marL="0" indent="0">
               <a:buFontTx/>
-              <a:buChar char="-"/>
+              <a:buNone/>
             </a:pPr>
             <a:r>
               <a:rPr lang="de-DE" dirty="0"/>
-              <a:t>Eignung von Kriterien: abhängig von dem Anwendungszweck – mit dem Test soll eine diagnostische Entscheidung getroffen werden; aus einem Schulleistungstest soll abgeleitet werden, wie erfolgreich jemand im Studium sein wird</a:t>
-            </a:r>
+              <a:t>-&gt; gute </a:t>
+            </a:r>
+            <a:r>
+              <a:rPr lang="de-DE"/>
+              <a:t>zu finden…</a:t>
+            </a:r>
+            <a:endParaRPr lang="de-DE" dirty="0"/>
+          </a:p>
+          <a:p>
+            <a:pPr marL="0" indent="0">
+              <a:buFontTx/>
+              <a:buNone/>
+            </a:pPr>
+            <a:endParaRPr lang="de-DE" dirty="0"/>
+          </a:p>
+          <a:p>
+            <a:pPr marL="0" indent="0">
+              <a:buFontTx/>
+              <a:buNone/>
+            </a:pPr>
+            <a:endParaRPr lang="de-DE" dirty="0"/>
+          </a:p>
+          <a:p>
+            <a:pPr marL="0" indent="0">
+              <a:buFontTx/>
+              <a:buNone/>
+            </a:pPr>
+            <a:endParaRPr lang="de-DE" dirty="0"/>
           </a:p>
         </p:txBody>
       </p:sp>
@@ -5139,31 +7076,114 @@
           <a:bodyPr/>
           <a:lstStyle/>
           <a:p>
-            <a:pPr marL="171450" indent="-171450">
+            <a:pPr marL="0" indent="0">
               <a:buFontTx/>
-              <a:buChar char="-"/>
+              <a:buNone/>
             </a:pPr>
             <a:r>
               <a:rPr lang="de-DE" dirty="0"/>
-              <a:t>Es werden verschiedene Arten der Kriteriumsvalidität unterschieden; Unterscheidung ergibt sich u.a. daraus, zu welchem Zeitpunkt das Kriterium erhoben wurde bzw. vorhanden war</a:t>
-            </a:r>
-          </a:p>
-          <a:p>
-            <a:pPr marL="171450" indent="-171450">
+              <a:t>Es gibt verschiedene Arten der </a:t>
+            </a:r>
+            <a:r>
+              <a:rPr lang="de-DE" dirty="0" err="1"/>
+              <a:t>Kriteriumsvalidität</a:t>
+            </a:r>
+            <a:endParaRPr lang="de-DE" dirty="0"/>
+          </a:p>
+          <a:p>
+            <a:pPr marL="0" indent="0">
               <a:buFontTx/>
-              <a:buChar char="-"/>
+              <a:buNone/>
+            </a:pPr>
+            <a:endParaRPr lang="de-DE" dirty="0"/>
+          </a:p>
+          <a:p>
+            <a:pPr marL="0" indent="0">
+              <a:buFontTx/>
+              <a:buNone/>
             </a:pPr>
             <a:r>
               <a:rPr lang="de-DE" dirty="0"/>
-              <a:t>Ausmaß, in dem ein Test die Vorhersage eines Kriteriums verbessert, wenn er zusätzlich zu anderen Verfahren in die Vorhersage aufgenommen wird (</a:t>
+              <a:t>Wichtig: Abhängigkeit vom Zeitpunkt – in dem das Kriterium auftrat/gemessen wurde!</a:t>
+            </a:r>
+          </a:p>
+          <a:p>
+            <a:pPr marL="0" indent="0">
+              <a:buFontTx/>
+              <a:buNone/>
+            </a:pPr>
+            <a:r>
+              <a:rPr lang="de-DE" dirty="0"/>
+              <a:t>(siehe Folie)</a:t>
+            </a:r>
+          </a:p>
+          <a:p>
+            <a:pPr marL="0" indent="0">
+              <a:buFontTx/>
+              <a:buNone/>
+            </a:pPr>
+            <a:endParaRPr lang="de-DE" dirty="0"/>
+          </a:p>
+          <a:p>
+            <a:pPr marL="0" indent="0">
+              <a:buFontTx/>
+              <a:buNone/>
+            </a:pPr>
+            <a:r>
+              <a:rPr lang="de-DE" dirty="0"/>
+              <a:t>Zu 4): z.B.: Wie verbessert sich meine Vorhersage von „Extraversion“ wenn ich „</a:t>
             </a:r>
             <a:r>
               <a:rPr lang="de-DE" dirty="0" err="1"/>
-              <a:t>inkrem</a:t>
+              <a:t>Agreeableness</a:t>
             </a:r>
             <a:r>
               <a:rPr lang="de-DE" dirty="0"/>
-              <a:t>. Validität)</a:t>
+              <a:t>“ (Items) zu meinem Tests hinzunehme?</a:t>
+            </a:r>
+          </a:p>
+          <a:p>
+            <a:pPr marL="0" indent="0">
+              <a:buFontTx/>
+              <a:buNone/>
+            </a:pPr>
+            <a:endParaRPr lang="de-DE" dirty="0"/>
+          </a:p>
+          <a:p>
+            <a:pPr marL="0" indent="0">
+              <a:buFontTx/>
+              <a:buNone/>
+            </a:pPr>
+            <a:r>
+              <a:rPr lang="de-DE" dirty="0"/>
+              <a:t>---</a:t>
+            </a:r>
+          </a:p>
+          <a:p>
+            <a:pPr marL="0" indent="0">
+              <a:buFontTx/>
+              <a:buNone/>
+            </a:pPr>
+            <a:endParaRPr lang="de-DE" dirty="0"/>
+          </a:p>
+          <a:p>
+            <a:pPr marL="0" indent="0">
+              <a:buFontTx/>
+              <a:buNone/>
+            </a:pPr>
+            <a:r>
+              <a:rPr lang="de-DE" dirty="0"/>
+              <a:t>Erinnerung: Damit schließt sich der Kreis – 2. Sitzung „Vokabelliste“ erstellt</a:t>
+            </a:r>
+          </a:p>
+          <a:p>
+            <a:pPr marL="0" indent="0">
+              <a:buFontTx/>
+              <a:buNone/>
+            </a:pPr>
+            <a:r>
+              <a:rPr lang="de-DE" dirty="0"/>
+              <a:t>Jetzt: Verfeinerung mit Wissen, dass Sie über das Semester generiert haben!</a:t>
             </a:r>
           </a:p>
         </p:txBody>
@@ -6033,6 +8053,13 @@
               <a:buFont typeface="Arial" panose="020B0604020202020204" pitchFamily="34" charset="0"/>
               <a:buChar char="•"/>
             </a:pPr>
+            <a:endParaRPr lang="de-DE" dirty="0"/>
+          </a:p>
+          <a:p>
+            <a:pPr marL="171450" indent="-171450">
+              <a:buFont typeface="Arial" panose="020B0604020202020204" pitchFamily="34" charset="0"/>
+              <a:buChar char="•"/>
+            </a:pPr>
             <a:r>
               <a:rPr lang="de-DE" dirty="0"/>
               <a:t>Ein Gütekriterium; Qualitätsanforderung, dem ein Test genügen muss.</a:t>
@@ -6921,138 +8948,6 @@
             <a:r>
               <a:rPr lang="de-DE" dirty="0"/>
               <a:t>Zu 3) Heute: 3 wichtige Aspekte der Validität: „Inhaltsvalidität“; „Konstruktvalidität“ und „Kriteriumsvalidität“ </a:t>
-            </a:r>
-          </a:p>
-          <a:p>
-            <a:pPr marL="0" indent="0">
-              <a:buFontTx/>
-              <a:buNone/>
-            </a:pPr>
-            <a:r>
-              <a:rPr lang="de-DE" dirty="0"/>
-              <a:t>---</a:t>
-            </a:r>
-          </a:p>
-          <a:p>
-            <a:pPr marL="0" indent="0">
-              <a:buFontTx/>
-              <a:buNone/>
-            </a:pPr>
-            <a:endParaRPr lang="de-DE" dirty="0"/>
-          </a:p>
-          <a:p>
-            <a:pPr marL="0" indent="0">
-              <a:buFontTx/>
-              <a:buNone/>
-            </a:pPr>
-            <a:r>
-              <a:rPr lang="de-DE" dirty="0"/>
-              <a:t>Exkurs: vor dem ganzen Theoriekram</a:t>
-            </a:r>
-          </a:p>
-          <a:p>
-            <a:pPr marL="0" indent="0">
-              <a:buFontTx/>
-              <a:buNone/>
-            </a:pPr>
-            <a:endParaRPr lang="de-DE" dirty="0"/>
-          </a:p>
-          <a:p>
-            <a:pPr marL="0" indent="0">
-              <a:buFontTx/>
-              <a:buNone/>
-            </a:pPr>
-            <a:r>
-              <a:rPr lang="de-DE" u="sng" dirty="0"/>
-              <a:t>Rückfrage</a:t>
-            </a:r>
-            <a:r>
-              <a:rPr lang="de-DE" dirty="0"/>
-              <a:t>: Wie könnte ich Validität der Testwerte beispielsweise empirisch ermitteln?</a:t>
-            </a:r>
-          </a:p>
-          <a:p>
-            <a:pPr marL="0" indent="0">
-              <a:buFontTx/>
-              <a:buNone/>
-            </a:pPr>
-            <a:endParaRPr lang="de-DE" dirty="0"/>
-          </a:p>
-          <a:p>
-            <a:pPr marL="0" indent="0">
-              <a:buFontTx/>
-              <a:buNone/>
-            </a:pPr>
-            <a:r>
-              <a:rPr lang="de-DE" i="1" dirty="0" err="1"/>
-              <a:t>Cor</a:t>
-            </a:r>
-            <a:r>
-              <a:rPr lang="de-DE" i="1" dirty="0"/>
-              <a:t>(</a:t>
-            </a:r>
-            <a:r>
-              <a:rPr lang="de-DE" i="1" dirty="0" err="1"/>
-              <a:t>Testwert</a:t>
-            </a:r>
-            <a:r>
-              <a:rPr lang="de-DE" i="1" dirty="0"/>
-              <a:t>, Außenkriterium)</a:t>
-            </a:r>
-          </a:p>
-          <a:p>
-            <a:pPr marL="0" indent="0">
-              <a:buFontTx/>
-              <a:buNone/>
-            </a:pPr>
-            <a:r>
-              <a:rPr lang="de-DE" dirty="0"/>
-              <a:t>z.B. </a:t>
-            </a:r>
-            <a:r>
-              <a:rPr lang="de-DE" dirty="0" err="1"/>
-              <a:t>Religiösität</a:t>
-            </a:r>
-            <a:r>
-              <a:rPr lang="de-DE" dirty="0"/>
-              <a:t> und </a:t>
-            </a:r>
-            <a:r>
-              <a:rPr lang="de-DE" dirty="0" err="1"/>
-              <a:t>Kirchgangshäufigkeit</a:t>
-            </a:r>
-            <a:endParaRPr lang="de-DE" dirty="0"/>
-          </a:p>
-          <a:p>
-            <a:pPr marL="0" indent="0">
-              <a:buFontTx/>
-              <a:buNone/>
-            </a:pPr>
-            <a:endParaRPr lang="de-DE" dirty="0"/>
-          </a:p>
-          <a:p>
-            <a:pPr marL="0" indent="0">
-              <a:buFontTx/>
-              <a:buNone/>
-            </a:pPr>
-            <a:r>
-              <a:rPr lang="de-DE" u="sng" dirty="0"/>
-              <a:t>Rückfrage:</a:t>
-            </a:r>
-            <a:r>
-              <a:rPr lang="de-DE" u="none" dirty="0"/>
-              <a:t> Viele ihnen weitere ein?</a:t>
-            </a:r>
-            <a:endParaRPr lang="de-DE" u="sng" dirty="0"/>
-          </a:p>
-          <a:p>
-            <a:pPr marL="0" indent="0">
-              <a:buFontTx/>
-              <a:buNone/>
-            </a:pPr>
-            <a:r>
-              <a:rPr lang="de-DE" dirty="0"/>
-              <a:t>-&gt; Schwierig! -&gt; Problem: Gute Außenkriterien finden…</a:t>
             </a:r>
           </a:p>
           <a:p>
@@ -12608,7 +14503,7 @@
               <a:rPr lang="de-DE" sz="1400" dirty="0">
                 <a:sym typeface="Symbol" pitchFamily="2" charset="2"/>
               </a:rPr>
-              <a:t>(v.a. Konstruktionsprozess </a:t>
+              <a:t>(v.a. Konstruktionsprozess) </a:t>
             </a:r>
             <a:r>
               <a:rPr lang="de-DE" dirty="0">
@@ -12715,10 +14610,10 @@
       </p:sp>
       <p:sp>
         <p:nvSpPr>
-          <p:cNvPr id="5" name="Textfeld 4">
+          <p:cNvPr id="6" name="Textfeld 4">
             <a:extLst>
               <a:ext uri="{FF2B5EF4-FFF2-40B4-BE49-F238E27FC236}">
-                <a16:creationId xmlns:a16="http://schemas.microsoft.com/office/drawing/2014/main" id="{7C5C4B52-DC73-9B4F-9367-0647D36D34E5}"/>
+                <a16:creationId xmlns:a16="http://schemas.microsoft.com/office/drawing/2014/main" id="{8F8BA346-268C-0E45-A3F1-2DC4B99753BD}"/>
               </a:ext>
             </a:extLst>
           </p:cNvPr>
@@ -12930,22 +14825,29 @@
                             </p:stCondLst>
                             <p:childTnLst>
                               <p:par>
-                                <p:cTn id="17" presetID="8" presetClass="emph" presetSubtype="0" fill="hold" grpId="1" nodeType="clickEffect">
+                                <p:cTn id="17" presetID="1" presetClass="entr" presetSubtype="0" fill="hold" grpId="1" nodeType="clickEffect">
                                   <p:stCondLst>
                                     <p:cond delay="0"/>
                                   </p:stCondLst>
                                   <p:childTnLst>
-                                    <p:animRot by="21600000">
+                                    <p:set>
                                       <p:cBhvr>
-                                        <p:cTn id="18" dur="2000" fill="hold"/>
+                                        <p:cTn id="18" dur="1" fill="hold">
+                                          <p:stCondLst>
+                                            <p:cond delay="0"/>
+                                          </p:stCondLst>
+                                        </p:cTn>
                                         <p:tgtEl>
-                                          <p:spTgt spid="5"/>
+                                          <p:spTgt spid="6"/>
                                         </p:tgtEl>
                                         <p:attrNameLst>
-                                          <p:attrName>r</p:attrName>
+                                          <p:attrName>style.visibility</p:attrName>
                                         </p:attrNameLst>
                                       </p:cBhvr>
-                                    </p:animRot>
+                                      <p:to>
+                                        <p:strVal val="visible"/>
+                                      </p:to>
+                                    </p:set>
                                   </p:childTnLst>
                                 </p:cTn>
                               </p:par>
@@ -13222,7 +15124,7 @@
       </p:par>
     </p:tnLst>
     <p:bldLst>
-      <p:bldP spid="5" grpId="1"/>
+      <p:bldP spid="6" grpId="1"/>
     </p:bldLst>
   </p:timing>
 </p:sld>
@@ -13301,7 +15203,7 @@
           <a:p>
             <a:r>
               <a:rPr lang="de-DE" dirty="0"/>
-              <a:t>Theoretische Fundierung des mit dem Test gemessenen Konstruktes zentral</a:t>
+              <a:t>Zentral: Theoretische Fundierung des mit dem Test gemessenen Konstruktes</a:t>
             </a:r>
           </a:p>
           <a:p>
@@ -13318,7 +15220,14 @@
             </a:r>
             <a:r>
               <a:rPr lang="de-DE" dirty="0"/>
-              <a:t> und Testebene</a:t>
+              <a:t> </a:t>
+            </a:r>
+          </a:p>
+          <a:p>
+            <a:pPr lvl="1"/>
+            <a:r>
+              <a:rPr lang="de-DE" dirty="0"/>
+              <a:t>Testebene</a:t>
             </a:r>
           </a:p>
           <a:p>
@@ -13450,6 +15359,17 @@
           <a:lstStyle/>
           <a:p>
             <a:r>
+              <a:rPr lang="de-DE" sz="2400" b="1" dirty="0">
+                <a:solidFill>
+                  <a:schemeClr val="tx1"/>
+                </a:solidFill>
+                <a:latin typeface="Arial" panose="020B0604020202020204" pitchFamily="34" charset="0"/>
+                <a:cs typeface="Arial" panose="020B0604020202020204" pitchFamily="34" charset="0"/>
+                <a:sym typeface="Symbol" pitchFamily="2" charset="2"/>
+              </a:rPr>
+              <a:t>Definition</a:t>
+            </a:r>
+            <a:r>
               <a:rPr lang="de-DE" sz="2400" dirty="0">
                 <a:solidFill>
                   <a:schemeClr val="tx1"/>
@@ -13458,7 +15378,7 @@
                 <a:cs typeface="Arial" panose="020B0604020202020204" pitchFamily="34" charset="0"/>
                 <a:sym typeface="Symbol" pitchFamily="2" charset="2"/>
               </a:rPr>
-              <a:t>„…umfasst die </a:t>
+              <a:t>: „…umfasst die </a:t>
             </a:r>
             <a:r>
               <a:rPr lang="de-DE" sz="2400" dirty="0">
@@ -13717,68 +15637,84 @@
           <a:p>
             <a:pPr lvl="1"/>
             <a:r>
+              <a:rPr lang="de-DE" b="1" dirty="0" err="1">
+                <a:sym typeface="Symbol" pitchFamily="2" charset="2"/>
+              </a:rPr>
+              <a:t>Dimensionalität</a:t>
+            </a:r>
+            <a:r>
+              <a:rPr lang="de-DE" b="1" dirty="0">
+                <a:sym typeface="Symbol" pitchFamily="2" charset="2"/>
+              </a:rPr>
+              <a:t>:</a:t>
+            </a:r>
+            <a:r>
               <a:rPr lang="de-DE" dirty="0">
                 <a:sym typeface="Symbol" pitchFamily="2" charset="2"/>
               </a:rPr>
-              <a:t>Zusammenhänge zwischen Messwerten von Tests werden untersucht (</a:t>
+              <a:t> Untersuche – Messwerten ~ Tests</a:t>
+            </a:r>
+          </a:p>
+          <a:p>
+            <a:pPr lvl="1"/>
+            <a:r>
+              <a:rPr lang="de-DE" b="1" dirty="0">
+                <a:sym typeface="Symbol" pitchFamily="2" charset="2"/>
+              </a:rPr>
+              <a:t>Verfahren</a:t>
+            </a:r>
+            <a:r>
+              <a:rPr lang="de-DE" dirty="0">
+                <a:sym typeface="Symbol" pitchFamily="2" charset="2"/>
+              </a:rPr>
+              <a:t>: EFA, CFA &amp; IRT</a:t>
+            </a:r>
+          </a:p>
+          <a:p>
+            <a:pPr lvl="1"/>
+            <a:r>
+              <a:rPr lang="de-DE" b="1" dirty="0">
+                <a:sym typeface="Symbol" pitchFamily="2" charset="2"/>
+              </a:rPr>
+              <a:t>Ziel</a:t>
+            </a:r>
+            <a:r>
+              <a:rPr lang="de-DE" dirty="0">
+                <a:sym typeface="Symbol" pitchFamily="2" charset="2"/>
+              </a:rPr>
+              <a:t>: Items desselben Inhaltsbereichs zusammenfassen und von </a:t>
             </a:r>
             <a:r>
               <a:rPr lang="de-DE" dirty="0" err="1">
                 <a:sym typeface="Symbol" pitchFamily="2" charset="2"/>
               </a:rPr>
-              <a:t>Dimensionalität</a:t>
+              <a:t>konstruktfremden</a:t>
             </a:r>
             <a:r>
               <a:rPr lang="de-DE" dirty="0">
                 <a:sym typeface="Symbol" pitchFamily="2" charset="2"/>
               </a:rPr>
-              <a:t>)</a:t>
+              <a:t> Bereichen trennen</a:t>
             </a:r>
           </a:p>
           <a:p>
             <a:pPr lvl="1"/>
-            <a:r>
-              <a:rPr lang="de-DE" dirty="0">
-                <a:sym typeface="Symbol" pitchFamily="2" charset="2"/>
-              </a:rPr>
-              <a:t>Verfahren: Explorative Faktorenanalyse, </a:t>
-            </a:r>
-            <a:r>
-              <a:rPr lang="de-DE" dirty="0" err="1">
-                <a:sym typeface="Symbol" pitchFamily="2" charset="2"/>
-              </a:rPr>
-              <a:t>konfirmatorische</a:t>
-            </a:r>
-            <a:r>
-              <a:rPr lang="de-DE" dirty="0">
-                <a:sym typeface="Symbol" pitchFamily="2" charset="2"/>
-              </a:rPr>
-              <a:t> Faktorenanalyse und Item Response Theorie</a:t>
-            </a:r>
-          </a:p>
-          <a:p>
-            <a:pPr lvl="1"/>
-            <a:r>
-              <a:rPr lang="de-DE" dirty="0">
-                <a:sym typeface="Symbol" pitchFamily="2" charset="2"/>
-              </a:rPr>
-              <a:t>Ziel: Items desselben Inhaltsbereichs zusammenfassen und von </a:t>
-            </a:r>
-            <a:r>
-              <a:rPr lang="de-DE" dirty="0" err="1">
-                <a:sym typeface="Symbol" pitchFamily="2" charset="2"/>
-              </a:rPr>
-              <a:t>konstruktfremden</a:t>
-            </a:r>
-            <a:r>
-              <a:rPr lang="de-DE" dirty="0">
-                <a:sym typeface="Symbol" pitchFamily="2" charset="2"/>
-              </a:rPr>
-              <a:t> Bereichen trennen</a:t>
-            </a:r>
-          </a:p>
-          <a:p>
-            <a:pPr lvl="1"/>
+            <a:endParaRPr lang="de-DE" dirty="0">
+              <a:sym typeface="Symbol" pitchFamily="2" charset="2"/>
+            </a:endParaRPr>
+          </a:p>
+          <a:p>
+            <a:pPr marL="0" indent="0">
+              <a:buNone/>
+            </a:pPr>
+            <a:endParaRPr lang="de-DE" dirty="0">
+              <a:sym typeface="Symbol" pitchFamily="2" charset="2"/>
+            </a:endParaRPr>
+          </a:p>
+          <a:p>
+            <a:pPr marL="0" indent="0">
+              <a:buNone/>
+            </a:pPr>
             <a:endParaRPr lang="de-DE" dirty="0">
               <a:sym typeface="Symbol" pitchFamily="2" charset="2"/>
             </a:endParaRPr>
@@ -13892,7 +15828,7 @@
         </p:blipFill>
         <p:spPr>
           <a:xfrm>
-            <a:off x="5794320" y="3484944"/>
+            <a:off x="5765800" y="3254377"/>
             <a:ext cx="5588000" cy="3200400"/>
           </a:xfrm>
           <a:prstGeom prst="rect">
@@ -13979,6 +15915,55 @@
                                           </p:stCondLst>
                                         </p:cTn>
                                         <p:tgtEl>
+                                          <p:spTgt spid="20">
+                                            <p:txEl>
+                                              <p:pRg st="3" end="3"/>
+                                            </p:txEl>
+                                          </p:spTgt>
+                                        </p:tgtEl>
+                                        <p:attrNameLst>
+                                          <p:attrName>style.visibility</p:attrName>
+                                        </p:attrNameLst>
+                                      </p:cBhvr>
+                                      <p:to>
+                                        <p:strVal val="visible"/>
+                                      </p:to>
+                                    </p:set>
+                                  </p:childTnLst>
+                                </p:cTn>
+                              </p:par>
+                            </p:childTnLst>
+                          </p:cTn>
+                        </p:par>
+                      </p:childTnLst>
+                    </p:cTn>
+                  </p:par>
+                  <p:par>
+                    <p:cTn id="7" fill="hold">
+                      <p:stCondLst>
+                        <p:cond delay="indefinite"/>
+                      </p:stCondLst>
+                      <p:childTnLst>
+                        <p:par>
+                          <p:cTn id="8" fill="hold">
+                            <p:stCondLst>
+                              <p:cond delay="0"/>
+                            </p:stCondLst>
+                            <p:childTnLst>
+                              <p:par>
+                                <p:cTn id="9" presetID="1" presetClass="entr" presetSubtype="0" fill="hold" nodeType="clickEffect">
+                                  <p:stCondLst>
+                                    <p:cond delay="0"/>
+                                  </p:stCondLst>
+                                  <p:childTnLst>
+                                    <p:set>
+                                      <p:cBhvr>
+                                        <p:cTn id="10" dur="1" fill="hold">
+                                          <p:stCondLst>
+                                            <p:cond delay="0"/>
+                                          </p:stCondLst>
+                                        </p:cTn>
+                                        <p:tgtEl>
                                           <p:spTgt spid="8"/>
                                         </p:tgtEl>
                                         <p:attrNameLst>
@@ -13992,21 +15977,43 @@
                                   </p:childTnLst>
                                 </p:cTn>
                               </p:par>
+                            </p:childTnLst>
+                          </p:cTn>
+                        </p:par>
+                      </p:childTnLst>
+                    </p:cTn>
+                  </p:par>
+                  <p:par>
+                    <p:cTn id="11" fill="hold">
+                      <p:stCondLst>
+                        <p:cond delay="indefinite"/>
+                      </p:stCondLst>
+                      <p:childTnLst>
+                        <p:par>
+                          <p:cTn id="12" fill="hold">
+                            <p:stCondLst>
+                              <p:cond delay="0"/>
+                            </p:stCondLst>
+                            <p:childTnLst>
                               <p:par>
-                                <p:cTn id="7" presetID="1" presetClass="entr" presetSubtype="0" fill="hold" grpId="0" nodeType="withEffect">
+                                <p:cTn id="13" presetID="1" presetClass="entr" presetSubtype="0" fill="hold" nodeType="clickEffect">
                                   <p:stCondLst>
                                     <p:cond delay="0"/>
                                   </p:stCondLst>
                                   <p:childTnLst>
                                     <p:set>
                                       <p:cBhvr>
-                                        <p:cTn id="8" dur="1" fill="hold">
+                                        <p:cTn id="14" dur="1" fill="hold">
                                           <p:stCondLst>
                                             <p:cond delay="0"/>
                                           </p:stCondLst>
                                         </p:cTn>
                                         <p:tgtEl>
-                                          <p:spTgt spid="9"/>
+                                          <p:spTgt spid="20">
+                                            <p:txEl>
+                                              <p:pRg st="4" end="4"/>
+                                            </p:txEl>
+                                          </p:spTgt>
                                         </p:tgtEl>
                                         <p:attrNameLst>
                                           <p:attrName>style.visibility</p:attrName>
@@ -14046,9 +16053,6 @@
         </p:cTn>
       </p:par>
     </p:tnLst>
-    <p:bldLst>
-      <p:bldP spid="9" grpId="0"/>
-    </p:bldLst>
   </p:timing>
 </p:sld>
 </file>
@@ -15052,9 +17056,6 @@
               </a:rPr>
               <a:t>Analysen auf Testebene</a:t>
             </a:r>
-            <a:endParaRPr lang="de-DE" b="1" dirty="0">
-              <a:sym typeface="Symbol" pitchFamily="2" charset="2"/>
-            </a:endParaRPr>
           </a:p>
           <a:p>
             <a:pPr lvl="1"/>
@@ -16015,7 +18016,7 @@
               <a:rPr lang="de-DE" dirty="0">
                 <a:sym typeface="Symbol" pitchFamily="2" charset="2"/>
               </a:rPr>
-              <a:t>Beispiel: Es wird postuliert basierend auf theoretischen Überlegungen, dass </a:t>
+              <a:t>Beispiel: basierend auf theoretischen Überlegungen, sollte die </a:t>
             </a:r>
             <a:r>
               <a:rPr lang="de-DE" dirty="0">
@@ -16063,7 +18064,7 @@
               <a:rPr lang="de-DE" dirty="0">
                 <a:sym typeface="Symbol" pitchFamily="2" charset="2"/>
               </a:rPr>
-              <a:t>auf latenter Ebene zusammenhängen (Soto, </a:t>
+              <a:t>auf latenter Ebene zusammenhängen (siehe: Soto, </a:t>
             </a:r>
             <a:r>
               <a:rPr lang="de-DE" dirty="0" err="1">
@@ -17003,555 +19004,6 @@
   <p:clrMapOvr>
     <a:masterClrMapping/>
   </p:clrMapOvr>
-  <p:timing>
-    <p:tnLst>
-      <p:par>
-        <p:cTn id="1" dur="indefinite" restart="never" nodeType="tmRoot">
-          <p:childTnLst>
-            <p:seq concurrent="1" nextAc="seek">
-              <p:cTn id="2" dur="indefinite" nodeType="mainSeq">
-                <p:childTnLst>
-                  <p:par>
-                    <p:cTn id="3" fill="hold">
-                      <p:stCondLst>
-                        <p:cond delay="indefinite"/>
-                      </p:stCondLst>
-                      <p:childTnLst>
-                        <p:par>
-                          <p:cTn id="4" fill="hold">
-                            <p:stCondLst>
-                              <p:cond delay="0"/>
-                            </p:stCondLst>
-                            <p:childTnLst>
-                              <p:par>
-                                <p:cTn id="5" presetID="1" presetClass="entr" presetSubtype="0" fill="hold" grpId="0" nodeType="clickEffect">
-                                  <p:stCondLst>
-                                    <p:cond delay="0"/>
-                                  </p:stCondLst>
-                                  <p:childTnLst>
-                                    <p:set>
-                                      <p:cBhvr>
-                                        <p:cTn id="6" dur="1" fill="hold">
-                                          <p:stCondLst>
-                                            <p:cond delay="0"/>
-                                          </p:stCondLst>
-                                        </p:cTn>
-                                        <p:tgtEl>
-                                          <p:spTgt spid="3"/>
-                                        </p:tgtEl>
-                                        <p:attrNameLst>
-                                          <p:attrName>style.visibility</p:attrName>
-                                        </p:attrNameLst>
-                                      </p:cBhvr>
-                                      <p:to>
-                                        <p:strVal val="visible"/>
-                                      </p:to>
-                                    </p:set>
-                                  </p:childTnLst>
-                                </p:cTn>
-                              </p:par>
-                              <p:par>
-                                <p:cTn id="7" presetID="1" presetClass="entr" presetSubtype="0" fill="hold" grpId="0" nodeType="withEffect">
-                                  <p:stCondLst>
-                                    <p:cond delay="0"/>
-                                  </p:stCondLst>
-                                  <p:childTnLst>
-                                    <p:set>
-                                      <p:cBhvr>
-                                        <p:cTn id="8" dur="1" fill="hold">
-                                          <p:stCondLst>
-                                            <p:cond delay="0"/>
-                                          </p:stCondLst>
-                                        </p:cTn>
-                                        <p:tgtEl>
-                                          <p:spTgt spid="6"/>
-                                        </p:tgtEl>
-                                        <p:attrNameLst>
-                                          <p:attrName>style.visibility</p:attrName>
-                                        </p:attrNameLst>
-                                      </p:cBhvr>
-                                      <p:to>
-                                        <p:strVal val="visible"/>
-                                      </p:to>
-                                    </p:set>
-                                  </p:childTnLst>
-                                </p:cTn>
-                              </p:par>
-                              <p:par>
-                                <p:cTn id="9" presetID="1" presetClass="entr" presetSubtype="0" fill="hold" grpId="0" nodeType="withEffect">
-                                  <p:stCondLst>
-                                    <p:cond delay="0"/>
-                                  </p:stCondLst>
-                                  <p:childTnLst>
-                                    <p:set>
-                                      <p:cBhvr>
-                                        <p:cTn id="10" dur="1" fill="hold">
-                                          <p:stCondLst>
-                                            <p:cond delay="0"/>
-                                          </p:stCondLst>
-                                        </p:cTn>
-                                        <p:tgtEl>
-                                          <p:spTgt spid="7"/>
-                                        </p:tgtEl>
-                                        <p:attrNameLst>
-                                          <p:attrName>style.visibility</p:attrName>
-                                        </p:attrNameLst>
-                                      </p:cBhvr>
-                                      <p:to>
-                                        <p:strVal val="visible"/>
-                                      </p:to>
-                                    </p:set>
-                                  </p:childTnLst>
-                                </p:cTn>
-                              </p:par>
-                              <p:par>
-                                <p:cTn id="11" presetID="1" presetClass="entr" presetSubtype="0" fill="hold" grpId="0" nodeType="withEffect">
-                                  <p:stCondLst>
-                                    <p:cond delay="0"/>
-                                  </p:stCondLst>
-                                  <p:childTnLst>
-                                    <p:set>
-                                      <p:cBhvr>
-                                        <p:cTn id="12" dur="1" fill="hold">
-                                          <p:stCondLst>
-                                            <p:cond delay="0"/>
-                                          </p:stCondLst>
-                                        </p:cTn>
-                                        <p:tgtEl>
-                                          <p:spTgt spid="70"/>
-                                        </p:tgtEl>
-                                        <p:attrNameLst>
-                                          <p:attrName>style.visibility</p:attrName>
-                                        </p:attrNameLst>
-                                      </p:cBhvr>
-                                      <p:to>
-                                        <p:strVal val="visible"/>
-                                      </p:to>
-                                    </p:set>
-                                  </p:childTnLst>
-                                </p:cTn>
-                              </p:par>
-                              <p:par>
-                                <p:cTn id="13" presetID="1" presetClass="entr" presetSubtype="0" fill="hold" grpId="0" nodeType="withEffect">
-                                  <p:stCondLst>
-                                    <p:cond delay="0"/>
-                                  </p:stCondLst>
-                                  <p:childTnLst>
-                                    <p:set>
-                                      <p:cBhvr>
-                                        <p:cTn id="14" dur="1" fill="hold">
-                                          <p:stCondLst>
-                                            <p:cond delay="0"/>
-                                          </p:stCondLst>
-                                        </p:cTn>
-                                        <p:tgtEl>
-                                          <p:spTgt spid="67"/>
-                                        </p:tgtEl>
-                                        <p:attrNameLst>
-                                          <p:attrName>style.visibility</p:attrName>
-                                        </p:attrNameLst>
-                                      </p:cBhvr>
-                                      <p:to>
-                                        <p:strVal val="visible"/>
-                                      </p:to>
-                                    </p:set>
-                                  </p:childTnLst>
-                                </p:cTn>
-                              </p:par>
-                            </p:childTnLst>
-                          </p:cTn>
-                        </p:par>
-                      </p:childTnLst>
-                    </p:cTn>
-                  </p:par>
-                  <p:par>
-                    <p:cTn id="15" fill="hold">
-                      <p:stCondLst>
-                        <p:cond delay="indefinite"/>
-                      </p:stCondLst>
-                      <p:childTnLst>
-                        <p:par>
-                          <p:cTn id="16" fill="hold">
-                            <p:stCondLst>
-                              <p:cond delay="0"/>
-                            </p:stCondLst>
-                            <p:childTnLst>
-                              <p:par>
-                                <p:cTn id="17" presetID="1" presetClass="entr" presetSubtype="0" fill="hold" grpId="0" nodeType="clickEffect">
-                                  <p:stCondLst>
-                                    <p:cond delay="0"/>
-                                  </p:stCondLst>
-                                  <p:childTnLst>
-                                    <p:set>
-                                      <p:cBhvr>
-                                        <p:cTn id="18" dur="1" fill="hold">
-                                          <p:stCondLst>
-                                            <p:cond delay="0"/>
-                                          </p:stCondLst>
-                                        </p:cTn>
-                                        <p:tgtEl>
-                                          <p:spTgt spid="9"/>
-                                        </p:tgtEl>
-                                        <p:attrNameLst>
-                                          <p:attrName>style.visibility</p:attrName>
-                                        </p:attrNameLst>
-                                      </p:cBhvr>
-                                      <p:to>
-                                        <p:strVal val="visible"/>
-                                      </p:to>
-                                    </p:set>
-                                  </p:childTnLst>
-                                </p:cTn>
-                              </p:par>
-                              <p:par>
-                                <p:cTn id="19" presetID="1" presetClass="entr" presetSubtype="0" fill="hold" grpId="0" nodeType="withEffect">
-                                  <p:stCondLst>
-                                    <p:cond delay="0"/>
-                                  </p:stCondLst>
-                                  <p:childTnLst>
-                                    <p:set>
-                                      <p:cBhvr>
-                                        <p:cTn id="20" dur="1" fill="hold">
-                                          <p:stCondLst>
-                                            <p:cond delay="0"/>
-                                          </p:stCondLst>
-                                        </p:cTn>
-                                        <p:tgtEl>
-                                          <p:spTgt spid="8"/>
-                                        </p:tgtEl>
-                                        <p:attrNameLst>
-                                          <p:attrName>style.visibility</p:attrName>
-                                        </p:attrNameLst>
-                                      </p:cBhvr>
-                                      <p:to>
-                                        <p:strVal val="visible"/>
-                                      </p:to>
-                                    </p:set>
-                                  </p:childTnLst>
-                                </p:cTn>
-                              </p:par>
-                              <p:par>
-                                <p:cTn id="21" presetID="1" presetClass="entr" presetSubtype="0" fill="hold" grpId="0" nodeType="withEffect">
-                                  <p:stCondLst>
-                                    <p:cond delay="0"/>
-                                  </p:stCondLst>
-                                  <p:childTnLst>
-                                    <p:set>
-                                      <p:cBhvr>
-                                        <p:cTn id="22" dur="1" fill="hold">
-                                          <p:stCondLst>
-                                            <p:cond delay="0"/>
-                                          </p:stCondLst>
-                                        </p:cTn>
-                                        <p:tgtEl>
-                                          <p:spTgt spid="72"/>
-                                        </p:tgtEl>
-                                        <p:attrNameLst>
-                                          <p:attrName>style.visibility</p:attrName>
-                                        </p:attrNameLst>
-                                      </p:cBhvr>
-                                      <p:to>
-                                        <p:strVal val="visible"/>
-                                      </p:to>
-                                    </p:set>
-                                  </p:childTnLst>
-                                </p:cTn>
-                              </p:par>
-                              <p:par>
-                                <p:cTn id="23" presetID="1" presetClass="entr" presetSubtype="0" fill="hold" grpId="0" nodeType="withEffect">
-                                  <p:stCondLst>
-                                    <p:cond delay="0"/>
-                                  </p:stCondLst>
-                                  <p:childTnLst>
-                                    <p:set>
-                                      <p:cBhvr>
-                                        <p:cTn id="24" dur="1" fill="hold">
-                                          <p:stCondLst>
-                                            <p:cond delay="0"/>
-                                          </p:stCondLst>
-                                        </p:cTn>
-                                        <p:tgtEl>
-                                          <p:spTgt spid="71"/>
-                                        </p:tgtEl>
-                                        <p:attrNameLst>
-                                          <p:attrName>style.visibility</p:attrName>
-                                        </p:attrNameLst>
-                                      </p:cBhvr>
-                                      <p:to>
-                                        <p:strVal val="visible"/>
-                                      </p:to>
-                                    </p:set>
-                                  </p:childTnLst>
-                                </p:cTn>
-                              </p:par>
-                            </p:childTnLst>
-                          </p:cTn>
-                        </p:par>
-                      </p:childTnLst>
-                    </p:cTn>
-                  </p:par>
-                  <p:par>
-                    <p:cTn id="25" fill="hold">
-                      <p:stCondLst>
-                        <p:cond delay="indefinite"/>
-                      </p:stCondLst>
-                      <p:childTnLst>
-                        <p:par>
-                          <p:cTn id="26" fill="hold">
-                            <p:stCondLst>
-                              <p:cond delay="0"/>
-                            </p:stCondLst>
-                            <p:childTnLst>
-                              <p:par>
-                                <p:cTn id="27" presetID="1" presetClass="entr" presetSubtype="0" fill="hold" nodeType="clickEffect">
-                                  <p:stCondLst>
-                                    <p:cond delay="0"/>
-                                  </p:stCondLst>
-                                  <p:childTnLst>
-                                    <p:set>
-                                      <p:cBhvr>
-                                        <p:cTn id="28" dur="1" fill="hold">
-                                          <p:stCondLst>
-                                            <p:cond delay="0"/>
-                                          </p:stCondLst>
-                                        </p:cTn>
-                                        <p:tgtEl>
-                                          <p:spTgt spid="25"/>
-                                        </p:tgtEl>
-                                        <p:attrNameLst>
-                                          <p:attrName>style.visibility</p:attrName>
-                                        </p:attrNameLst>
-                                      </p:cBhvr>
-                                      <p:to>
-                                        <p:strVal val="visible"/>
-                                      </p:to>
-                                    </p:set>
-                                  </p:childTnLst>
-                                </p:cTn>
-                              </p:par>
-                              <p:par>
-                                <p:cTn id="29" presetID="1" presetClass="entr" presetSubtype="0" fill="hold" grpId="0" nodeType="withEffect">
-                                  <p:stCondLst>
-                                    <p:cond delay="0"/>
-                                  </p:stCondLst>
-                                  <p:childTnLst>
-                                    <p:set>
-                                      <p:cBhvr>
-                                        <p:cTn id="30" dur="1" fill="hold">
-                                          <p:stCondLst>
-                                            <p:cond delay="0"/>
-                                          </p:stCondLst>
-                                        </p:cTn>
-                                        <p:tgtEl>
-                                          <p:spTgt spid="59"/>
-                                        </p:tgtEl>
-                                        <p:attrNameLst>
-                                          <p:attrName>style.visibility</p:attrName>
-                                        </p:attrNameLst>
-                                      </p:cBhvr>
-                                      <p:to>
-                                        <p:strVal val="visible"/>
-                                      </p:to>
-                                    </p:set>
-                                  </p:childTnLst>
-                                </p:cTn>
-                              </p:par>
-                              <p:par>
-                                <p:cTn id="31" presetID="1" presetClass="entr" presetSubtype="0" fill="hold" nodeType="withEffect">
-                                  <p:stCondLst>
-                                    <p:cond delay="0"/>
-                                  </p:stCondLst>
-                                  <p:childTnLst>
-                                    <p:set>
-                                      <p:cBhvr>
-                                        <p:cTn id="32" dur="1" fill="hold">
-                                          <p:stCondLst>
-                                            <p:cond delay="0"/>
-                                          </p:stCondLst>
-                                        </p:cTn>
-                                        <p:tgtEl>
-                                          <p:spTgt spid="45"/>
-                                        </p:tgtEl>
-                                        <p:attrNameLst>
-                                          <p:attrName>style.visibility</p:attrName>
-                                        </p:attrNameLst>
-                                      </p:cBhvr>
-                                      <p:to>
-                                        <p:strVal val="visible"/>
-                                      </p:to>
-                                    </p:set>
-                                  </p:childTnLst>
-                                </p:cTn>
-                              </p:par>
-                              <p:par>
-                                <p:cTn id="33" presetID="1" presetClass="entr" presetSubtype="0" fill="hold" grpId="0" nodeType="withEffect">
-                                  <p:stCondLst>
-                                    <p:cond delay="0"/>
-                                  </p:stCondLst>
-                                  <p:childTnLst>
-                                    <p:set>
-                                      <p:cBhvr>
-                                        <p:cTn id="34" dur="1" fill="hold">
-                                          <p:stCondLst>
-                                            <p:cond delay="0"/>
-                                          </p:stCondLst>
-                                        </p:cTn>
-                                        <p:tgtEl>
-                                          <p:spTgt spid="60"/>
-                                        </p:tgtEl>
-                                        <p:attrNameLst>
-                                          <p:attrName>style.visibility</p:attrName>
-                                        </p:attrNameLst>
-                                      </p:cBhvr>
-                                      <p:to>
-                                        <p:strVal val="visible"/>
-                                      </p:to>
-                                    </p:set>
-                                  </p:childTnLst>
-                                </p:cTn>
-                              </p:par>
-                              <p:par>
-                                <p:cTn id="35" presetID="1" presetClass="entr" presetSubtype="0" fill="hold" nodeType="withEffect">
-                                  <p:stCondLst>
-                                    <p:cond delay="0"/>
-                                  </p:stCondLst>
-                                  <p:childTnLst>
-                                    <p:set>
-                                      <p:cBhvr>
-                                        <p:cTn id="36" dur="1" fill="hold">
-                                          <p:stCondLst>
-                                            <p:cond delay="0"/>
-                                          </p:stCondLst>
-                                        </p:cTn>
-                                        <p:tgtEl>
-                                          <p:spTgt spid="56"/>
-                                        </p:tgtEl>
-                                        <p:attrNameLst>
-                                          <p:attrName>style.visibility</p:attrName>
-                                        </p:attrNameLst>
-                                      </p:cBhvr>
-                                      <p:to>
-                                        <p:strVal val="visible"/>
-                                      </p:to>
-                                    </p:set>
-                                  </p:childTnLst>
-                                </p:cTn>
-                              </p:par>
-                              <p:par>
-                                <p:cTn id="37" presetID="1" presetClass="entr" presetSubtype="0" fill="hold" grpId="0" nodeType="withEffect">
-                                  <p:stCondLst>
-                                    <p:cond delay="0"/>
-                                  </p:stCondLst>
-                                  <p:childTnLst>
-                                    <p:set>
-                                      <p:cBhvr>
-                                        <p:cTn id="38" dur="1" fill="hold">
-                                          <p:stCondLst>
-                                            <p:cond delay="0"/>
-                                          </p:stCondLst>
-                                        </p:cTn>
-                                        <p:tgtEl>
-                                          <p:spTgt spid="65"/>
-                                        </p:tgtEl>
-                                        <p:attrNameLst>
-                                          <p:attrName>style.visibility</p:attrName>
-                                        </p:attrNameLst>
-                                      </p:cBhvr>
-                                      <p:to>
-                                        <p:strVal val="visible"/>
-                                      </p:to>
-                                    </p:set>
-                                  </p:childTnLst>
-                                </p:cTn>
-                              </p:par>
-                            </p:childTnLst>
-                          </p:cTn>
-                        </p:par>
-                      </p:childTnLst>
-                    </p:cTn>
-                  </p:par>
-                  <p:par>
-                    <p:cTn id="39" fill="hold">
-                      <p:stCondLst>
-                        <p:cond delay="indefinite"/>
-                      </p:stCondLst>
-                      <p:childTnLst>
-                        <p:par>
-                          <p:cTn id="40" fill="hold">
-                            <p:stCondLst>
-                              <p:cond delay="0"/>
-                            </p:stCondLst>
-                            <p:childTnLst>
-                              <p:par>
-                                <p:cTn id="41" presetID="1" presetClass="entr" presetSubtype="0" fill="hold" grpId="0" nodeType="clickEffect">
-                                  <p:stCondLst>
-                                    <p:cond delay="0"/>
-                                  </p:stCondLst>
-                                  <p:childTnLst>
-                                    <p:set>
-                                      <p:cBhvr>
-                                        <p:cTn id="42" dur="1" fill="hold">
-                                          <p:stCondLst>
-                                            <p:cond delay="0"/>
-                                          </p:stCondLst>
-                                        </p:cTn>
-                                        <p:tgtEl>
-                                          <p:spTgt spid="66"/>
-                                        </p:tgtEl>
-                                        <p:attrNameLst>
-                                          <p:attrName>style.visibility</p:attrName>
-                                        </p:attrNameLst>
-                                      </p:cBhvr>
-                                      <p:to>
-                                        <p:strVal val="visible"/>
-                                      </p:to>
-                                    </p:set>
-                                  </p:childTnLst>
-                                </p:cTn>
-                              </p:par>
-                            </p:childTnLst>
-                          </p:cTn>
-                        </p:par>
-                      </p:childTnLst>
-                    </p:cTn>
-                  </p:par>
-                </p:childTnLst>
-              </p:cTn>
-              <p:prevCondLst>
-                <p:cond evt="onPrev" delay="0">
-                  <p:tgtEl>
-                    <p:sldTgt/>
-                  </p:tgtEl>
-                </p:cond>
-              </p:prevCondLst>
-              <p:nextCondLst>
-                <p:cond evt="onNext" delay="0">
-                  <p:tgtEl>
-                    <p:sldTgt/>
-                  </p:tgtEl>
-                </p:cond>
-              </p:nextCondLst>
-            </p:seq>
-          </p:childTnLst>
-        </p:cTn>
-      </p:par>
-    </p:tnLst>
-    <p:bldLst>
-      <p:bldP spid="3" grpId="0" animBg="1"/>
-      <p:bldP spid="6" grpId="0" animBg="1"/>
-      <p:bldP spid="7" grpId="0" animBg="1"/>
-      <p:bldP spid="8" grpId="0" animBg="1"/>
-      <p:bldP spid="9" grpId="0" animBg="1"/>
-      <p:bldP spid="59" grpId="0"/>
-      <p:bldP spid="60" grpId="0"/>
-      <p:bldP spid="65" grpId="0"/>
-      <p:bldP spid="66" grpId="0" animBg="1"/>
-      <p:bldP spid="67" grpId="0"/>
-      <p:bldP spid="70" grpId="0" animBg="1"/>
-      <p:bldP spid="71" grpId="0"/>
-      <p:bldP spid="72" grpId="0" animBg="1"/>
-    </p:bldLst>
-  </p:timing>
 </p:sld>
 </file>
 
@@ -19358,377 +20810,6 @@
   <p:clrMapOvr>
     <a:masterClrMapping/>
   </p:clrMapOvr>
-  <p:timing>
-    <p:tnLst>
-      <p:par>
-        <p:cTn id="1" dur="indefinite" restart="never" nodeType="tmRoot">
-          <p:childTnLst>
-            <p:seq concurrent="1" nextAc="seek">
-              <p:cTn id="2" dur="indefinite" nodeType="mainSeq">
-                <p:childTnLst>
-                  <p:par>
-                    <p:cTn id="3" fill="hold">
-                      <p:stCondLst>
-                        <p:cond delay="indefinite"/>
-                      </p:stCondLst>
-                      <p:childTnLst>
-                        <p:par>
-                          <p:cTn id="4" fill="hold">
-                            <p:stCondLst>
-                              <p:cond delay="0"/>
-                            </p:stCondLst>
-                            <p:childTnLst>
-                              <p:par>
-                                <p:cTn id="5" presetID="1" presetClass="entr" presetSubtype="0" fill="hold" nodeType="clickEffect">
-                                  <p:stCondLst>
-                                    <p:cond delay="0"/>
-                                  </p:stCondLst>
-                                  <p:childTnLst>
-                                    <p:set>
-                                      <p:cBhvr>
-                                        <p:cTn id="6" dur="1" fill="hold">
-                                          <p:stCondLst>
-                                            <p:cond delay="0"/>
-                                          </p:stCondLst>
-                                        </p:cTn>
-                                        <p:tgtEl>
-                                          <p:spTgt spid="11"/>
-                                        </p:tgtEl>
-                                        <p:attrNameLst>
-                                          <p:attrName>style.visibility</p:attrName>
-                                        </p:attrNameLst>
-                                      </p:cBhvr>
-                                      <p:to>
-                                        <p:strVal val="visible"/>
-                                      </p:to>
-                                    </p:set>
-                                  </p:childTnLst>
-                                </p:cTn>
-                              </p:par>
-                              <p:par>
-                                <p:cTn id="7" presetID="1" presetClass="entr" presetSubtype="0" fill="hold" nodeType="withEffect">
-                                  <p:stCondLst>
-                                    <p:cond delay="0"/>
-                                  </p:stCondLst>
-                                  <p:childTnLst>
-                                    <p:set>
-                                      <p:cBhvr>
-                                        <p:cTn id="8" dur="1" fill="hold">
-                                          <p:stCondLst>
-                                            <p:cond delay="0"/>
-                                          </p:stCondLst>
-                                        </p:cTn>
-                                        <p:tgtEl>
-                                          <p:spTgt spid="15"/>
-                                        </p:tgtEl>
-                                        <p:attrNameLst>
-                                          <p:attrName>style.visibility</p:attrName>
-                                        </p:attrNameLst>
-                                      </p:cBhvr>
-                                      <p:to>
-                                        <p:strVal val="visible"/>
-                                      </p:to>
-                                    </p:set>
-                                  </p:childTnLst>
-                                </p:cTn>
-                              </p:par>
-                              <p:par>
-                                <p:cTn id="9" presetID="1" presetClass="entr" presetSubtype="0" fill="hold" nodeType="withEffect">
-                                  <p:stCondLst>
-                                    <p:cond delay="0"/>
-                                  </p:stCondLst>
-                                  <p:childTnLst>
-                                    <p:set>
-                                      <p:cBhvr>
-                                        <p:cTn id="10" dur="1" fill="hold">
-                                          <p:stCondLst>
-                                            <p:cond delay="0"/>
-                                          </p:stCondLst>
-                                        </p:cTn>
-                                        <p:tgtEl>
-                                          <p:spTgt spid="17"/>
-                                        </p:tgtEl>
-                                        <p:attrNameLst>
-                                          <p:attrName>style.visibility</p:attrName>
-                                        </p:attrNameLst>
-                                      </p:cBhvr>
-                                      <p:to>
-                                        <p:strVal val="visible"/>
-                                      </p:to>
-                                    </p:set>
-                                  </p:childTnLst>
-                                </p:cTn>
-                              </p:par>
-                              <p:par>
-                                <p:cTn id="11" presetID="1" presetClass="entr" presetSubtype="0" fill="hold" nodeType="withEffect">
-                                  <p:stCondLst>
-                                    <p:cond delay="0"/>
-                                  </p:stCondLst>
-                                  <p:childTnLst>
-                                    <p:set>
-                                      <p:cBhvr>
-                                        <p:cTn id="12" dur="1" fill="hold">
-                                          <p:stCondLst>
-                                            <p:cond delay="0"/>
-                                          </p:stCondLst>
-                                        </p:cTn>
-                                        <p:tgtEl>
-                                          <p:spTgt spid="21"/>
-                                        </p:tgtEl>
-                                        <p:attrNameLst>
-                                          <p:attrName>style.visibility</p:attrName>
-                                        </p:attrNameLst>
-                                      </p:cBhvr>
-                                      <p:to>
-                                        <p:strVal val="visible"/>
-                                      </p:to>
-                                    </p:set>
-                                  </p:childTnLst>
-                                </p:cTn>
-                              </p:par>
-                              <p:par>
-                                <p:cTn id="13" presetID="1" presetClass="entr" presetSubtype="0" fill="hold" nodeType="withEffect">
-                                  <p:stCondLst>
-                                    <p:cond delay="0"/>
-                                  </p:stCondLst>
-                                  <p:childTnLst>
-                                    <p:set>
-                                      <p:cBhvr>
-                                        <p:cTn id="14" dur="1" fill="hold">
-                                          <p:stCondLst>
-                                            <p:cond delay="0"/>
-                                          </p:stCondLst>
-                                        </p:cTn>
-                                        <p:tgtEl>
-                                          <p:spTgt spid="29"/>
-                                        </p:tgtEl>
-                                        <p:attrNameLst>
-                                          <p:attrName>style.visibility</p:attrName>
-                                        </p:attrNameLst>
-                                      </p:cBhvr>
-                                      <p:to>
-                                        <p:strVal val="visible"/>
-                                      </p:to>
-                                    </p:set>
-                                  </p:childTnLst>
-                                </p:cTn>
-                              </p:par>
-                              <p:par>
-                                <p:cTn id="15" presetID="1" presetClass="entr" presetSubtype="0" fill="hold" grpId="0" nodeType="withEffect">
-                                  <p:stCondLst>
-                                    <p:cond delay="0"/>
-                                  </p:stCondLst>
-                                  <p:childTnLst>
-                                    <p:set>
-                                      <p:cBhvr>
-                                        <p:cTn id="16" dur="1" fill="hold">
-                                          <p:stCondLst>
-                                            <p:cond delay="0"/>
-                                          </p:stCondLst>
-                                        </p:cTn>
-                                        <p:tgtEl>
-                                          <p:spTgt spid="26"/>
-                                        </p:tgtEl>
-                                        <p:attrNameLst>
-                                          <p:attrName>style.visibility</p:attrName>
-                                        </p:attrNameLst>
-                                      </p:cBhvr>
-                                      <p:to>
-                                        <p:strVal val="visible"/>
-                                      </p:to>
-                                    </p:set>
-                                  </p:childTnLst>
-                                </p:cTn>
-                              </p:par>
-                              <p:par>
-                                <p:cTn id="17" presetID="1" presetClass="entr" presetSubtype="0" fill="hold" grpId="0" nodeType="withEffect">
-                                  <p:stCondLst>
-                                    <p:cond delay="0"/>
-                                  </p:stCondLst>
-                                  <p:childTnLst>
-                                    <p:set>
-                                      <p:cBhvr>
-                                        <p:cTn id="18" dur="1" fill="hold">
-                                          <p:stCondLst>
-                                            <p:cond delay="0"/>
-                                          </p:stCondLst>
-                                        </p:cTn>
-                                        <p:tgtEl>
-                                          <p:spTgt spid="24"/>
-                                        </p:tgtEl>
-                                        <p:attrNameLst>
-                                          <p:attrName>style.visibility</p:attrName>
-                                        </p:attrNameLst>
-                                      </p:cBhvr>
-                                      <p:to>
-                                        <p:strVal val="visible"/>
-                                      </p:to>
-                                    </p:set>
-                                  </p:childTnLst>
-                                </p:cTn>
-                              </p:par>
-                              <p:par>
-                                <p:cTn id="19" presetID="1" presetClass="entr" presetSubtype="0" fill="hold" grpId="0" nodeType="withEffect">
-                                  <p:stCondLst>
-                                    <p:cond delay="0"/>
-                                  </p:stCondLst>
-                                  <p:childTnLst>
-                                    <p:set>
-                                      <p:cBhvr>
-                                        <p:cTn id="20" dur="1" fill="hold">
-                                          <p:stCondLst>
-                                            <p:cond delay="0"/>
-                                          </p:stCondLst>
-                                        </p:cTn>
-                                        <p:tgtEl>
-                                          <p:spTgt spid="23"/>
-                                        </p:tgtEl>
-                                        <p:attrNameLst>
-                                          <p:attrName>style.visibility</p:attrName>
-                                        </p:attrNameLst>
-                                      </p:cBhvr>
-                                      <p:to>
-                                        <p:strVal val="visible"/>
-                                      </p:to>
-                                    </p:set>
-                                  </p:childTnLst>
-                                </p:cTn>
-                              </p:par>
-                              <p:par>
-                                <p:cTn id="21" presetID="1" presetClass="entr" presetSubtype="0" fill="hold" grpId="0" nodeType="withEffect">
-                                  <p:stCondLst>
-                                    <p:cond delay="0"/>
-                                  </p:stCondLst>
-                                  <p:childTnLst>
-                                    <p:set>
-                                      <p:cBhvr>
-                                        <p:cTn id="22" dur="1" fill="hold">
-                                          <p:stCondLst>
-                                            <p:cond delay="0"/>
-                                          </p:stCondLst>
-                                        </p:cTn>
-                                        <p:tgtEl>
-                                          <p:spTgt spid="22"/>
-                                        </p:tgtEl>
-                                        <p:attrNameLst>
-                                          <p:attrName>style.visibility</p:attrName>
-                                        </p:attrNameLst>
-                                      </p:cBhvr>
-                                      <p:to>
-                                        <p:strVal val="visible"/>
-                                      </p:to>
-                                    </p:set>
-                                  </p:childTnLst>
-                                </p:cTn>
-                              </p:par>
-                              <p:par>
-                                <p:cTn id="23" presetID="1" presetClass="entr" presetSubtype="0" fill="hold" grpId="0" nodeType="withEffect">
-                                  <p:stCondLst>
-                                    <p:cond delay="0"/>
-                                  </p:stCondLst>
-                                  <p:childTnLst>
-                                    <p:set>
-                                      <p:cBhvr>
-                                        <p:cTn id="24" dur="1" fill="hold">
-                                          <p:stCondLst>
-                                            <p:cond delay="0"/>
-                                          </p:stCondLst>
-                                        </p:cTn>
-                                        <p:tgtEl>
-                                          <p:spTgt spid="5"/>
-                                        </p:tgtEl>
-                                        <p:attrNameLst>
-                                          <p:attrName>style.visibility</p:attrName>
-                                        </p:attrNameLst>
-                                      </p:cBhvr>
-                                      <p:to>
-                                        <p:strVal val="visible"/>
-                                      </p:to>
-                                    </p:set>
-                                  </p:childTnLst>
-                                </p:cTn>
-                              </p:par>
-                            </p:childTnLst>
-                          </p:cTn>
-                        </p:par>
-                      </p:childTnLst>
-                    </p:cTn>
-                  </p:par>
-                  <p:par>
-                    <p:cTn id="25" fill="hold">
-                      <p:stCondLst>
-                        <p:cond delay="indefinite"/>
-                      </p:stCondLst>
-                      <p:childTnLst>
-                        <p:par>
-                          <p:cTn id="26" fill="hold">
-                            <p:stCondLst>
-                              <p:cond delay="0"/>
-                            </p:stCondLst>
-                            <p:childTnLst>
-                              <p:par>
-                                <p:cTn id="27" presetID="1" presetClass="entr" presetSubtype="0" fill="hold" grpId="0" nodeType="clickEffect">
-                                  <p:stCondLst>
-                                    <p:cond delay="0"/>
-                                  </p:stCondLst>
-                                  <p:childTnLst>
-                                    <p:set>
-                                      <p:cBhvr>
-                                        <p:cTn id="28" dur="1" fill="hold">
-                                          <p:stCondLst>
-                                            <p:cond delay="0"/>
-                                          </p:stCondLst>
-                                        </p:cTn>
-                                        <p:tgtEl>
-                                          <p:spTgt spid="40"/>
-                                        </p:tgtEl>
-                                        <p:attrNameLst>
-                                          <p:attrName>style.visibility</p:attrName>
-                                        </p:attrNameLst>
-                                      </p:cBhvr>
-                                      <p:to>
-                                        <p:strVal val="visible"/>
-                                      </p:to>
-                                    </p:set>
-                                  </p:childTnLst>
-                                </p:cTn>
-                              </p:par>
-                            </p:childTnLst>
-                          </p:cTn>
-                        </p:par>
-                      </p:childTnLst>
-                    </p:cTn>
-                  </p:par>
-                </p:childTnLst>
-              </p:cTn>
-              <p:prevCondLst>
-                <p:cond evt="onPrev" delay="0">
-                  <p:tgtEl>
-                    <p:sldTgt/>
-                  </p:tgtEl>
-                </p:cond>
-              </p:prevCondLst>
-              <p:nextCondLst>
-                <p:cond evt="onNext" delay="0">
-                  <p:tgtEl>
-                    <p:sldTgt/>
-                  </p:tgtEl>
-                </p:cond>
-              </p:nextCondLst>
-            </p:seq>
-          </p:childTnLst>
-        </p:cTn>
-      </p:par>
-    </p:tnLst>
-    <p:bldLst>
-      <p:bldP spid="5" grpId="0" animBg="1"/>
-      <p:bldP spid="22" grpId="0" animBg="1"/>
-      <p:bldP spid="23" grpId="0" animBg="1"/>
-      <p:bldP spid="24" grpId="0" animBg="1"/>
-      <p:bldP spid="26" grpId="0" animBg="1"/>
-      <p:bldP spid="40" grpId="0" animBg="1"/>
-    </p:bldLst>
-  </p:timing>
 </p:sld>
 </file>
 
@@ -22023,267 +23104,6 @@
   <p:clrMapOvr>
     <a:masterClrMapping/>
   </p:clrMapOvr>
-  <p:timing>
-    <p:tnLst>
-      <p:par>
-        <p:cTn id="1" dur="indefinite" restart="never" nodeType="tmRoot">
-          <p:childTnLst>
-            <p:seq concurrent="1" nextAc="seek">
-              <p:cTn id="2" dur="indefinite" nodeType="mainSeq">
-                <p:childTnLst>
-                  <p:par>
-                    <p:cTn id="3" fill="hold">
-                      <p:stCondLst>
-                        <p:cond delay="indefinite"/>
-                      </p:stCondLst>
-                      <p:childTnLst>
-                        <p:par>
-                          <p:cTn id="4" fill="hold">
-                            <p:stCondLst>
-                              <p:cond delay="0"/>
-                            </p:stCondLst>
-                            <p:childTnLst>
-                              <p:par>
-                                <p:cTn id="5" presetID="1" presetClass="entr" presetSubtype="0" fill="hold" nodeType="clickEffect">
-                                  <p:stCondLst>
-                                    <p:cond delay="0"/>
-                                  </p:stCondLst>
-                                  <p:childTnLst>
-                                    <p:set>
-                                      <p:cBhvr>
-                                        <p:cTn id="6" dur="1" fill="hold">
-                                          <p:stCondLst>
-                                            <p:cond delay="0"/>
-                                          </p:stCondLst>
-                                        </p:cTn>
-                                        <p:tgtEl>
-                                          <p:spTgt spid="27"/>
-                                        </p:tgtEl>
-                                        <p:attrNameLst>
-                                          <p:attrName>style.visibility</p:attrName>
-                                        </p:attrNameLst>
-                                      </p:cBhvr>
-                                      <p:to>
-                                        <p:strVal val="visible"/>
-                                      </p:to>
-                                    </p:set>
-                                  </p:childTnLst>
-                                </p:cTn>
-                              </p:par>
-                              <p:par>
-                                <p:cTn id="7" presetID="1" presetClass="entr" presetSubtype="0" fill="hold" nodeType="withEffect">
-                                  <p:stCondLst>
-                                    <p:cond delay="0"/>
-                                  </p:stCondLst>
-                                  <p:childTnLst>
-                                    <p:set>
-                                      <p:cBhvr>
-                                        <p:cTn id="8" dur="1" fill="hold">
-                                          <p:stCondLst>
-                                            <p:cond delay="0"/>
-                                          </p:stCondLst>
-                                        </p:cTn>
-                                        <p:tgtEl>
-                                          <p:spTgt spid="42"/>
-                                        </p:tgtEl>
-                                        <p:attrNameLst>
-                                          <p:attrName>style.visibility</p:attrName>
-                                        </p:attrNameLst>
-                                      </p:cBhvr>
-                                      <p:to>
-                                        <p:strVal val="visible"/>
-                                      </p:to>
-                                    </p:set>
-                                  </p:childTnLst>
-                                </p:cTn>
-                              </p:par>
-                              <p:par>
-                                <p:cTn id="9" presetID="1" presetClass="entr" presetSubtype="0" fill="hold" nodeType="withEffect">
-                                  <p:stCondLst>
-                                    <p:cond delay="0"/>
-                                  </p:stCondLst>
-                                  <p:childTnLst>
-                                    <p:set>
-                                      <p:cBhvr>
-                                        <p:cTn id="10" dur="1" fill="hold">
-                                          <p:stCondLst>
-                                            <p:cond delay="0"/>
-                                          </p:stCondLst>
-                                        </p:cTn>
-                                        <p:tgtEl>
-                                          <p:spTgt spid="41"/>
-                                        </p:tgtEl>
-                                        <p:attrNameLst>
-                                          <p:attrName>style.visibility</p:attrName>
-                                        </p:attrNameLst>
-                                      </p:cBhvr>
-                                      <p:to>
-                                        <p:strVal val="visible"/>
-                                      </p:to>
-                                    </p:set>
-                                  </p:childTnLst>
-                                </p:cTn>
-                              </p:par>
-                              <p:par>
-                                <p:cTn id="11" presetID="1" presetClass="entr" presetSubtype="0" fill="hold" grpId="0" nodeType="withEffect">
-                                  <p:stCondLst>
-                                    <p:cond delay="0"/>
-                                  </p:stCondLst>
-                                  <p:childTnLst>
-                                    <p:set>
-                                      <p:cBhvr>
-                                        <p:cTn id="12" dur="1" fill="hold">
-                                          <p:stCondLst>
-                                            <p:cond delay="0"/>
-                                          </p:stCondLst>
-                                        </p:cTn>
-                                        <p:tgtEl>
-                                          <p:spTgt spid="38"/>
-                                        </p:tgtEl>
-                                        <p:attrNameLst>
-                                          <p:attrName>style.visibility</p:attrName>
-                                        </p:attrNameLst>
-                                      </p:cBhvr>
-                                      <p:to>
-                                        <p:strVal val="visible"/>
-                                      </p:to>
-                                    </p:set>
-                                  </p:childTnLst>
-                                </p:cTn>
-                              </p:par>
-                              <p:par>
-                                <p:cTn id="13" presetID="1" presetClass="entr" presetSubtype="0" fill="hold" grpId="0" nodeType="withEffect">
-                                  <p:stCondLst>
-                                    <p:cond delay="0"/>
-                                  </p:stCondLst>
-                                  <p:childTnLst>
-                                    <p:set>
-                                      <p:cBhvr>
-                                        <p:cTn id="14" dur="1" fill="hold">
-                                          <p:stCondLst>
-                                            <p:cond delay="0"/>
-                                          </p:stCondLst>
-                                        </p:cTn>
-                                        <p:tgtEl>
-                                          <p:spTgt spid="53"/>
-                                        </p:tgtEl>
-                                        <p:attrNameLst>
-                                          <p:attrName>style.visibility</p:attrName>
-                                        </p:attrNameLst>
-                                      </p:cBhvr>
-                                      <p:to>
-                                        <p:strVal val="visible"/>
-                                      </p:to>
-                                    </p:set>
-                                  </p:childTnLst>
-                                </p:cTn>
-                              </p:par>
-                              <p:par>
-                                <p:cTn id="15" presetID="1" presetClass="entr" presetSubtype="0" fill="hold" grpId="0" nodeType="withEffect">
-                                  <p:stCondLst>
-                                    <p:cond delay="0"/>
-                                  </p:stCondLst>
-                                  <p:childTnLst>
-                                    <p:set>
-                                      <p:cBhvr>
-                                        <p:cTn id="16" dur="1" fill="hold">
-                                          <p:stCondLst>
-                                            <p:cond delay="0"/>
-                                          </p:stCondLst>
-                                        </p:cTn>
-                                        <p:tgtEl>
-                                          <p:spTgt spid="31"/>
-                                        </p:tgtEl>
-                                        <p:attrNameLst>
-                                          <p:attrName>style.visibility</p:attrName>
-                                        </p:attrNameLst>
-                                      </p:cBhvr>
-                                      <p:to>
-                                        <p:strVal val="visible"/>
-                                      </p:to>
-                                    </p:set>
-                                  </p:childTnLst>
-                                </p:cTn>
-                              </p:par>
-                            </p:childTnLst>
-                          </p:cTn>
-                        </p:par>
-                      </p:childTnLst>
-                    </p:cTn>
-                  </p:par>
-                  <p:par>
-                    <p:cTn id="17" fill="hold">
-                      <p:stCondLst>
-                        <p:cond delay="indefinite"/>
-                      </p:stCondLst>
-                      <p:childTnLst>
-                        <p:par>
-                          <p:cTn id="18" fill="hold">
-                            <p:stCondLst>
-                              <p:cond delay="0"/>
-                            </p:stCondLst>
-                            <p:childTnLst>
-                              <p:par>
-                                <p:cTn id="19" presetID="1" presetClass="entr" presetSubtype="0" fill="hold" grpId="0" nodeType="clickEffect">
-                                  <p:stCondLst>
-                                    <p:cond delay="0"/>
-                                  </p:stCondLst>
-                                  <p:childTnLst>
-                                    <p:set>
-                                      <p:cBhvr>
-                                        <p:cTn id="20" dur="1" fill="hold">
-                                          <p:stCondLst>
-                                            <p:cond delay="0"/>
-                                          </p:stCondLst>
-                                        </p:cTn>
-                                        <p:tgtEl>
-                                          <p:spTgt spid="54"/>
-                                        </p:tgtEl>
-                                        <p:attrNameLst>
-                                          <p:attrName>style.visibility</p:attrName>
-                                        </p:attrNameLst>
-                                      </p:cBhvr>
-                                      <p:to>
-                                        <p:strVal val="visible"/>
-                                      </p:to>
-                                    </p:set>
-                                  </p:childTnLst>
-                                </p:cTn>
-                              </p:par>
-                            </p:childTnLst>
-                          </p:cTn>
-                        </p:par>
-                      </p:childTnLst>
-                    </p:cTn>
-                  </p:par>
-                </p:childTnLst>
-              </p:cTn>
-              <p:prevCondLst>
-                <p:cond evt="onPrev" delay="0">
-                  <p:tgtEl>
-                    <p:sldTgt/>
-                  </p:tgtEl>
-                </p:cond>
-              </p:prevCondLst>
-              <p:nextCondLst>
-                <p:cond evt="onNext" delay="0">
-                  <p:tgtEl>
-                    <p:sldTgt/>
-                  </p:tgtEl>
-                </p:cond>
-              </p:nextCondLst>
-            </p:seq>
-          </p:childTnLst>
-        </p:cTn>
-      </p:par>
-    </p:tnLst>
-    <p:bldLst>
-      <p:bldP spid="31" grpId="0"/>
-      <p:bldP spid="38" grpId="0"/>
-      <p:bldP spid="53" grpId="0"/>
-      <p:bldP spid="54" grpId="0" animBg="1"/>
-    </p:bldLst>
-  </p:timing>
 </p:sld>
 </file>
 
@@ -23143,7 +23963,7 @@
                             </p:stCondLst>
                             <p:childTnLst>
                               <p:par>
-                                <p:cTn id="5" presetID="1" presetClass="entr" presetSubtype="0" fill="hold" nodeType="clickEffect">
+                                <p:cTn id="5" presetID="1" presetClass="entr" presetSubtype="0" fill="hold" grpId="0" nodeType="clickEffect">
                                   <p:stCondLst>
                                     <p:cond delay="0"/>
                                   </p:stCondLst>
@@ -23151,331 +23971,6 @@
                                     <p:set>
                                       <p:cBhvr>
                                         <p:cTn id="6" dur="1" fill="hold">
-                                          <p:stCondLst>
-                                            <p:cond delay="0"/>
-                                          </p:stCondLst>
-                                        </p:cTn>
-                                        <p:tgtEl>
-                                          <p:spTgt spid="20">
-                                            <p:txEl>
-                                              <p:pRg st="5" end="5"/>
-                                            </p:txEl>
-                                          </p:spTgt>
-                                        </p:tgtEl>
-                                        <p:attrNameLst>
-                                          <p:attrName>style.visibility</p:attrName>
-                                        </p:attrNameLst>
-                                      </p:cBhvr>
-                                      <p:to>
-                                        <p:strVal val="visible"/>
-                                      </p:to>
-                                    </p:set>
-                                  </p:childTnLst>
-                                </p:cTn>
-                              </p:par>
-                            </p:childTnLst>
-                          </p:cTn>
-                        </p:par>
-                      </p:childTnLst>
-                    </p:cTn>
-                  </p:par>
-                  <p:par>
-                    <p:cTn id="7" fill="hold">
-                      <p:stCondLst>
-                        <p:cond delay="indefinite"/>
-                      </p:stCondLst>
-                      <p:childTnLst>
-                        <p:par>
-                          <p:cTn id="8" fill="hold">
-                            <p:stCondLst>
-                              <p:cond delay="0"/>
-                            </p:stCondLst>
-                            <p:childTnLst>
-                              <p:par>
-                                <p:cTn id="9" presetID="1" presetClass="entr" presetSubtype="0" fill="hold" nodeType="clickEffect">
-                                  <p:stCondLst>
-                                    <p:cond delay="0"/>
-                                  </p:stCondLst>
-                                  <p:childTnLst>
-                                    <p:set>
-                                      <p:cBhvr>
-                                        <p:cTn id="10" dur="1" fill="hold">
-                                          <p:stCondLst>
-                                            <p:cond delay="0"/>
-                                          </p:stCondLst>
-                                        </p:cTn>
-                                        <p:tgtEl>
-                                          <p:spTgt spid="20">
-                                            <p:txEl>
-                                              <p:pRg st="6" end="6"/>
-                                            </p:txEl>
-                                          </p:spTgt>
-                                        </p:tgtEl>
-                                        <p:attrNameLst>
-                                          <p:attrName>style.visibility</p:attrName>
-                                        </p:attrNameLst>
-                                      </p:cBhvr>
-                                      <p:to>
-                                        <p:strVal val="visible"/>
-                                      </p:to>
-                                    </p:set>
-                                  </p:childTnLst>
-                                </p:cTn>
-                              </p:par>
-                            </p:childTnLst>
-                          </p:cTn>
-                        </p:par>
-                      </p:childTnLst>
-                    </p:cTn>
-                  </p:par>
-                  <p:par>
-                    <p:cTn id="11" fill="hold">
-                      <p:stCondLst>
-                        <p:cond delay="indefinite"/>
-                      </p:stCondLst>
-                      <p:childTnLst>
-                        <p:par>
-                          <p:cTn id="12" fill="hold">
-                            <p:stCondLst>
-                              <p:cond delay="0"/>
-                            </p:stCondLst>
-                            <p:childTnLst>
-                              <p:par>
-                                <p:cTn id="13" presetID="1" presetClass="entr" presetSubtype="0" fill="hold" nodeType="clickEffect">
-                                  <p:stCondLst>
-                                    <p:cond delay="0"/>
-                                  </p:stCondLst>
-                                  <p:childTnLst>
-                                    <p:set>
-                                      <p:cBhvr>
-                                        <p:cTn id="14" dur="1" fill="hold">
-                                          <p:stCondLst>
-                                            <p:cond delay="0"/>
-                                          </p:stCondLst>
-                                        </p:cTn>
-                                        <p:tgtEl>
-                                          <p:spTgt spid="20">
-                                            <p:txEl>
-                                              <p:pRg st="7" end="7"/>
-                                            </p:txEl>
-                                          </p:spTgt>
-                                        </p:tgtEl>
-                                        <p:attrNameLst>
-                                          <p:attrName>style.visibility</p:attrName>
-                                        </p:attrNameLst>
-                                      </p:cBhvr>
-                                      <p:to>
-                                        <p:strVal val="visible"/>
-                                      </p:to>
-                                    </p:set>
-                                  </p:childTnLst>
-                                </p:cTn>
-                              </p:par>
-                            </p:childTnLst>
-                          </p:cTn>
-                        </p:par>
-                      </p:childTnLst>
-                    </p:cTn>
-                  </p:par>
-                  <p:par>
-                    <p:cTn id="15" fill="hold">
-                      <p:stCondLst>
-                        <p:cond delay="indefinite"/>
-                      </p:stCondLst>
-                      <p:childTnLst>
-                        <p:par>
-                          <p:cTn id="16" fill="hold">
-                            <p:stCondLst>
-                              <p:cond delay="0"/>
-                            </p:stCondLst>
-                            <p:childTnLst>
-                              <p:par>
-                                <p:cTn id="17" presetID="1" presetClass="entr" presetSubtype="0" fill="hold" nodeType="clickEffect">
-                                  <p:stCondLst>
-                                    <p:cond delay="0"/>
-                                  </p:stCondLst>
-                                  <p:childTnLst>
-                                    <p:set>
-                                      <p:cBhvr>
-                                        <p:cTn id="18" dur="1" fill="hold">
-                                          <p:stCondLst>
-                                            <p:cond delay="0"/>
-                                          </p:stCondLst>
-                                        </p:cTn>
-                                        <p:tgtEl>
-                                          <p:spTgt spid="20">
-                                            <p:txEl>
-                                              <p:pRg st="8" end="8"/>
-                                            </p:txEl>
-                                          </p:spTgt>
-                                        </p:tgtEl>
-                                        <p:attrNameLst>
-                                          <p:attrName>style.visibility</p:attrName>
-                                        </p:attrNameLst>
-                                      </p:cBhvr>
-                                      <p:to>
-                                        <p:strVal val="visible"/>
-                                      </p:to>
-                                    </p:set>
-                                  </p:childTnLst>
-                                </p:cTn>
-                              </p:par>
-                            </p:childTnLst>
-                          </p:cTn>
-                        </p:par>
-                      </p:childTnLst>
-                    </p:cTn>
-                  </p:par>
-                  <p:par>
-                    <p:cTn id="19" fill="hold">
-                      <p:stCondLst>
-                        <p:cond delay="indefinite"/>
-                      </p:stCondLst>
-                      <p:childTnLst>
-                        <p:par>
-                          <p:cTn id="20" fill="hold">
-                            <p:stCondLst>
-                              <p:cond delay="0"/>
-                            </p:stCondLst>
-                            <p:childTnLst>
-                              <p:par>
-                                <p:cTn id="21" presetID="1" presetClass="entr" presetSubtype="0" fill="hold" nodeType="clickEffect">
-                                  <p:stCondLst>
-                                    <p:cond delay="0"/>
-                                  </p:stCondLst>
-                                  <p:childTnLst>
-                                    <p:set>
-                                      <p:cBhvr>
-                                        <p:cTn id="22" dur="1" fill="hold">
-                                          <p:stCondLst>
-                                            <p:cond delay="0"/>
-                                          </p:stCondLst>
-                                        </p:cTn>
-                                        <p:tgtEl>
-                                          <p:spTgt spid="20">
-                                            <p:txEl>
-                                              <p:pRg st="9" end="9"/>
-                                            </p:txEl>
-                                          </p:spTgt>
-                                        </p:tgtEl>
-                                        <p:attrNameLst>
-                                          <p:attrName>style.visibility</p:attrName>
-                                        </p:attrNameLst>
-                                      </p:cBhvr>
-                                      <p:to>
-                                        <p:strVal val="visible"/>
-                                      </p:to>
-                                    </p:set>
-                                  </p:childTnLst>
-                                </p:cTn>
-                              </p:par>
-                            </p:childTnLst>
-                          </p:cTn>
-                        </p:par>
-                      </p:childTnLst>
-                    </p:cTn>
-                  </p:par>
-                  <p:par>
-                    <p:cTn id="23" fill="hold">
-                      <p:stCondLst>
-                        <p:cond delay="indefinite"/>
-                      </p:stCondLst>
-                      <p:childTnLst>
-                        <p:par>
-                          <p:cTn id="24" fill="hold">
-                            <p:stCondLst>
-                              <p:cond delay="0"/>
-                            </p:stCondLst>
-                            <p:childTnLst>
-                              <p:par>
-                                <p:cTn id="25" presetID="1" presetClass="entr" presetSubtype="0" fill="hold" nodeType="clickEffect">
-                                  <p:stCondLst>
-                                    <p:cond delay="0"/>
-                                  </p:stCondLst>
-                                  <p:childTnLst>
-                                    <p:set>
-                                      <p:cBhvr>
-                                        <p:cTn id="26" dur="1" fill="hold">
-                                          <p:stCondLst>
-                                            <p:cond delay="0"/>
-                                          </p:stCondLst>
-                                        </p:cTn>
-                                        <p:tgtEl>
-                                          <p:spTgt spid="20">
-                                            <p:txEl>
-                                              <p:pRg st="10" end="10"/>
-                                            </p:txEl>
-                                          </p:spTgt>
-                                        </p:tgtEl>
-                                        <p:attrNameLst>
-                                          <p:attrName>style.visibility</p:attrName>
-                                        </p:attrNameLst>
-                                      </p:cBhvr>
-                                      <p:to>
-                                        <p:strVal val="visible"/>
-                                      </p:to>
-                                    </p:set>
-                                  </p:childTnLst>
-                                </p:cTn>
-                              </p:par>
-                              <p:par>
-                                <p:cTn id="27" presetID="1" presetClass="entr" presetSubtype="0" fill="hold" nodeType="withEffect">
-                                  <p:stCondLst>
-                                    <p:cond delay="0"/>
-                                  </p:stCondLst>
-                                  <p:childTnLst>
-                                    <p:set>
-                                      <p:cBhvr>
-                                        <p:cTn id="28" dur="1" fill="hold">
-                                          <p:stCondLst>
-                                            <p:cond delay="0"/>
-                                          </p:stCondLst>
-                                        </p:cTn>
-                                        <p:tgtEl>
-                                          <p:spTgt spid="20">
-                                            <p:txEl>
-                                              <p:pRg st="11" end="11"/>
-                                            </p:txEl>
-                                          </p:spTgt>
-                                        </p:tgtEl>
-                                        <p:attrNameLst>
-                                          <p:attrName>style.visibility</p:attrName>
-                                        </p:attrNameLst>
-                                      </p:cBhvr>
-                                      <p:to>
-                                        <p:strVal val="visible"/>
-                                      </p:to>
-                                    </p:set>
-                                  </p:childTnLst>
-                                </p:cTn>
-                              </p:par>
-                            </p:childTnLst>
-                          </p:cTn>
-                        </p:par>
-                      </p:childTnLst>
-                    </p:cTn>
-                  </p:par>
-                  <p:par>
-                    <p:cTn id="29" fill="hold">
-                      <p:stCondLst>
-                        <p:cond delay="indefinite"/>
-                      </p:stCondLst>
-                      <p:childTnLst>
-                        <p:par>
-                          <p:cTn id="30" fill="hold">
-                            <p:stCondLst>
-                              <p:cond delay="0"/>
-                            </p:stCondLst>
-                            <p:childTnLst>
-                              <p:par>
-                                <p:cTn id="31" presetID="1" presetClass="entr" presetSubtype="0" fill="hold" grpId="0" nodeType="clickEffect">
-                                  <p:stCondLst>
-                                    <p:cond delay="0"/>
-                                  </p:stCondLst>
-                                  <p:childTnLst>
-                                    <p:set>
-                                      <p:cBhvr>
-                                        <p:cTn id="32" dur="1" fill="hold">
                                           <p:stCondLst>
                                             <p:cond delay="0"/>
                                           </p:stCondLst>
@@ -26986,7 +27481,7 @@
         </p:spPr>
         <p:txBody>
           <a:bodyPr>
-            <a:normAutofit lnSpcReduction="10000"/>
+            <a:normAutofit/>
           </a:bodyPr>
           <a:lstStyle/>
           <a:p>
@@ -27048,41 +27543,6 @@
                 <a:sym typeface="Symbol" pitchFamily="2" charset="2"/>
               </a:rPr>
               <a:t>Feststellung durch Test-Kriterium-Korrelation</a:t>
-            </a:r>
-          </a:p>
-          <a:p>
-            <a:r>
-              <a:rPr lang="de-DE" dirty="0">
-                <a:sym typeface="Symbol" pitchFamily="2" charset="2"/>
-              </a:rPr>
-              <a:t>Geeignete Kriterien:</a:t>
-            </a:r>
-          </a:p>
-          <a:p>
-            <a:pPr lvl="1"/>
-            <a:r>
-              <a:rPr lang="de-DE" dirty="0">
-                <a:sym typeface="Symbol" pitchFamily="2" charset="2"/>
-              </a:rPr>
-              <a:t>Abhängig von dem Anwendungszweck und Relevanz für die diagnostische Entscheidung</a:t>
-            </a:r>
-          </a:p>
-          <a:p>
-            <a:pPr lvl="1"/>
-            <a:r>
-              <a:rPr lang="de-DE" dirty="0">
-                <a:sym typeface="Symbol" pitchFamily="2" charset="2"/>
-              </a:rPr>
-              <a:t>Reliable gemessen</a:t>
-            </a:r>
-          </a:p>
-          <a:p>
-            <a:pPr lvl="1"/>
-            <a:r>
-              <a:rPr lang="de-DE" dirty="0">
-                <a:sym typeface="Symbol" pitchFamily="2" charset="2"/>
-              </a:rPr>
-              <a:t>Im Idealfall wird die Interpretation durch theoretische Annahmen und empirische Belege gestützt</a:t>
             </a:r>
           </a:p>
           <a:p>
@@ -27214,6 +27674,17 @@
           <a:lstStyle/>
           <a:p>
             <a:r>
+              <a:rPr lang="de-DE" sz="2400" b="1" dirty="0">
+                <a:solidFill>
+                  <a:schemeClr val="tx1"/>
+                </a:solidFill>
+                <a:latin typeface="Arial" panose="020B0604020202020204" pitchFamily="34" charset="0"/>
+                <a:cs typeface="Arial" panose="020B0604020202020204" pitchFamily="34" charset="0"/>
+                <a:sym typeface="Symbol" pitchFamily="2" charset="2"/>
+              </a:rPr>
+              <a:t>Definition</a:t>
+            </a:r>
+            <a:r>
               <a:rPr lang="de-DE" sz="2400" dirty="0">
                 <a:solidFill>
                   <a:schemeClr val="tx1"/>
@@ -27222,7 +27693,7 @@
                 <a:cs typeface="Arial" panose="020B0604020202020204" pitchFamily="34" charset="0"/>
                 <a:sym typeface="Symbol" pitchFamily="2" charset="2"/>
               </a:rPr>
-              <a:t>„Ein Test weist Kriteriumsvalidität auf, wenn von einem </a:t>
+              <a:t>: „Ein Test weist Kriteriumsvalidität auf, wenn von einem </a:t>
             </a:r>
             <a:r>
               <a:rPr lang="de-DE" sz="2400" dirty="0" err="1">
@@ -27480,7 +27951,37 @@
               <a:rPr lang="de-DE" dirty="0">
                 <a:sym typeface="Symbol" pitchFamily="2" charset="2"/>
               </a:rPr>
-              <a:t>Arten der Kriteriumsvalidität je nachdem, zu welchem Zeitpunkt das Kriterium auftrat oder gemessen wurde</a:t>
+              <a:t>Arten der </a:t>
+            </a:r>
+            <a:r>
+              <a:rPr lang="de-DE" dirty="0" err="1">
+                <a:sym typeface="Symbol" pitchFamily="2" charset="2"/>
+              </a:rPr>
+              <a:t>Kriteriumsvalidität</a:t>
+            </a:r>
+            <a:r>
+              <a:rPr lang="de-DE" dirty="0">
+                <a:sym typeface="Symbol" pitchFamily="2" charset="2"/>
+              </a:rPr>
+              <a:t>: abhängig vom </a:t>
+            </a:r>
+            <a:r>
+              <a:rPr lang="de-DE" i="1" dirty="0">
+                <a:sym typeface="Symbol" pitchFamily="2" charset="2"/>
+              </a:rPr>
+              <a:t>Zeitpunkt</a:t>
+            </a:r>
+            <a:r>
+              <a:rPr lang="de-DE" dirty="0">
+                <a:sym typeface="Symbol" pitchFamily="2" charset="2"/>
+              </a:rPr>
+              <a:t>! </a:t>
+            </a:r>
+            <a:r>
+              <a:rPr lang="de-DE" sz="1400" dirty="0">
+                <a:sym typeface="Symbol" pitchFamily="2" charset="2"/>
+              </a:rPr>
+              <a:t>(in dem das Kriterium auftrat oder gemessen wurde)</a:t>
             </a:r>
           </a:p>
           <a:p>
@@ -27505,10 +28006,28 @@
           <a:p>
             <a:pPr lvl="1"/>
             <a:r>
+              <a:rPr lang="de-DE" i="1" dirty="0">
+                <a:sym typeface="Symbol" pitchFamily="2" charset="2"/>
+              </a:rPr>
+              <a:t>Konstrukt</a:t>
+            </a:r>
+            <a:r>
               <a:rPr lang="de-DE" dirty="0">
                 <a:sym typeface="Symbol" pitchFamily="2" charset="2"/>
               </a:rPr>
-              <a:t>Konstrukt zu MZP1, Kriterium zu MZP2</a:t>
+              <a:t> zu MZP1, </a:t>
+            </a:r>
+            <a:r>
+              <a:rPr lang="de-DE" i="1" dirty="0">
+                <a:sym typeface="Symbol" pitchFamily="2" charset="2"/>
+              </a:rPr>
+              <a:t>Kriterium</a:t>
+            </a:r>
+            <a:r>
+              <a:rPr lang="de-DE" dirty="0">
+                <a:sym typeface="Symbol" pitchFamily="2" charset="2"/>
+              </a:rPr>
+              <a:t> zu MZP2</a:t>
             </a:r>
           </a:p>
           <a:p>
@@ -27525,10 +28044,28 @@
           <a:p>
             <a:pPr lvl="1"/>
             <a:r>
+              <a:rPr lang="de-DE" i="1" dirty="0">
+                <a:sym typeface="Symbol" pitchFamily="2" charset="2"/>
+              </a:rPr>
+              <a:t>Konstrukt</a:t>
+            </a:r>
+            <a:r>
               <a:rPr lang="de-DE" dirty="0">
                 <a:sym typeface="Symbol" pitchFamily="2" charset="2"/>
               </a:rPr>
-              <a:t>Konstrukt und Kriterium werden zeitlich erhoben</a:t>
+              <a:t> und </a:t>
+            </a:r>
+            <a:r>
+              <a:rPr lang="de-DE" i="1" dirty="0">
+                <a:sym typeface="Symbol" pitchFamily="2" charset="2"/>
+              </a:rPr>
+              <a:t>Kriterium</a:t>
+            </a:r>
+            <a:r>
+              <a:rPr lang="de-DE" dirty="0">
+                <a:sym typeface="Symbol" pitchFamily="2" charset="2"/>
+              </a:rPr>
+              <a:t> werden zeitgleich erhoben</a:t>
             </a:r>
           </a:p>
           <a:p>
@@ -27545,10 +28082,28 @@
           <a:p>
             <a:pPr lvl="1"/>
             <a:r>
+              <a:rPr lang="de-DE" i="1" dirty="0">
+                <a:sym typeface="Symbol" pitchFamily="2" charset="2"/>
+              </a:rPr>
+              <a:t>Kriterium</a:t>
+            </a:r>
+            <a:r>
               <a:rPr lang="de-DE" dirty="0">
                 <a:sym typeface="Symbol" pitchFamily="2" charset="2"/>
               </a:rPr>
-              <a:t>Kriterium zu MZP1, Konstrukt zu MZP2</a:t>
+              <a:t> zu MZP1, </a:t>
+            </a:r>
+            <a:r>
+              <a:rPr lang="de-DE" i="1" dirty="0">
+                <a:sym typeface="Symbol" pitchFamily="2" charset="2"/>
+              </a:rPr>
+              <a:t>Konstrukt</a:t>
+            </a:r>
+            <a:r>
+              <a:rPr lang="de-DE" dirty="0">
+                <a:sym typeface="Symbol" pitchFamily="2" charset="2"/>
+              </a:rPr>
+              <a:t> zu MZP2</a:t>
             </a:r>
           </a:p>
           <a:p>
@@ -27568,7 +28123,7 @@
               <a:rPr lang="de-DE" dirty="0">
                 <a:sym typeface="Symbol" pitchFamily="2" charset="2"/>
               </a:rPr>
-              <a:t>Überprüfung, in welchem Ausmaß sich die Vorhersagbarkeit eines Kriteriums durch die Hinzunahme eines Konstruktes zu bereits existierenden Tests hinzugenommen wird</a:t>
+              <a:t>in welchem Ausmaß verändert sich die Vorhersagbarkeit eines Kriteriums durch die Hinzunahme eines Konstruktes</a:t>
             </a:r>
           </a:p>
           <a:p>
@@ -29665,7 +30220,7 @@
 </file>
 
 <file path=ppt/slides/slide30.xml><?xml version="1.0" encoding="utf-8"?>
-<p:sld xmlns:a="http://schemas.openxmlformats.org/drawingml/2006/main" xmlns:r="http://schemas.openxmlformats.org/officeDocument/2006/relationships" xmlns:p="http://schemas.openxmlformats.org/presentationml/2006/main">
+<p:sld xmlns:a="http://schemas.openxmlformats.org/drawingml/2006/main" xmlns:r="http://schemas.openxmlformats.org/officeDocument/2006/relationships" xmlns:p="http://schemas.openxmlformats.org/presentationml/2006/main" show="0">
   <p:cSld>
     <p:spTree>
       <p:nvGrpSpPr>
@@ -32209,42 +32764,6 @@
           </a:p>
         </p:txBody>
       </p:sp>
-      <p:pic>
-        <p:nvPicPr>
-          <p:cNvPr id="3" name="Grafik 2">
-            <a:extLst>
-              <a:ext uri="{FF2B5EF4-FFF2-40B4-BE49-F238E27FC236}">
-                <a16:creationId xmlns:a16="http://schemas.microsoft.com/office/drawing/2014/main" id="{53FCDC05-6AFE-A14D-9348-224F2F03C6B3}"/>
-              </a:ext>
-            </a:extLst>
-          </p:cNvPr>
-          <p:cNvPicPr>
-            <a:picLocks noChangeAspect="1"/>
-          </p:cNvPicPr>
-          <p:nvPr/>
-        </p:nvPicPr>
-        <p:blipFill>
-          <a:blip r:embed="rId5">
-            <a:extLst>
-              <a:ext uri="{28A0092B-C50C-407E-A947-70E740481C1C}">
-                <a14:useLocalDpi xmlns:a14="http://schemas.microsoft.com/office/drawing/2010/main" val="0"/>
-              </a:ext>
-            </a:extLst>
-          </a:blip>
-          <a:stretch>
-            <a:fillRect/>
-          </a:stretch>
-        </p:blipFill>
-        <p:spPr>
-          <a:xfrm>
-            <a:off x="8625122" y="3378823"/>
-            <a:ext cx="3268705" cy="3268705"/>
-          </a:xfrm>
-          <a:prstGeom prst="rect">
-            <a:avLst/>
-          </a:prstGeom>
-        </p:spPr>
-      </p:pic>
     </p:spTree>
     <p:extLst>
       <p:ext uri="{BB962C8B-B14F-4D97-AF65-F5344CB8AC3E}">
@@ -32522,42 +33041,6 @@
           </a:p>
         </p:txBody>
       </p:sp>
-      <p:pic>
-        <p:nvPicPr>
-          <p:cNvPr id="5" name="Grafik 4">
-            <a:extLst>
-              <a:ext uri="{FF2B5EF4-FFF2-40B4-BE49-F238E27FC236}">
-                <a16:creationId xmlns:a16="http://schemas.microsoft.com/office/drawing/2014/main" id="{7FD31A02-07C5-F14F-8B25-5C83650AF625}"/>
-              </a:ext>
-            </a:extLst>
-          </p:cNvPr>
-          <p:cNvPicPr>
-            <a:picLocks noChangeAspect="1"/>
-          </p:cNvPicPr>
-          <p:nvPr/>
-        </p:nvPicPr>
-        <p:blipFill>
-          <a:blip r:embed="rId5">
-            <a:extLst>
-              <a:ext uri="{28A0092B-C50C-407E-A947-70E740481C1C}">
-                <a14:useLocalDpi xmlns:a14="http://schemas.microsoft.com/office/drawing/2010/main" val="0"/>
-              </a:ext>
-            </a:extLst>
-          </a:blip>
-          <a:stretch>
-            <a:fillRect/>
-          </a:stretch>
-        </p:blipFill>
-        <p:spPr>
-          <a:xfrm>
-            <a:off x="8610600" y="3109727"/>
-            <a:ext cx="3344924" cy="3344924"/>
-          </a:xfrm>
-          <a:prstGeom prst="rect">
-            <a:avLst/>
-          </a:prstGeom>
-        </p:spPr>
-      </p:pic>
     </p:spTree>
     <p:extLst>
       <p:ext uri="{BB962C8B-B14F-4D97-AF65-F5344CB8AC3E}">
